--- a/Plasmidanalyse_Stand_Anfang_Januar.pptx
+++ b/Plasmidanalyse_Stand_Anfang_Januar.pptx
@@ -2,27 +2,27 @@
 <file path=ppt/presentation.xml><?xml version="1.0" encoding="utf-8"?>
 <p:presentation xmlns:a="http://schemas.openxmlformats.org/drawingml/2006/main" xmlns:r="http://schemas.openxmlformats.org/officeDocument/2006/relationships" xmlns:p="http://schemas.openxmlformats.org/presentationml/2006/main">
   <p:sldMasterIdLst>
-    <p:sldMasterId id="2147483648" r:id="rId5"/>
+    <p:sldMasterId id="2147483648" r:id="rId1"/>
   </p:sldMasterIdLst>
   <p:notesMasterIdLst>
-    <p:notesMasterId r:id="rId7"/>
+    <p:notesMasterId r:id="rId17"/>
   </p:notesMasterIdLst>
   <p:sldIdLst>
-    <p:sldId id="256" r:id="rId8"/>
-    <p:sldId id="257" r:id="rId9"/>
-    <p:sldId id="258" r:id="rId10"/>
-    <p:sldId id="259" r:id="rId11"/>
-    <p:sldId id="260" r:id="rId13"/>
-    <p:sldId id="261" r:id="rId14"/>
-    <p:sldId id="262" r:id="rId15"/>
-    <p:sldId id="263" r:id="rId16"/>
-    <p:sldId id="264" r:id="rId17"/>
-    <p:sldId id="265" r:id="rId18"/>
-    <p:sldId id="266" r:id="rId19"/>
-    <p:sldId id="267" r:id="rId20"/>
-    <p:sldId id="268" r:id="rId21"/>
-    <p:sldId id="269" r:id="rId22"/>
-    <p:sldId id="270" r:id="rId23"/>
+    <p:sldId id="256" r:id="rId2"/>
+    <p:sldId id="257" r:id="rId3"/>
+    <p:sldId id="258" r:id="rId4"/>
+    <p:sldId id="259" r:id="rId5"/>
+    <p:sldId id="260" r:id="rId6"/>
+    <p:sldId id="261" r:id="rId7"/>
+    <p:sldId id="262" r:id="rId8"/>
+    <p:sldId id="263" r:id="rId9"/>
+    <p:sldId id="264" r:id="rId10"/>
+    <p:sldId id="265" r:id="rId11"/>
+    <p:sldId id="266" r:id="rId12"/>
+    <p:sldId id="267" r:id="rId13"/>
+    <p:sldId id="268" r:id="rId14"/>
+    <p:sldId id="269" r:id="rId15"/>
+    <p:sldId id="270" r:id="rId16"/>
   </p:sldIdLst>
   <p:sldSz cx="13004800" cy="9753600"/>
   <p:notesSz cx="6858000" cy="9144000"/>
@@ -148,6 +148,11 @@
 <file path=ppt/notesMasters/notesMaster1.xml><?xml version="1.0" encoding="utf-8"?>
 <p:notesMaster xmlns:a="http://schemas.openxmlformats.org/drawingml/2006/main" xmlns:r="http://schemas.openxmlformats.org/officeDocument/2006/relationships" xmlns:p="http://schemas.openxmlformats.org/presentationml/2006/main">
   <p:cSld>
+    <p:bg>
+      <p:bgRef idx="1001">
+        <a:schemeClr val="bg1"/>
+      </p:bgRef>
+    </p:bg>
     <p:spTree>
       <p:nvGrpSpPr>
         <p:cNvPr id="1" name=""/>
@@ -165,7 +170,9 @@
       <p:sp>
         <p:nvSpPr>
           <p:cNvPr id="29" name="Shape 29"/>
-          <p:cNvSpPr/>
+          <p:cNvSpPr>
+            <a:spLocks noGrp="1" noRot="1" noChangeAspect="1"/>
+          </p:cNvSpPr>
           <p:nvPr>
             <p:ph type="sldImg"/>
           </p:nvPr>
@@ -184,13 +191,16 @@
           <a:lstStyle/>
           <a:p>
             <a:pPr lvl="0"/>
+            <a:endParaRPr/>
           </a:p>
         </p:txBody>
       </p:sp>
       <p:sp>
         <p:nvSpPr>
           <p:cNvPr id="30" name="Shape 30"/>
-          <p:cNvSpPr/>
+          <p:cNvSpPr>
+            <a:spLocks noGrp="1"/>
+          </p:cNvSpPr>
           <p:nvPr>
             <p:ph type="body" sz="quarter" idx="1"/>
           </p:nvPr>
@@ -209,10 +219,16 @@
           <a:lstStyle/>
           <a:p>
             <a:pPr lvl="0"/>
+            <a:endParaRPr/>
           </a:p>
         </p:txBody>
       </p:sp>
     </p:spTree>
+    <p:extLst>
+      <p:ext uri="{BB962C8B-B14F-4D97-AF65-F5344CB8AC3E}">
+        <p14:creationId xmlns:p14="http://schemas.microsoft.com/office/powerpoint/2010/main" val="451182192"/>
+      </p:ext>
+    </p:extLst>
   </p:cSld>
   <p:clrMap bg1="lt1" tx1="dk1" bg2="lt2" tx2="dk2" accent1="accent1" accent2="accent2" accent3="accent3" accent4="accent4" accent5="accent5" accent6="accent6" hlink="hlink" folHlink="folHlink"/>
   <p:notesStyle>
@@ -320,7 +336,7 @@
 </file>
 
 <file path=ppt/slideLayouts/slideLayout1.xml><?xml version="1.0" encoding="utf-8"?>
-<p:sldLayout xmlns:a="http://schemas.openxmlformats.org/drawingml/2006/main" xmlns:r="http://schemas.openxmlformats.org/officeDocument/2006/relationships" xmlns:p="http://schemas.openxmlformats.org/presentationml/2006/main" type="tx" showMasterSp="1" showMasterPhAnim="1">
+<p:sldLayout xmlns:a="http://schemas.openxmlformats.org/drawingml/2006/main" xmlns:r="http://schemas.openxmlformats.org/officeDocument/2006/relationships" xmlns:p="http://schemas.openxmlformats.org/presentationml/2006/main" type="tx">
   <p:cSld name="Titel &amp; Untertitel">
     <p:spTree>
       <p:nvGrpSpPr>
@@ -339,7 +355,9 @@
       <p:sp>
         <p:nvSpPr>
           <p:cNvPr id="5" name="Shape 5"/>
-          <p:cNvSpPr/>
+          <p:cNvSpPr>
+            <a:spLocks noGrp="1"/>
+          </p:cNvSpPr>
           <p:nvPr>
             <p:ph type="title"/>
           </p:nvPr>
@@ -378,7 +396,9 @@
       <p:sp>
         <p:nvSpPr>
           <p:cNvPr id="6" name="Shape 6"/>
-          <p:cNvSpPr/>
+          <p:cNvSpPr>
+            <a:spLocks noGrp="1"/>
+          </p:cNvSpPr>
           <p:nvPr>
             <p:ph type="body" idx="1"/>
           </p:nvPr>
@@ -452,11 +472,6 @@
               </a:rPr>
               <a:t>Textebene 1</a:t>
             </a:r>
-            <a:endParaRPr sz="3200">
-              <a:solidFill>
-                <a:srgbClr val="FFFFFF"/>
-              </a:solidFill>
-            </a:endParaRPr>
           </a:p>
           <a:p>
             <a:pPr lvl="1">
@@ -474,11 +489,6 @@
               </a:rPr>
               <a:t>Textebene 2</a:t>
             </a:r>
-            <a:endParaRPr sz="3200">
-              <a:solidFill>
-                <a:srgbClr val="FFFFFF"/>
-              </a:solidFill>
-            </a:endParaRPr>
           </a:p>
           <a:p>
             <a:pPr lvl="2">
@@ -496,11 +506,6 @@
               </a:rPr>
               <a:t>Textebene 3</a:t>
             </a:r>
-            <a:endParaRPr sz="3200">
-              <a:solidFill>
-                <a:srgbClr val="FFFFFF"/>
-              </a:solidFill>
-            </a:endParaRPr>
           </a:p>
           <a:p>
             <a:pPr lvl="3">
@@ -518,11 +523,6 @@
               </a:rPr>
               <a:t>Textebene 4</a:t>
             </a:r>
-            <a:endParaRPr sz="3200">
-              <a:solidFill>
-                <a:srgbClr val="FFFFFF"/>
-              </a:solidFill>
-            </a:endParaRPr>
           </a:p>
           <a:p>
             <a:pPr lvl="4">
@@ -548,12 +548,12 @@
   <p:clrMapOvr>
     <a:masterClrMapping/>
   </p:clrMapOvr>
-  <p:transition spd="med" advClick="1"/>
+  <p:transition xmlns:p14="http://schemas.microsoft.com/office/powerpoint/2010/main" spd="med"/>
 </p:sldLayout>
 </file>
 
 <file path=ppt/slideLayouts/slideLayout10.xml><?xml version="1.0" encoding="utf-8"?>
-<p:sldLayout xmlns:a="http://schemas.openxmlformats.org/drawingml/2006/main" xmlns:r="http://schemas.openxmlformats.org/officeDocument/2006/relationships" xmlns:p="http://schemas.openxmlformats.org/presentationml/2006/main" type="tx" showMasterSp="1" showMasterPhAnim="1">
+<p:sldLayout xmlns:a="http://schemas.openxmlformats.org/drawingml/2006/main" xmlns:r="http://schemas.openxmlformats.org/officeDocument/2006/relationships" xmlns:p="http://schemas.openxmlformats.org/presentationml/2006/main" type="tx">
   <p:cSld name="Zitat">
     <p:spTree>
       <p:nvGrpSpPr>
@@ -574,12 +574,12 @@
   <p:clrMapOvr>
     <a:masterClrMapping/>
   </p:clrMapOvr>
-  <p:transition spd="med" advClick="1"/>
+  <p:transition xmlns:p14="http://schemas.microsoft.com/office/powerpoint/2010/main" spd="med"/>
 </p:sldLayout>
 </file>
 
 <file path=ppt/slideLayouts/slideLayout11.xml><?xml version="1.0" encoding="utf-8"?>
-<p:sldLayout xmlns:a="http://schemas.openxmlformats.org/drawingml/2006/main" xmlns:r="http://schemas.openxmlformats.org/officeDocument/2006/relationships" xmlns:p="http://schemas.openxmlformats.org/presentationml/2006/main" type="tx" showMasterSp="1" showMasterPhAnim="1">
+<p:sldLayout xmlns:a="http://schemas.openxmlformats.org/drawingml/2006/main" xmlns:r="http://schemas.openxmlformats.org/officeDocument/2006/relationships" xmlns:p="http://schemas.openxmlformats.org/presentationml/2006/main" type="tx">
   <p:cSld name="Foto">
     <p:spTree>
       <p:nvGrpSpPr>
@@ -600,12 +600,12 @@
   <p:clrMapOvr>
     <a:masterClrMapping/>
   </p:clrMapOvr>
-  <p:transition spd="med" advClick="1"/>
+  <p:transition xmlns:p14="http://schemas.microsoft.com/office/powerpoint/2010/main" spd="med"/>
 </p:sldLayout>
 </file>
 
 <file path=ppt/slideLayouts/slideLayout12.xml><?xml version="1.0" encoding="utf-8"?>
-<p:sldLayout xmlns:a="http://schemas.openxmlformats.org/drawingml/2006/main" xmlns:r="http://schemas.openxmlformats.org/officeDocument/2006/relationships" xmlns:p="http://schemas.openxmlformats.org/presentationml/2006/main" type="tx" showMasterSp="1" showMasterPhAnim="1">
+<p:sldLayout xmlns:a="http://schemas.openxmlformats.org/drawingml/2006/main" xmlns:r="http://schemas.openxmlformats.org/officeDocument/2006/relationships" xmlns:p="http://schemas.openxmlformats.org/presentationml/2006/main" type="tx">
   <p:cSld name="Leer">
     <p:spTree>
       <p:nvGrpSpPr>
@@ -626,12 +626,12 @@
   <p:clrMapOvr>
     <a:masterClrMapping/>
   </p:clrMapOvr>
-  <p:transition spd="med" advClick="1"/>
+  <p:transition xmlns:p14="http://schemas.microsoft.com/office/powerpoint/2010/main" spd="med"/>
 </p:sldLayout>
 </file>
 
 <file path=ppt/slideLayouts/slideLayout2.xml><?xml version="1.0" encoding="utf-8"?>
-<p:sldLayout xmlns:a="http://schemas.openxmlformats.org/drawingml/2006/main" xmlns:r="http://schemas.openxmlformats.org/officeDocument/2006/relationships" xmlns:p="http://schemas.openxmlformats.org/presentationml/2006/main" type="tx" showMasterSp="1" showMasterPhAnim="1">
+<p:sldLayout xmlns:a="http://schemas.openxmlformats.org/drawingml/2006/main" xmlns:r="http://schemas.openxmlformats.org/officeDocument/2006/relationships" xmlns:p="http://schemas.openxmlformats.org/presentationml/2006/main" type="tx">
   <p:cSld name="Foto - Horizontal">
     <p:spTree>
       <p:nvGrpSpPr>
@@ -650,7 +650,9 @@
       <p:sp>
         <p:nvSpPr>
           <p:cNvPr id="8" name="Shape 8"/>
-          <p:cNvSpPr/>
+          <p:cNvSpPr>
+            <a:spLocks noGrp="1"/>
+          </p:cNvSpPr>
           <p:nvPr>
             <p:ph type="title"/>
           </p:nvPr>
@@ -689,7 +691,9 @@
       <p:sp>
         <p:nvSpPr>
           <p:cNvPr id="9" name="Shape 9"/>
-          <p:cNvSpPr/>
+          <p:cNvSpPr>
+            <a:spLocks noGrp="1"/>
+          </p:cNvSpPr>
           <p:nvPr>
             <p:ph type="body" idx="1"/>
           </p:nvPr>
@@ -763,11 +767,6 @@
               </a:rPr>
               <a:t>Textebene 1</a:t>
             </a:r>
-            <a:endParaRPr sz="3200">
-              <a:solidFill>
-                <a:srgbClr val="FFFFFF"/>
-              </a:solidFill>
-            </a:endParaRPr>
           </a:p>
           <a:p>
             <a:pPr lvl="1">
@@ -785,11 +784,6 @@
               </a:rPr>
               <a:t>Textebene 2</a:t>
             </a:r>
-            <a:endParaRPr sz="3200">
-              <a:solidFill>
-                <a:srgbClr val="FFFFFF"/>
-              </a:solidFill>
-            </a:endParaRPr>
           </a:p>
           <a:p>
             <a:pPr lvl="2">
@@ -807,11 +801,6 @@
               </a:rPr>
               <a:t>Textebene 3</a:t>
             </a:r>
-            <a:endParaRPr sz="3200">
-              <a:solidFill>
-                <a:srgbClr val="FFFFFF"/>
-              </a:solidFill>
-            </a:endParaRPr>
           </a:p>
           <a:p>
             <a:pPr lvl="3">
@@ -829,11 +818,6 @@
               </a:rPr>
               <a:t>Textebene 4</a:t>
             </a:r>
-            <a:endParaRPr sz="3200">
-              <a:solidFill>
-                <a:srgbClr val="FFFFFF"/>
-              </a:solidFill>
-            </a:endParaRPr>
           </a:p>
           <a:p>
             <a:pPr lvl="4">
@@ -859,12 +843,12 @@
   <p:clrMapOvr>
     <a:masterClrMapping/>
   </p:clrMapOvr>
-  <p:transition spd="med" advClick="1"/>
+  <p:transition xmlns:p14="http://schemas.microsoft.com/office/powerpoint/2010/main" spd="med"/>
 </p:sldLayout>
 </file>
 
 <file path=ppt/slideLayouts/slideLayout3.xml><?xml version="1.0" encoding="utf-8"?>
-<p:sldLayout xmlns:a="http://schemas.openxmlformats.org/drawingml/2006/main" xmlns:r="http://schemas.openxmlformats.org/officeDocument/2006/relationships" xmlns:p="http://schemas.openxmlformats.org/presentationml/2006/main" type="tx" showMasterSp="1" showMasterPhAnim="1">
+<p:sldLayout xmlns:a="http://schemas.openxmlformats.org/drawingml/2006/main" xmlns:r="http://schemas.openxmlformats.org/officeDocument/2006/relationships" xmlns:p="http://schemas.openxmlformats.org/presentationml/2006/main" type="tx">
   <p:cSld name="Titel - Mitte">
     <p:spTree>
       <p:nvGrpSpPr>
@@ -883,7 +867,9 @@
       <p:sp>
         <p:nvSpPr>
           <p:cNvPr id="11" name="Shape 11"/>
-          <p:cNvSpPr/>
+          <p:cNvSpPr>
+            <a:spLocks noGrp="1"/>
+          </p:cNvSpPr>
           <p:nvPr>
             <p:ph type="title"/>
           </p:nvPr>
@@ -924,12 +910,12 @@
   <p:clrMapOvr>
     <a:masterClrMapping/>
   </p:clrMapOvr>
-  <p:transition spd="med" advClick="1"/>
+  <p:transition xmlns:p14="http://schemas.microsoft.com/office/powerpoint/2010/main" spd="med"/>
 </p:sldLayout>
 </file>
 
 <file path=ppt/slideLayouts/slideLayout4.xml><?xml version="1.0" encoding="utf-8"?>
-<p:sldLayout xmlns:a="http://schemas.openxmlformats.org/drawingml/2006/main" xmlns:r="http://schemas.openxmlformats.org/officeDocument/2006/relationships" xmlns:p="http://schemas.openxmlformats.org/presentationml/2006/main" type="tx" showMasterSp="1" showMasterPhAnim="1">
+<p:sldLayout xmlns:a="http://schemas.openxmlformats.org/drawingml/2006/main" xmlns:r="http://schemas.openxmlformats.org/officeDocument/2006/relationships" xmlns:p="http://schemas.openxmlformats.org/presentationml/2006/main" type="tx">
   <p:cSld name="Foto - Vertikal">
     <p:spTree>
       <p:nvGrpSpPr>
@@ -948,7 +934,9 @@
       <p:sp>
         <p:nvSpPr>
           <p:cNvPr id="13" name="Shape 13"/>
-          <p:cNvSpPr/>
+          <p:cNvSpPr>
+            <a:spLocks noGrp="1"/>
+          </p:cNvSpPr>
           <p:nvPr>
             <p:ph type="title"/>
           </p:nvPr>
@@ -991,7 +979,9 @@
       <p:sp>
         <p:nvSpPr>
           <p:cNvPr id="14" name="Shape 14"/>
-          <p:cNvSpPr/>
+          <p:cNvSpPr>
+            <a:spLocks noGrp="1"/>
+          </p:cNvSpPr>
           <p:nvPr>
             <p:ph type="body" idx="1"/>
           </p:nvPr>
@@ -1065,11 +1055,6 @@
               </a:rPr>
               <a:t>Textebene 1</a:t>
             </a:r>
-            <a:endParaRPr sz="3200">
-              <a:solidFill>
-                <a:srgbClr val="FFFFFF"/>
-              </a:solidFill>
-            </a:endParaRPr>
           </a:p>
           <a:p>
             <a:pPr lvl="1">
@@ -1087,11 +1072,6 @@
               </a:rPr>
               <a:t>Textebene 2</a:t>
             </a:r>
-            <a:endParaRPr sz="3200">
-              <a:solidFill>
-                <a:srgbClr val="FFFFFF"/>
-              </a:solidFill>
-            </a:endParaRPr>
           </a:p>
           <a:p>
             <a:pPr lvl="2">
@@ -1109,11 +1089,6 @@
               </a:rPr>
               <a:t>Textebene 3</a:t>
             </a:r>
-            <a:endParaRPr sz="3200">
-              <a:solidFill>
-                <a:srgbClr val="FFFFFF"/>
-              </a:solidFill>
-            </a:endParaRPr>
           </a:p>
           <a:p>
             <a:pPr lvl="3">
@@ -1131,11 +1106,6 @@
               </a:rPr>
               <a:t>Textebene 4</a:t>
             </a:r>
-            <a:endParaRPr sz="3200">
-              <a:solidFill>
-                <a:srgbClr val="FFFFFF"/>
-              </a:solidFill>
-            </a:endParaRPr>
           </a:p>
           <a:p>
             <a:pPr lvl="4">
@@ -1161,12 +1131,12 @@
   <p:clrMapOvr>
     <a:masterClrMapping/>
   </p:clrMapOvr>
-  <p:transition spd="med" advClick="1"/>
+  <p:transition xmlns:p14="http://schemas.microsoft.com/office/powerpoint/2010/main" spd="med"/>
 </p:sldLayout>
 </file>
 
 <file path=ppt/slideLayouts/slideLayout5.xml><?xml version="1.0" encoding="utf-8"?>
-<p:sldLayout xmlns:a="http://schemas.openxmlformats.org/drawingml/2006/main" xmlns:r="http://schemas.openxmlformats.org/officeDocument/2006/relationships" xmlns:p="http://schemas.openxmlformats.org/presentationml/2006/main" type="tx" showMasterSp="1" showMasterPhAnim="1">
+<p:sldLayout xmlns:a="http://schemas.openxmlformats.org/drawingml/2006/main" xmlns:r="http://schemas.openxmlformats.org/officeDocument/2006/relationships" xmlns:p="http://schemas.openxmlformats.org/presentationml/2006/main" type="tx">
   <p:cSld name="Titel - Oben">
     <p:spTree>
       <p:nvGrpSpPr>
@@ -1185,7 +1155,9 @@
       <p:sp>
         <p:nvSpPr>
           <p:cNvPr id="16" name="Shape 16"/>
-          <p:cNvSpPr/>
+          <p:cNvSpPr>
+            <a:spLocks noGrp="1"/>
+          </p:cNvSpPr>
           <p:nvPr>
             <p:ph type="title"/>
           </p:nvPr>
@@ -1222,12 +1194,12 @@
   <p:clrMapOvr>
     <a:masterClrMapping/>
   </p:clrMapOvr>
-  <p:transition spd="med" advClick="1"/>
+  <p:transition xmlns:p14="http://schemas.microsoft.com/office/powerpoint/2010/main" spd="med"/>
 </p:sldLayout>
 </file>
 
 <file path=ppt/slideLayouts/slideLayout6.xml><?xml version="1.0" encoding="utf-8"?>
-<p:sldLayout xmlns:a="http://schemas.openxmlformats.org/drawingml/2006/main" xmlns:r="http://schemas.openxmlformats.org/officeDocument/2006/relationships" xmlns:p="http://schemas.openxmlformats.org/presentationml/2006/main" type="tx" showMasterSp="1" showMasterPhAnim="1">
+<p:sldLayout xmlns:a="http://schemas.openxmlformats.org/drawingml/2006/main" xmlns:r="http://schemas.openxmlformats.org/officeDocument/2006/relationships" xmlns:p="http://schemas.openxmlformats.org/presentationml/2006/main" type="tx">
   <p:cSld name="Titel &amp; Aufzählung">
     <p:spTree>
       <p:nvGrpSpPr>
@@ -1246,7 +1218,9 @@
       <p:sp>
         <p:nvSpPr>
           <p:cNvPr id="18" name="Shape 18"/>
-          <p:cNvSpPr/>
+          <p:cNvSpPr>
+            <a:spLocks noGrp="1"/>
+          </p:cNvSpPr>
           <p:nvPr>
             <p:ph type="title"/>
           </p:nvPr>
@@ -1281,7 +1255,9 @@
       <p:sp>
         <p:nvSpPr>
           <p:cNvPr id="19" name="Shape 19"/>
-          <p:cNvSpPr/>
+          <p:cNvSpPr>
+            <a:spLocks noGrp="1"/>
+          </p:cNvSpPr>
           <p:nvPr>
             <p:ph type="body" idx="1"/>
           </p:nvPr>
@@ -1310,11 +1286,6 @@
               </a:rPr>
               <a:t>Textebene 1</a:t>
             </a:r>
-            <a:endParaRPr sz="3800">
-              <a:solidFill>
-                <a:srgbClr val="FFFFFF"/>
-              </a:solidFill>
-            </a:endParaRPr>
           </a:p>
           <a:p>
             <a:pPr lvl="1">
@@ -1332,11 +1303,6 @@
               </a:rPr>
               <a:t>Textebene 2</a:t>
             </a:r>
-            <a:endParaRPr sz="3800">
-              <a:solidFill>
-                <a:srgbClr val="FFFFFF"/>
-              </a:solidFill>
-            </a:endParaRPr>
           </a:p>
           <a:p>
             <a:pPr lvl="2">
@@ -1354,11 +1320,6 @@
               </a:rPr>
               <a:t>Textebene 3</a:t>
             </a:r>
-            <a:endParaRPr sz="3800">
-              <a:solidFill>
-                <a:srgbClr val="FFFFFF"/>
-              </a:solidFill>
-            </a:endParaRPr>
           </a:p>
           <a:p>
             <a:pPr lvl="3">
@@ -1376,11 +1337,6 @@
               </a:rPr>
               <a:t>Textebene 4</a:t>
             </a:r>
-            <a:endParaRPr sz="3800">
-              <a:solidFill>
-                <a:srgbClr val="FFFFFF"/>
-              </a:solidFill>
-            </a:endParaRPr>
           </a:p>
           <a:p>
             <a:pPr lvl="4">
@@ -1406,12 +1362,12 @@
   <p:clrMapOvr>
     <a:masterClrMapping/>
   </p:clrMapOvr>
-  <p:transition spd="med" advClick="1"/>
+  <p:transition xmlns:p14="http://schemas.microsoft.com/office/powerpoint/2010/main" spd="med"/>
 </p:sldLayout>
 </file>
 
 <file path=ppt/slideLayouts/slideLayout7.xml><?xml version="1.0" encoding="utf-8"?>
-<p:sldLayout xmlns:a="http://schemas.openxmlformats.org/drawingml/2006/main" xmlns:r="http://schemas.openxmlformats.org/officeDocument/2006/relationships" xmlns:p="http://schemas.openxmlformats.org/presentationml/2006/main" type="tx" showMasterSp="1" showMasterPhAnim="1">
+<p:sldLayout xmlns:a="http://schemas.openxmlformats.org/drawingml/2006/main" xmlns:r="http://schemas.openxmlformats.org/officeDocument/2006/relationships" xmlns:p="http://schemas.openxmlformats.org/presentationml/2006/main" type="tx">
   <p:cSld name="Titel, Aufzählung &amp; Foto">
     <p:spTree>
       <p:nvGrpSpPr>
@@ -1430,7 +1386,9 @@
       <p:sp>
         <p:nvSpPr>
           <p:cNvPr id="21" name="Shape 21"/>
-          <p:cNvSpPr/>
+          <p:cNvSpPr>
+            <a:spLocks noGrp="1"/>
+          </p:cNvSpPr>
           <p:nvPr>
             <p:ph type="title"/>
           </p:nvPr>
@@ -1465,7 +1423,9 @@
       <p:sp>
         <p:nvSpPr>
           <p:cNvPr id="22" name="Shape 22"/>
-          <p:cNvSpPr/>
+          <p:cNvSpPr>
+            <a:spLocks noGrp="1"/>
+          </p:cNvSpPr>
           <p:nvPr>
             <p:ph type="body" idx="1"/>
           </p:nvPr>
@@ -1529,11 +1489,6 @@
               </a:rPr>
               <a:t>Textebene 1</a:t>
             </a:r>
-            <a:endParaRPr sz="2800">
-              <a:solidFill>
-                <a:srgbClr val="FFFFFF"/>
-              </a:solidFill>
-            </a:endParaRPr>
           </a:p>
           <a:p>
             <a:pPr lvl="1">
@@ -1551,11 +1506,6 @@
               </a:rPr>
               <a:t>Textebene 2</a:t>
             </a:r>
-            <a:endParaRPr sz="2800">
-              <a:solidFill>
-                <a:srgbClr val="FFFFFF"/>
-              </a:solidFill>
-            </a:endParaRPr>
           </a:p>
           <a:p>
             <a:pPr lvl="2">
@@ -1573,11 +1523,6 @@
               </a:rPr>
               <a:t>Textebene 3</a:t>
             </a:r>
-            <a:endParaRPr sz="2800">
-              <a:solidFill>
-                <a:srgbClr val="FFFFFF"/>
-              </a:solidFill>
-            </a:endParaRPr>
           </a:p>
           <a:p>
             <a:pPr lvl="3">
@@ -1595,11 +1540,6 @@
               </a:rPr>
               <a:t>Textebene 4</a:t>
             </a:r>
-            <a:endParaRPr sz="2800">
-              <a:solidFill>
-                <a:srgbClr val="FFFFFF"/>
-              </a:solidFill>
-            </a:endParaRPr>
           </a:p>
           <a:p>
             <a:pPr lvl="4">
@@ -1625,12 +1565,12 @@
   <p:clrMapOvr>
     <a:masterClrMapping/>
   </p:clrMapOvr>
-  <p:transition spd="med" advClick="1"/>
+  <p:transition xmlns:p14="http://schemas.microsoft.com/office/powerpoint/2010/main" spd="med"/>
 </p:sldLayout>
 </file>
 
 <file path=ppt/slideLayouts/slideLayout8.xml><?xml version="1.0" encoding="utf-8"?>
-<p:sldLayout xmlns:a="http://schemas.openxmlformats.org/drawingml/2006/main" xmlns:r="http://schemas.openxmlformats.org/officeDocument/2006/relationships" xmlns:p="http://schemas.openxmlformats.org/presentationml/2006/main" type="tx" showMasterSp="1" showMasterPhAnim="1">
+<p:sldLayout xmlns:a="http://schemas.openxmlformats.org/drawingml/2006/main" xmlns:r="http://schemas.openxmlformats.org/officeDocument/2006/relationships" xmlns:p="http://schemas.openxmlformats.org/presentationml/2006/main" type="tx">
   <p:cSld name="Punkte">
     <p:spTree>
       <p:nvGrpSpPr>
@@ -1649,7 +1589,9 @@
       <p:sp>
         <p:nvSpPr>
           <p:cNvPr id="24" name="Shape 24"/>
-          <p:cNvSpPr/>
+          <p:cNvSpPr>
+            <a:spLocks noGrp="1"/>
+          </p:cNvSpPr>
           <p:nvPr>
             <p:ph type="body" idx="1"/>
           </p:nvPr>
@@ -1682,11 +1624,6 @@
               </a:rPr>
               <a:t>Textebene 1</a:t>
             </a:r>
-            <a:endParaRPr sz="3800">
-              <a:solidFill>
-                <a:srgbClr val="FFFFFF"/>
-              </a:solidFill>
-            </a:endParaRPr>
           </a:p>
           <a:p>
             <a:pPr lvl="1">
@@ -1704,11 +1641,6 @@
               </a:rPr>
               <a:t>Textebene 2</a:t>
             </a:r>
-            <a:endParaRPr sz="3800">
-              <a:solidFill>
-                <a:srgbClr val="FFFFFF"/>
-              </a:solidFill>
-            </a:endParaRPr>
           </a:p>
           <a:p>
             <a:pPr lvl="2">
@@ -1726,11 +1658,6 @@
               </a:rPr>
               <a:t>Textebene 3</a:t>
             </a:r>
-            <a:endParaRPr sz="3800">
-              <a:solidFill>
-                <a:srgbClr val="FFFFFF"/>
-              </a:solidFill>
-            </a:endParaRPr>
           </a:p>
           <a:p>
             <a:pPr lvl="3">
@@ -1748,11 +1675,6 @@
               </a:rPr>
               <a:t>Textebene 4</a:t>
             </a:r>
-            <a:endParaRPr sz="3800">
-              <a:solidFill>
-                <a:srgbClr val="FFFFFF"/>
-              </a:solidFill>
-            </a:endParaRPr>
           </a:p>
           <a:p>
             <a:pPr lvl="4">
@@ -1778,12 +1700,12 @@
   <p:clrMapOvr>
     <a:masterClrMapping/>
   </p:clrMapOvr>
-  <p:transition spd="med" advClick="1"/>
+  <p:transition xmlns:p14="http://schemas.microsoft.com/office/powerpoint/2010/main" spd="med"/>
 </p:sldLayout>
 </file>
 
 <file path=ppt/slideLayouts/slideLayout9.xml><?xml version="1.0" encoding="utf-8"?>
-<p:sldLayout xmlns:a="http://schemas.openxmlformats.org/drawingml/2006/main" xmlns:r="http://schemas.openxmlformats.org/officeDocument/2006/relationships" xmlns:p="http://schemas.openxmlformats.org/presentationml/2006/main" type="tx" showMasterSp="1" showMasterPhAnim="1">
+<p:sldLayout xmlns:a="http://schemas.openxmlformats.org/drawingml/2006/main" xmlns:r="http://schemas.openxmlformats.org/officeDocument/2006/relationships" xmlns:p="http://schemas.openxmlformats.org/presentationml/2006/main" type="tx">
   <p:cSld name="Foto - 3 Stück">
     <p:spTree>
       <p:nvGrpSpPr>
@@ -1804,7 +1726,7 @@
   <p:clrMapOvr>
     <a:masterClrMapping/>
   </p:clrMapOvr>
-  <p:transition spd="med" advClick="1"/>
+  <p:transition xmlns:p14="http://schemas.microsoft.com/office/powerpoint/2010/main" spd="med"/>
 </p:sldLayout>
 </file>
 
@@ -1814,12 +1736,13 @@
     <p:bg>
       <p:bgPr>
         <a:blipFill rotWithShape="1">
-          <a:blip r:embed="rId2"/>
-          <a:srcRect l="0" t="0" r="0" b="0"/>
+          <a:blip r:embed="rId14"/>
+          <a:srcRect/>
           <a:stretch>
             <a:fillRect/>
           </a:stretch>
         </a:blipFill>
+        <a:effectLst/>
       </p:bgPr>
     </p:bg>
     <p:spTree>
@@ -1839,7 +1762,9 @@
       <p:sp>
         <p:nvSpPr>
           <p:cNvPr id="2" name="Shape 2"/>
-          <p:cNvSpPr/>
+          <p:cNvSpPr>
+            <a:spLocks noGrp="1"/>
+          </p:cNvSpPr>
           <p:nvPr>
             <p:ph type="title"/>
           </p:nvPr>
@@ -1863,7 +1788,7 @@
         </p:spPr>
         <p:txBody>
           <a:bodyPr lIns="0" tIns="0" rIns="0" bIns="0" anchor="ctr">
-            <a:normAutofit fontScale="100000" lnSpcReduction="0"/>
+            <a:normAutofit/>
           </a:bodyPr>
           <a:lstStyle/>
           <a:p>
@@ -1888,7 +1813,9 @@
       <p:sp>
         <p:nvSpPr>
           <p:cNvPr id="3" name="Shape 3"/>
-          <p:cNvSpPr/>
+          <p:cNvSpPr>
+            <a:spLocks noGrp="1"/>
+          </p:cNvSpPr>
           <p:nvPr>
             <p:ph type="body" idx="1"/>
           </p:nvPr>
@@ -1912,7 +1839,7 @@
         </p:spPr>
         <p:txBody>
           <a:bodyPr lIns="0" tIns="0" rIns="0" bIns="0" anchor="ctr">
-            <a:normAutofit fontScale="100000" lnSpcReduction="0"/>
+            <a:normAutofit/>
           </a:bodyPr>
           <a:lstStyle/>
           <a:p>
@@ -1931,11 +1858,6 @@
               </a:rPr>
               <a:t>Textebene 1</a:t>
             </a:r>
-            <a:endParaRPr sz="3800">
-              <a:solidFill>
-                <a:srgbClr val="FFFFFF"/>
-              </a:solidFill>
-            </a:endParaRPr>
           </a:p>
           <a:p>
             <a:pPr lvl="1">
@@ -1953,11 +1875,6 @@
               </a:rPr>
               <a:t>Textebene 2</a:t>
             </a:r>
-            <a:endParaRPr sz="3800">
-              <a:solidFill>
-                <a:srgbClr val="FFFFFF"/>
-              </a:solidFill>
-            </a:endParaRPr>
           </a:p>
           <a:p>
             <a:pPr lvl="2">
@@ -1975,11 +1892,6 @@
               </a:rPr>
               <a:t>Textebene 3</a:t>
             </a:r>
-            <a:endParaRPr sz="3800">
-              <a:solidFill>
-                <a:srgbClr val="FFFFFF"/>
-              </a:solidFill>
-            </a:endParaRPr>
           </a:p>
           <a:p>
             <a:pPr lvl="3">
@@ -1997,11 +1909,6 @@
               </a:rPr>
               <a:t>Textebene 4</a:t>
             </a:r>
-            <a:endParaRPr sz="3800">
-              <a:solidFill>
-                <a:srgbClr val="FFFFFF"/>
-              </a:solidFill>
-            </a:endParaRPr>
           </a:p>
           <a:p>
             <a:pPr lvl="4">
@@ -2026,20 +1933,20 @@
   </p:cSld>
   <p:clrMap bg1="dk1" tx1="lt1" bg2="dk2" tx2="lt2" accent1="accent1" accent2="accent2" accent3="accent3" accent4="accent4" accent5="accent5" accent6="accent6" hlink="hlink" folHlink="folHlink"/>
   <p:sldLayoutIdLst>
-    <p:sldLayoutId id="2147483649" r:id="rId3"/>
-    <p:sldLayoutId id="2147483650" r:id="rId4"/>
-    <p:sldLayoutId id="2147483651" r:id="rId5"/>
-    <p:sldLayoutId id="2147483652" r:id="rId6"/>
-    <p:sldLayoutId id="2147483653" r:id="rId7"/>
-    <p:sldLayoutId id="2147483654" r:id="rId8"/>
-    <p:sldLayoutId id="2147483655" r:id="rId9"/>
-    <p:sldLayoutId id="2147483656" r:id="rId10"/>
-    <p:sldLayoutId id="2147483657" r:id="rId11"/>
-    <p:sldLayoutId id="2147483658" r:id="rId12"/>
-    <p:sldLayoutId id="2147483659" r:id="rId13"/>
-    <p:sldLayoutId id="2147483660" r:id="rId14"/>
+    <p:sldLayoutId id="2147483649" r:id="rId1"/>
+    <p:sldLayoutId id="2147483650" r:id="rId2"/>
+    <p:sldLayoutId id="2147483651" r:id="rId3"/>
+    <p:sldLayoutId id="2147483652" r:id="rId4"/>
+    <p:sldLayoutId id="2147483653" r:id="rId5"/>
+    <p:sldLayoutId id="2147483654" r:id="rId6"/>
+    <p:sldLayoutId id="2147483655" r:id="rId7"/>
+    <p:sldLayoutId id="2147483656" r:id="rId8"/>
+    <p:sldLayoutId id="2147483657" r:id="rId9"/>
+    <p:sldLayoutId id="2147483658" r:id="rId10"/>
+    <p:sldLayoutId id="2147483659" r:id="rId11"/>
+    <p:sldLayoutId id="2147483660" r:id="rId12"/>
   </p:sldLayoutIdLst>
-  <p:transition spd="med" advClick="1"/>
+  <p:transition xmlns:p14="http://schemas.microsoft.com/office/powerpoint/2010/main" spd="med"/>
   <p:txStyles>
     <p:titleStyle>
       <a:lvl1pPr algn="ctr" defTabSz="584200">
@@ -2394,7 +2301,7 @@
 </file>
 
 <file path=ppt/slides/slide1.xml><?xml version="1.0" encoding="utf-8"?>
-<p:sld xmlns:a="http://schemas.openxmlformats.org/drawingml/2006/main" xmlns:r="http://schemas.openxmlformats.org/officeDocument/2006/relationships" xmlns:p="http://schemas.openxmlformats.org/presentationml/2006/main" showMasterSp="1" showMasterPhAnim="1">
+<p:sld xmlns:a="http://schemas.openxmlformats.org/drawingml/2006/main" xmlns:r="http://schemas.openxmlformats.org/officeDocument/2006/relationships" xmlns:p="http://schemas.openxmlformats.org/presentationml/2006/main">
   <p:cSld>
     <p:spTree>
       <p:nvGrpSpPr>
@@ -2413,7 +2320,9 @@
       <p:sp>
         <p:nvSpPr>
           <p:cNvPr id="32" name="Shape 32"/>
-          <p:cNvSpPr/>
+          <p:cNvSpPr>
+            <a:spLocks noGrp="1"/>
+          </p:cNvSpPr>
           <p:nvPr>
             <p:ph type="title"/>
           </p:nvPr>
@@ -2448,7 +2357,9 @@
       <p:sp>
         <p:nvSpPr>
           <p:cNvPr id="33" name="Shape 33"/>
-          <p:cNvSpPr/>
+          <p:cNvSpPr>
+            <a:spLocks noGrp="1"/>
+          </p:cNvSpPr>
           <p:nvPr>
             <p:ph type="body" idx="1"/>
           </p:nvPr>
@@ -2485,12 +2396,12 @@
   <p:clrMapOvr>
     <a:masterClrMapping/>
   </p:clrMapOvr>
-  <p:transition spd="med" advClick="1"/>
+  <p:transition xmlns:p14="http://schemas.microsoft.com/office/powerpoint/2010/main" spd="med"/>
 </p:sld>
 </file>
 
 <file path=ppt/slides/slide10.xml><?xml version="1.0" encoding="utf-8"?>
-<p:sld xmlns:a="http://schemas.openxmlformats.org/drawingml/2006/main" xmlns:r="http://schemas.openxmlformats.org/officeDocument/2006/relationships" xmlns:p="http://schemas.openxmlformats.org/presentationml/2006/main" showMasterSp="1" showMasterPhAnim="1">
+<p:sld xmlns:a="http://schemas.openxmlformats.org/drawingml/2006/main" xmlns:r="http://schemas.openxmlformats.org/officeDocument/2006/relationships" xmlns:p="http://schemas.openxmlformats.org/presentationml/2006/main">
   <p:cSld>
     <p:spTree>
       <p:nvGrpSpPr>
@@ -2509,7 +2420,9 @@
       <p:sp>
         <p:nvSpPr>
           <p:cNvPr id="60" name="Shape 60"/>
-          <p:cNvSpPr/>
+          <p:cNvSpPr>
+            <a:spLocks noGrp="1"/>
+          </p:cNvSpPr>
           <p:nvPr>
             <p:ph type="title"/>
           </p:nvPr>
@@ -2582,7 +2495,7 @@
               </a:defRPr>
             </a:pPr>
             <a:r>
-              <a:rPr b="1" sz="1200">
+              <a:rPr sz="1200" b="1">
                 <a:solidFill>
                   <a:srgbClr val="D78B40"/>
                 </a:solidFill>
@@ -2594,7 +2507,7 @@
               <a:t>def </a:t>
             </a:r>
             <a:r>
-              <a:rPr b="1" sz="1200">
+              <a:rPr sz="1200" b="1">
                 <a:solidFill>
                   <a:srgbClr val="B7C4D1"/>
                 </a:solidFill>
@@ -2665,7 +2578,7 @@
               <a:t>    </a:t>
             </a:r>
             <a:r>
-              <a:rPr i="1" sz="1200">
+              <a:rPr sz="1200" i="1">
                 <a:solidFill>
                   <a:srgbClr val="74A568"/>
                 </a:solidFill>
@@ -2677,7 +2590,7 @@
               <a:t>"""</a:t>
             </a:r>
             <a:br>
-              <a:rPr i="1" sz="1200">
+              <a:rPr sz="1200" i="1">
                 <a:solidFill>
                   <a:srgbClr val="74A568"/>
                 </a:solidFill>
@@ -2688,7 +2601,7 @@
               </a:rPr>
             </a:br>
             <a:r>
-              <a:rPr i="1" sz="1200">
+              <a:rPr sz="1200" i="1">
                 <a:solidFill>
                   <a:srgbClr val="74A568"/>
                 </a:solidFill>
@@ -2700,7 +2613,7 @@
               <a:t>    same sequences + annotations -&gt; count occurences and prepare new list</a:t>
             </a:r>
             <a:br>
-              <a:rPr i="1" sz="1200">
+              <a:rPr sz="1200" i="1">
                 <a:solidFill>
                   <a:srgbClr val="74A568"/>
                 </a:solidFill>
@@ -2711,7 +2624,7 @@
               </a:rPr>
             </a:br>
             <a:r>
-              <a:rPr i="1" sz="1200">
+              <a:rPr sz="1200" i="1">
                 <a:solidFill>
                   <a:srgbClr val="74A568"/>
                 </a:solidFill>
@@ -2723,7 +2636,7 @@
               <a:t>    </a:t>
             </a:r>
             <a:r>
-              <a:rPr b="1" i="1" sz="1200">
+              <a:rPr sz="1200" b="1" i="1">
                 <a:solidFill>
                   <a:srgbClr val="647F5C"/>
                 </a:solidFill>
@@ -2735,7 +2648,7 @@
               <a:t>:param</a:t>
             </a:r>
             <a:r>
-              <a:rPr i="1" sz="1200">
+              <a:rPr sz="1200" i="1">
                 <a:solidFill>
                   <a:srgbClr val="74A568"/>
                 </a:solidFill>
@@ -2747,7 +2660,7 @@
               <a:t> generated_object: list generator</a:t>
             </a:r>
             <a:br>
-              <a:rPr i="1" sz="1200">
+              <a:rPr sz="1200" i="1">
                 <a:solidFill>
                   <a:srgbClr val="74A568"/>
                 </a:solidFill>
@@ -2758,7 +2671,7 @@
               </a:rPr>
             </a:br>
             <a:r>
-              <a:rPr i="1" sz="1200">
+              <a:rPr sz="1200" i="1">
                 <a:solidFill>
                   <a:srgbClr val="74A568"/>
                 </a:solidFill>
@@ -2770,7 +2683,7 @@
               <a:t>    </a:t>
             </a:r>
             <a:r>
-              <a:rPr b="1" i="1" sz="1200">
+              <a:rPr sz="1200" b="1" i="1">
                 <a:solidFill>
                   <a:srgbClr val="647F5C"/>
                 </a:solidFill>
@@ -2782,7 +2695,7 @@
               <a:t>:return</a:t>
             </a:r>
             <a:r>
-              <a:rPr i="1" sz="1200">
+              <a:rPr sz="1200" i="1">
                 <a:solidFill>
                   <a:srgbClr val="74A568"/>
                 </a:solidFill>
@@ -2794,7 +2707,7 @@
               <a:t>: list of identical objects</a:t>
             </a:r>
             <a:br>
-              <a:rPr i="1" sz="1200">
+              <a:rPr sz="1200" i="1">
                 <a:solidFill>
                   <a:srgbClr val="74A568"/>
                 </a:solidFill>
@@ -2805,7 +2718,7 @@
               </a:rPr>
             </a:br>
             <a:r>
-              <a:rPr i="1" sz="1200">
+              <a:rPr sz="1200" i="1">
                 <a:solidFill>
                   <a:srgbClr val="74A568"/>
                 </a:solidFill>
@@ -2817,7 +2730,7 @@
               <a:t>    """</a:t>
             </a:r>
             <a:br>
-              <a:rPr i="1" sz="1200">
+              <a:rPr sz="1200" i="1">
                 <a:solidFill>
                   <a:srgbClr val="74A568"/>
                 </a:solidFill>
@@ -2827,8 +2740,8 @@
                 <a:sym typeface="Menlo"/>
               </a:rPr>
             </a:br>
-            <a:br>
-              <a:rPr i="1" sz="1200">
+            <a:r>
+              <a:rPr sz="1200" i="1">
                 <a:solidFill>
                   <a:srgbClr val="74A568"/>
                 </a:solidFill>
@@ -2837,9 +2750,10 @@
                 <a:cs typeface="Menlo"/>
                 <a:sym typeface="Menlo"/>
               </a:rPr>
-            </a:br>
-            <a:r>
-              <a:rPr i="1" sz="1200">
+              <a:t/>
+            </a:r>
+            <a:br>
+              <a:rPr sz="1200" i="1">
                 <a:solidFill>
                   <a:srgbClr val="74A568"/>
                 </a:solidFill>
@@ -2848,6 +2762,17 @@
                 <a:cs typeface="Menlo"/>
                 <a:sym typeface="Menlo"/>
               </a:rPr>
+            </a:br>
+            <a:r>
+              <a:rPr sz="1200" i="1">
+                <a:solidFill>
+                  <a:srgbClr val="74A568"/>
+                </a:solidFill>
+                <a:latin typeface="Menlo"/>
+                <a:ea typeface="Menlo"/>
+                <a:cs typeface="Menlo"/>
+                <a:sym typeface="Menlo"/>
+              </a:rPr>
               <a:t>    </a:t>
             </a:r>
             <a:r>
@@ -4497,6 +4422,18 @@
                 <a:sym typeface="Menlo"/>
               </a:rPr>
             </a:br>
+            <a:r>
+              <a:rPr sz="1200">
+                <a:solidFill>
+                  <a:srgbClr val="B7C4D1"/>
+                </a:solidFill>
+                <a:latin typeface="Menlo"/>
+                <a:ea typeface="Menlo"/>
+                <a:cs typeface="Menlo"/>
+                <a:sym typeface="Menlo"/>
+              </a:rPr>
+              <a:t/>
+            </a:r>
             <a:br>
               <a:rPr sz="1200">
                 <a:solidFill>
@@ -4544,7 +4481,7 @@
               <a:t>    </a:t>
             </a:r>
             <a:r>
-              <a:rPr b="1" sz="1200">
+              <a:rPr sz="1200" b="1">
                 <a:solidFill>
                   <a:srgbClr val="D78B40"/>
                 </a:solidFill>
@@ -4614,7 +4551,7 @@
               <a:t>    </a:t>
             </a:r>
             <a:r>
-              <a:rPr b="1" sz="1200">
+              <a:rPr sz="1200" b="1">
                 <a:solidFill>
                   <a:srgbClr val="D78B40"/>
                 </a:solidFill>
@@ -4685,7 +4622,7 @@
               <a:t>        </a:t>
             </a:r>
             <a:r>
-              <a:rPr b="1" sz="1200">
+              <a:rPr sz="1200" b="1">
                 <a:solidFill>
                   <a:srgbClr val="D78B40"/>
                 </a:solidFill>
@@ -4780,7 +4717,7 @@
               <a:t>        </a:t>
             </a:r>
             <a:r>
-              <a:rPr b="1" sz="1200">
+              <a:rPr sz="1200" b="1">
                 <a:solidFill>
                   <a:srgbClr val="D78B40"/>
                 </a:solidFill>
@@ -4849,7 +4786,7 @@
                 <a:sym typeface="Menlo"/>
               </a:rPr>
             </a:br>
-            <a:br>
+            <a:r>
               <a:rPr sz="1200">
                 <a:solidFill>
                   <a:srgbClr val="929292"/>
@@ -4859,8 +4796,9 @@
                 <a:cs typeface="Menlo"/>
                 <a:sym typeface="Menlo"/>
               </a:rPr>
-            </a:br>
-            <a:r>
+              <a:t/>
+            </a:r>
+            <a:br>
               <a:rPr sz="1200">
                 <a:solidFill>
                   <a:srgbClr val="929292"/>
@@ -4870,10 +4808,21 @@
                 <a:cs typeface="Menlo"/>
                 <a:sym typeface="Menlo"/>
               </a:rPr>
+            </a:br>
+            <a:r>
+              <a:rPr sz="1200">
+                <a:solidFill>
+                  <a:srgbClr val="929292"/>
+                </a:solidFill>
+                <a:latin typeface="Menlo"/>
+                <a:ea typeface="Menlo"/>
+                <a:cs typeface="Menlo"/>
+                <a:sym typeface="Menlo"/>
+              </a:rPr>
               <a:t>    </a:t>
             </a:r>
             <a:r>
-              <a:rPr b="1" sz="1200">
+              <a:rPr sz="1200" b="1">
                 <a:solidFill>
                   <a:srgbClr val="D78B40"/>
                 </a:solidFill>
@@ -4897,7 +4846,7 @@
               <a:t>resultObject </a:t>
             </a:r>
             <a:r>
-              <a:rPr b="1" sz="1200">
+              <a:rPr sz="1200" b="1">
                 <a:solidFill>
                   <a:srgbClr val="D78B40"/>
                 </a:solidFill>
@@ -5026,7 +4975,7 @@
               <a:t>        </a:t>
             </a:r>
             <a:r>
-              <a:rPr b="1" sz="1200">
+              <a:rPr sz="1200" b="1">
                 <a:solidFill>
                   <a:srgbClr val="D78B40"/>
                 </a:solidFill>
@@ -5050,7 +4999,7 @@
               <a:t>result </a:t>
             </a:r>
             <a:r>
-              <a:rPr b="1" sz="1200">
+              <a:rPr sz="1200" b="1">
                 <a:solidFill>
                   <a:srgbClr val="D78B40"/>
                 </a:solidFill>
@@ -5132,7 +5081,7 @@
               <a:t>            </a:t>
             </a:r>
             <a:r>
-              <a:rPr b="1" sz="1200">
+              <a:rPr sz="1200" b="1">
                 <a:solidFill>
                   <a:srgbClr val="D78B40"/>
                 </a:solidFill>
@@ -5156,7 +5105,7 @@
               <a:t>key </a:t>
             </a:r>
             <a:r>
-              <a:rPr b="1" sz="1200">
+              <a:rPr sz="1200" b="1">
                 <a:solidFill>
                   <a:srgbClr val="D78B40"/>
                 </a:solidFill>
@@ -5203,7 +5152,7 @@
               <a:t>                </a:t>
             </a:r>
             <a:r>
-              <a:rPr b="1" sz="1200">
+              <a:rPr sz="1200" b="1">
                 <a:solidFill>
                   <a:srgbClr val="D78B40"/>
                 </a:solidFill>
@@ -5286,7 +5235,7 @@
               <a:t>                        </a:t>
             </a:r>
             <a:r>
-              <a:rPr b="1" sz="1200">
+              <a:rPr sz="1200" b="1">
                 <a:solidFill>
                   <a:srgbClr val="D78B40"/>
                 </a:solidFill>
@@ -5368,7 +5317,7 @@
               <a:t>            </a:t>
             </a:r>
             <a:r>
-              <a:rPr b="1" sz="1200">
+              <a:rPr sz="1200" b="1">
                 <a:solidFill>
                   <a:srgbClr val="D78B40"/>
                 </a:solidFill>
@@ -5497,7 +5446,7 @@
               <a:t>            </a:t>
             </a:r>
             <a:r>
-              <a:rPr b="1" sz="1200">
+              <a:rPr sz="1200" b="1">
                 <a:solidFill>
                   <a:srgbClr val="D78B40"/>
                 </a:solidFill>
@@ -5556,7 +5505,7 @@
               <a:t>                </a:t>
             </a:r>
             <a:r>
-              <a:rPr b="1" sz="1200">
+              <a:rPr sz="1200" b="1">
                 <a:solidFill>
                   <a:srgbClr val="D78B40"/>
                 </a:solidFill>
@@ -5672,7 +5621,7 @@
                 <a:sym typeface="Menlo"/>
               </a:rPr>
             </a:br>
-            <a:br>
+            <a:r>
               <a:rPr sz="1200">
                 <a:solidFill>
                   <a:srgbClr val="7AA8C7"/>
@@ -5682,8 +5631,9 @@
                 <a:cs typeface="Menlo"/>
                 <a:sym typeface="Menlo"/>
               </a:rPr>
-            </a:br>
-            <a:r>
+              <a:t/>
+            </a:r>
+            <a:br>
               <a:rPr sz="1200">
                 <a:solidFill>
                   <a:srgbClr val="7AA8C7"/>
@@ -5693,10 +5643,21 @@
                 <a:cs typeface="Menlo"/>
                 <a:sym typeface="Menlo"/>
               </a:rPr>
+            </a:br>
+            <a:r>
+              <a:rPr sz="1200">
+                <a:solidFill>
+                  <a:srgbClr val="7AA8C7"/>
+                </a:solidFill>
+                <a:latin typeface="Menlo"/>
+                <a:ea typeface="Menlo"/>
+                <a:cs typeface="Menlo"/>
+                <a:sym typeface="Menlo"/>
+              </a:rPr>
               <a:t>    </a:t>
             </a:r>
             <a:r>
-              <a:rPr b="1" sz="1200">
+              <a:rPr sz="1200" b="1">
                 <a:solidFill>
                   <a:srgbClr val="D78B40"/>
                 </a:solidFill>
@@ -5719,15 +5680,6 @@
               </a:rPr>
               <a:t>results</a:t>
             </a:r>
-            <a:endParaRPr sz="1200">
-              <a:solidFill>
-                <a:srgbClr val="B7C4D1"/>
-              </a:solidFill>
-              <a:latin typeface="Menlo"/>
-              <a:ea typeface="Menlo"/>
-              <a:cs typeface="Menlo"/>
-              <a:sym typeface="Menlo"/>
-            </a:endParaRPr>
           </a:p>
         </p:txBody>
       </p:sp>
@@ -5736,12 +5688,12 @@
   <p:clrMapOvr>
     <a:masterClrMapping/>
   </p:clrMapOvr>
-  <p:transition spd="med" advClick="1"/>
+  <p:transition xmlns:p14="http://schemas.microsoft.com/office/powerpoint/2010/main" spd="med"/>
 </p:sld>
 </file>
 
 <file path=ppt/slides/slide11.xml><?xml version="1.0" encoding="utf-8"?>
-<p:sld xmlns:a="http://schemas.openxmlformats.org/drawingml/2006/main" xmlns:r="http://schemas.openxmlformats.org/officeDocument/2006/relationships" xmlns:p="http://schemas.openxmlformats.org/presentationml/2006/main" showMasterSp="1" showMasterPhAnim="1">
+<p:sld xmlns:a="http://schemas.openxmlformats.org/drawingml/2006/main" xmlns:r="http://schemas.openxmlformats.org/officeDocument/2006/relationships" xmlns:p="http://schemas.openxmlformats.org/presentationml/2006/main">
   <p:cSld>
     <p:spTree>
       <p:nvGrpSpPr>
@@ -5760,7 +5712,9 @@
       <p:sp>
         <p:nvSpPr>
           <p:cNvPr id="63" name="Shape 63"/>
-          <p:cNvSpPr/>
+          <p:cNvSpPr>
+            <a:spLocks noGrp="1"/>
+          </p:cNvSpPr>
           <p:nvPr>
             <p:ph type="title"/>
           </p:nvPr>
@@ -5833,7 +5787,7 @@
               </a:defRPr>
             </a:pPr>
             <a:r>
-              <a:rPr b="1" sz="1500">
+              <a:rPr sz="1500" b="1">
                 <a:solidFill>
                   <a:srgbClr val="D78B40"/>
                 </a:solidFill>
@@ -5845,7 +5799,7 @@
               <a:t>def </a:t>
             </a:r>
             <a:r>
-              <a:rPr b="1" sz="1500">
+              <a:rPr sz="1500" b="1">
                 <a:solidFill>
                   <a:srgbClr val="B7C4D1"/>
                 </a:solidFill>
@@ -5904,7 +5858,7 @@
               <a:t># </a:t>
             </a:r>
             <a:r>
-              <a:rPr i="1" sz="1500">
+              <a:rPr sz="1500" i="1">
                 <a:solidFill>
                   <a:srgbClr val="B6C82D"/>
                 </a:solidFill>
@@ -5916,7 +5870,7 @@
               <a:t>TODO: make it work</a:t>
             </a:r>
             <a:br>
-              <a:rPr i="1" sz="1500">
+              <a:rPr sz="1500" i="1">
                 <a:solidFill>
                   <a:srgbClr val="B6C82D"/>
                 </a:solidFill>
@@ -5927,7 +5881,7 @@
               </a:rPr>
             </a:br>
             <a:r>
-              <a:rPr i="1" sz="1500">
+              <a:rPr sz="1500" i="1">
                 <a:solidFill>
                   <a:srgbClr val="B6C82D"/>
                 </a:solidFill>
@@ -5939,7 +5893,7 @@
               <a:t>    </a:t>
             </a:r>
             <a:br>
-              <a:rPr i="1" sz="1500">
+              <a:rPr sz="1500" i="1">
                 <a:solidFill>
                   <a:srgbClr val="B6C82D"/>
                 </a:solidFill>
@@ -5950,7 +5904,7 @@
               </a:rPr>
             </a:br>
             <a:r>
-              <a:rPr i="1" sz="1500">
+              <a:rPr sz="1500" i="1">
                 <a:solidFill>
                   <a:srgbClr val="B6C82D"/>
                 </a:solidFill>
@@ -6888,7 +6842,7 @@
                 <a:sym typeface="Menlo"/>
               </a:rPr>
             </a:br>
-            <a:br>
+            <a:r>
               <a:rPr sz="1500">
                 <a:solidFill>
                   <a:srgbClr val="B7C4D1"/>
@@ -6898,7 +6852,8 @@
                 <a:cs typeface="Menlo"/>
                 <a:sym typeface="Menlo"/>
               </a:rPr>
-            </a:br>
+              <a:t/>
+            </a:r>
             <a:br>
               <a:rPr sz="1500">
                 <a:solidFill>
@@ -6910,7 +6865,7 @@
                 <a:sym typeface="Menlo"/>
               </a:rPr>
             </a:br>
-            <a:br>
+            <a:r>
               <a:rPr sz="1500">
                 <a:solidFill>
                   <a:srgbClr val="B7C4D1"/>
@@ -6920,8 +6875,9 @@
                 <a:cs typeface="Menlo"/>
                 <a:sym typeface="Menlo"/>
               </a:rPr>
-            </a:br>
-            <a:r>
+              <a:t/>
+            </a:r>
+            <a:br>
               <a:rPr sz="1500">
                 <a:solidFill>
                   <a:srgbClr val="B7C4D1"/>
@@ -6931,6 +6887,40 @@
                 <a:cs typeface="Menlo"/>
                 <a:sym typeface="Menlo"/>
               </a:rPr>
+            </a:br>
+            <a:r>
+              <a:rPr sz="1500">
+                <a:solidFill>
+                  <a:srgbClr val="B7C4D1"/>
+                </a:solidFill>
+                <a:latin typeface="Menlo"/>
+                <a:ea typeface="Menlo"/>
+                <a:cs typeface="Menlo"/>
+                <a:sym typeface="Menlo"/>
+              </a:rPr>
+              <a:t/>
+            </a:r>
+            <a:br>
+              <a:rPr sz="1500">
+                <a:solidFill>
+                  <a:srgbClr val="B7C4D1"/>
+                </a:solidFill>
+                <a:latin typeface="Menlo"/>
+                <a:ea typeface="Menlo"/>
+                <a:cs typeface="Menlo"/>
+                <a:sym typeface="Menlo"/>
+              </a:rPr>
+            </a:br>
+            <a:r>
+              <a:rPr sz="1500">
+                <a:solidFill>
+                  <a:srgbClr val="B7C4D1"/>
+                </a:solidFill>
+                <a:latin typeface="Menlo"/>
+                <a:ea typeface="Menlo"/>
+                <a:cs typeface="Menlo"/>
+                <a:sym typeface="Menlo"/>
+              </a:rPr>
               <a:t>    save_list = []</a:t>
             </a:r>
             <a:br>
@@ -6957,7 +6947,7 @@
               <a:t>    </a:t>
             </a:r>
             <a:r>
-              <a:rPr b="1" sz="1500">
+              <a:rPr sz="1500" b="1">
                 <a:solidFill>
                   <a:srgbClr val="D78B40"/>
                 </a:solidFill>
@@ -6981,7 +6971,7 @@
               <a:t>resultObject </a:t>
             </a:r>
             <a:r>
-              <a:rPr b="1" sz="1500">
+              <a:rPr sz="1500" b="1">
                 <a:solidFill>
                   <a:srgbClr val="D78B40"/>
                 </a:solidFill>
@@ -7028,7 +7018,7 @@
               <a:t>        </a:t>
             </a:r>
             <a:r>
-              <a:rPr b="1" sz="1500">
+              <a:rPr sz="1500" b="1">
                 <a:solidFill>
                   <a:srgbClr val="D78B40"/>
                 </a:solidFill>
@@ -7076,7 +7066,7 @@
               <a:t>resultValue </a:t>
             </a:r>
             <a:r>
-              <a:rPr b="1" sz="1500">
+              <a:rPr sz="1500" b="1">
                 <a:solidFill>
                   <a:srgbClr val="D78B40"/>
                 </a:solidFill>
@@ -7123,7 +7113,7 @@
               <a:t>            </a:t>
             </a:r>
             <a:r>
-              <a:rPr b="1" sz="1500">
+              <a:rPr sz="1500" b="1">
                 <a:solidFill>
                   <a:srgbClr val="D78B40"/>
                 </a:solidFill>
@@ -7171,7 +7161,7 @@
               <a:t>annotationValue </a:t>
             </a:r>
             <a:r>
-              <a:rPr b="1" sz="1500">
+              <a:rPr sz="1500" b="1">
                 <a:solidFill>
                   <a:srgbClr val="D78B40"/>
                 </a:solidFill>
@@ -7218,7 +7208,7 @@
               <a:t>                </a:t>
             </a:r>
             <a:r>
-              <a:rPr b="1" sz="1500">
+              <a:rPr sz="1500" b="1">
                 <a:solidFill>
                   <a:srgbClr val="D78B40"/>
                 </a:solidFill>
@@ -7242,7 +7232,7 @@
               <a:t>resultKey == annotationValue </a:t>
             </a:r>
             <a:r>
-              <a:rPr b="1" sz="1500">
+              <a:rPr sz="1500" b="1">
                 <a:solidFill>
                   <a:srgbClr val="D78B40"/>
                 </a:solidFill>
@@ -7299,7 +7289,7 @@
                 <a:sym typeface="Menlo"/>
               </a:rPr>
             </a:br>
-            <a:br>
+            <a:r>
               <a:rPr sz="1500">
                 <a:solidFill>
                   <a:srgbClr val="B7C4D1"/>
@@ -7309,8 +7299,9 @@
                 <a:cs typeface="Menlo"/>
                 <a:sym typeface="Menlo"/>
               </a:rPr>
-            </a:br>
-            <a:r>
+              <a:t/>
+            </a:r>
+            <a:br>
               <a:rPr sz="1500">
                 <a:solidFill>
                   <a:srgbClr val="B7C4D1"/>
@@ -7320,6 +7311,17 @@
                 <a:cs typeface="Menlo"/>
                 <a:sym typeface="Menlo"/>
               </a:rPr>
+            </a:br>
+            <a:r>
+              <a:rPr sz="1500">
+                <a:solidFill>
+                  <a:srgbClr val="B7C4D1"/>
+                </a:solidFill>
+                <a:latin typeface="Menlo"/>
+                <a:ea typeface="Menlo"/>
+                <a:cs typeface="Menlo"/>
+                <a:sym typeface="Menlo"/>
+              </a:rPr>
               <a:t>        </a:t>
             </a:r>
             <a:r>
@@ -7335,7 +7337,7 @@
               <a:t>#</a:t>
             </a:r>
             <a:r>
-              <a:rPr i="1" sz="1500">
+              <a:rPr sz="1500" i="1">
                 <a:solidFill>
                   <a:srgbClr val="B6C82D"/>
                 </a:solidFill>
@@ -7347,7 +7349,7 @@
               <a:t>TODO Muscle dat list here and save results!</a:t>
             </a:r>
             <a:br>
-              <a:rPr i="1" sz="1500">
+              <a:rPr sz="1500" i="1">
                 <a:solidFill>
                   <a:srgbClr val="B6C82D"/>
                 </a:solidFill>
@@ -7358,7 +7360,7 @@
               </a:rPr>
             </a:br>
             <a:r>
-              <a:rPr i="1" sz="1500">
+              <a:rPr sz="1500" i="1">
                 <a:solidFill>
                   <a:srgbClr val="B6C82D"/>
                 </a:solidFill>
@@ -7370,7 +7372,7 @@
               <a:t>    </a:t>
             </a:r>
             <a:r>
-              <a:rPr b="1" sz="1500">
+              <a:rPr sz="1500" b="1">
                 <a:solidFill>
                   <a:srgbClr val="D78B40"/>
                 </a:solidFill>
@@ -7393,15 +7395,6 @@
               </a:rPr>
               <a:t>save_list</a:t>
             </a:r>
-            <a:endParaRPr sz="1500">
-              <a:solidFill>
-                <a:srgbClr val="B7C4D1"/>
-              </a:solidFill>
-              <a:latin typeface="Menlo"/>
-              <a:ea typeface="Menlo"/>
-              <a:cs typeface="Menlo"/>
-              <a:sym typeface="Menlo"/>
-            </a:endParaRPr>
           </a:p>
         </p:txBody>
       </p:sp>
@@ -7460,12 +7453,12 @@
   <p:clrMapOvr>
     <a:masterClrMapping/>
   </p:clrMapOvr>
-  <p:transition spd="med" advClick="1"/>
+  <p:transition xmlns:p14="http://schemas.microsoft.com/office/powerpoint/2010/main" spd="med"/>
 </p:sld>
 </file>
 
 <file path=ppt/slides/slide12.xml><?xml version="1.0" encoding="utf-8"?>
-<p:sld xmlns:a="http://schemas.openxmlformats.org/drawingml/2006/main" xmlns:r="http://schemas.openxmlformats.org/officeDocument/2006/relationships" xmlns:p="http://schemas.openxmlformats.org/presentationml/2006/main" showMasterSp="1" showMasterPhAnim="1">
+<p:sld xmlns:a="http://schemas.openxmlformats.org/drawingml/2006/main" xmlns:r="http://schemas.openxmlformats.org/officeDocument/2006/relationships" xmlns:p="http://schemas.openxmlformats.org/presentationml/2006/main">
   <p:cSld>
     <p:spTree>
       <p:nvGrpSpPr>
@@ -7484,7 +7477,9 @@
       <p:sp>
         <p:nvSpPr>
           <p:cNvPr id="67" name="Shape 67"/>
-          <p:cNvSpPr/>
+          <p:cNvSpPr>
+            <a:spLocks noGrp="1"/>
+          </p:cNvSpPr>
           <p:nvPr>
             <p:ph type="title"/>
           </p:nvPr>
@@ -7557,7 +7552,7 @@
               </a:defRPr>
             </a:pPr>
             <a:r>
-              <a:rPr b="1" sz="1300">
+              <a:rPr sz="1300" b="1">
                 <a:solidFill>
                   <a:srgbClr val="D78B40"/>
                 </a:solidFill>
@@ -7569,7 +7564,7 @@
               <a:t>def </a:t>
             </a:r>
             <a:r>
-              <a:rPr b="1" sz="1300">
+              <a:rPr sz="1300" b="1">
                 <a:solidFill>
                   <a:srgbClr val="B7C4D1"/>
                 </a:solidFill>
@@ -7616,7 +7611,7 @@
               <a:t>    </a:t>
             </a:r>
             <a:r>
-              <a:rPr i="1" sz="1300">
+              <a:rPr sz="1300" i="1">
                 <a:solidFill>
                   <a:srgbClr val="74A568"/>
                 </a:solidFill>
@@ -7628,7 +7623,7 @@
               <a:t>"""</a:t>
             </a:r>
             <a:br>
-              <a:rPr i="1" sz="1300">
+              <a:rPr sz="1300" i="1">
                 <a:solidFill>
                   <a:srgbClr val="74A568"/>
                 </a:solidFill>
@@ -7639,7 +7634,7 @@
               </a:rPr>
             </a:br>
             <a:r>
-              <a:rPr i="1" sz="1300">
+              <a:rPr sz="1300" i="1">
                 <a:solidFill>
                   <a:srgbClr val="74A568"/>
                 </a:solidFill>
@@ -7651,7 +7646,7 @@
               <a:t>    MUSCLE</a:t>
             </a:r>
             <a:br>
-              <a:rPr i="1" sz="1300">
+              <a:rPr sz="1300" i="1">
                 <a:solidFill>
                   <a:srgbClr val="74A568"/>
                 </a:solidFill>
@@ -7662,7 +7657,7 @@
               </a:rPr>
             </a:br>
             <a:r>
-              <a:rPr i="1" sz="1300">
+              <a:rPr sz="1300" i="1">
                 <a:solidFill>
                   <a:srgbClr val="74A568"/>
                 </a:solidFill>
@@ -7674,7 +7669,7 @@
               <a:t>    Compare the sequences to similarity. same sequences with similar annotations shall be clustered</a:t>
             </a:r>
             <a:br>
-              <a:rPr i="1" sz="1300">
+              <a:rPr sz="1300" i="1">
                 <a:solidFill>
                   <a:srgbClr val="74A568"/>
                 </a:solidFill>
@@ -7685,7 +7680,7 @@
               </a:rPr>
             </a:br>
             <a:r>
-              <a:rPr i="1" sz="1300">
+              <a:rPr sz="1300" i="1">
                 <a:solidFill>
                   <a:srgbClr val="74A568"/>
                 </a:solidFill>
@@ -7697,7 +7692,7 @@
               <a:t>    </a:t>
             </a:r>
             <a:r>
-              <a:rPr b="1" i="1" sz="1300">
+              <a:rPr sz="1300" b="1" i="1">
                 <a:solidFill>
                   <a:srgbClr val="647F5C"/>
                 </a:solidFill>
@@ -7709,7 +7704,7 @@
               <a:t>:param</a:t>
             </a:r>
             <a:r>
-              <a:rPr i="1" sz="1300">
+              <a:rPr sz="1300" i="1">
                 <a:solidFill>
                   <a:srgbClr val="74A568"/>
                 </a:solidFill>
@@ -7721,7 +7716,7 @@
               <a:t> objects_of_sequences:</a:t>
             </a:r>
             <a:br>
-              <a:rPr i="1" sz="1300">
+              <a:rPr sz="1300" i="1">
                 <a:solidFill>
                   <a:srgbClr val="74A568"/>
                 </a:solidFill>
@@ -7732,7 +7727,7 @@
               </a:rPr>
             </a:br>
             <a:r>
-              <a:rPr i="1" sz="1300">
+              <a:rPr sz="1300" i="1">
                 <a:solidFill>
                   <a:srgbClr val="74A568"/>
                 </a:solidFill>
@@ -7744,7 +7739,7 @@
               <a:t>    </a:t>
             </a:r>
             <a:r>
-              <a:rPr b="1" i="1" sz="1300">
+              <a:rPr sz="1300" b="1" i="1">
                 <a:solidFill>
                   <a:srgbClr val="647F5C"/>
                 </a:solidFill>
@@ -7756,7 +7751,7 @@
               <a:t>:return</a:t>
             </a:r>
             <a:r>
-              <a:rPr i="1" sz="1300">
+              <a:rPr sz="1300" i="1">
                 <a:solidFill>
                   <a:srgbClr val="74A568"/>
                 </a:solidFill>
@@ -7768,7 +7763,7 @@
               <a:t>:</a:t>
             </a:r>
             <a:br>
-              <a:rPr i="1" sz="1300">
+              <a:rPr sz="1300" i="1">
                 <a:solidFill>
                   <a:srgbClr val="74A568"/>
                 </a:solidFill>
@@ -7779,7 +7774,7 @@
               </a:rPr>
             </a:br>
             <a:r>
-              <a:rPr i="1" sz="1300">
+              <a:rPr sz="1300" i="1">
                 <a:solidFill>
                   <a:srgbClr val="74A568"/>
                 </a:solidFill>
@@ -7791,7 +7786,7 @@
               <a:t>    """</a:t>
             </a:r>
             <a:br>
-              <a:rPr i="1" sz="1300">
+              <a:rPr sz="1300" i="1">
                 <a:solidFill>
                   <a:srgbClr val="74A568"/>
                 </a:solidFill>
@@ -7802,7 +7797,7 @@
               </a:rPr>
             </a:br>
             <a:r>
-              <a:rPr i="1" sz="1300">
+              <a:rPr sz="1300" i="1">
                 <a:solidFill>
                   <a:srgbClr val="74A568"/>
                 </a:solidFill>
@@ -7814,7 +7809,7 @@
               <a:t>    </a:t>
             </a:r>
             <a:r>
-              <a:rPr b="1" sz="1300">
+              <a:rPr sz="1300" b="1">
                 <a:solidFill>
                   <a:srgbClr val="D78B40"/>
                 </a:solidFill>
@@ -7895,7 +7890,7 @@
                 <a:sym typeface="Menlo"/>
               </a:rPr>
             </a:br>
-            <a:br>
+            <a:r>
               <a:rPr sz="1300">
                 <a:solidFill>
                   <a:srgbClr val="B3CB74"/>
@@ -7905,8 +7900,9 @@
                 <a:cs typeface="Menlo"/>
                 <a:sym typeface="Menlo"/>
               </a:rPr>
-            </a:br>
-            <a:r>
+              <a:t/>
+            </a:r>
+            <a:br>
               <a:rPr sz="1300">
                 <a:solidFill>
                   <a:srgbClr val="B3CB74"/>
@@ -7916,10 +7912,21 @@
                 <a:cs typeface="Menlo"/>
                 <a:sym typeface="Menlo"/>
               </a:rPr>
+            </a:br>
+            <a:r>
+              <a:rPr sz="1300">
+                <a:solidFill>
+                  <a:srgbClr val="B3CB74"/>
+                </a:solidFill>
+                <a:latin typeface="Menlo"/>
+                <a:ea typeface="Menlo"/>
+                <a:cs typeface="Menlo"/>
+                <a:sym typeface="Menlo"/>
+              </a:rPr>
               <a:t>    </a:t>
             </a:r>
             <a:r>
-              <a:rPr b="1" sz="1300">
+              <a:rPr sz="1300" b="1">
                 <a:solidFill>
                   <a:srgbClr val="D78B40"/>
                 </a:solidFill>
@@ -8002,7 +8009,7 @@
               <a:t>        </a:t>
             </a:r>
             <a:r>
-              <a:rPr b="1" sz="1300">
+              <a:rPr sz="1300" b="1">
                 <a:solidFill>
                   <a:srgbClr val="D78B40"/>
                 </a:solidFill>
@@ -8036,6 +8043,18 @@
                 <a:sym typeface="Menlo"/>
               </a:rPr>
             </a:br>
+            <a:r>
+              <a:rPr sz="1300">
+                <a:solidFill>
+                  <a:srgbClr val="B7C4D1"/>
+                </a:solidFill>
+                <a:latin typeface="Menlo"/>
+                <a:ea typeface="Menlo"/>
+                <a:cs typeface="Menlo"/>
+                <a:sym typeface="Menlo"/>
+              </a:rPr>
+              <a:t/>
+            </a:r>
             <a:br>
               <a:rPr sz="1300">
                 <a:solidFill>
@@ -8060,7 +8079,7 @@
               <a:t>    </a:t>
             </a:r>
             <a:r>
-              <a:rPr b="1" sz="1300">
+              <a:rPr sz="1300" b="1">
                 <a:solidFill>
                   <a:srgbClr val="D78B40"/>
                 </a:solidFill>
@@ -8108,7 +8127,7 @@
               <a:t>k) </a:t>
             </a:r>
             <a:r>
-              <a:rPr b="1" sz="1300">
+              <a:rPr sz="1300" b="1">
                 <a:solidFill>
                   <a:srgbClr val="D78B40"/>
                 </a:solidFill>
@@ -8404,7 +8423,7 @@
                 <a:sym typeface="Menlo"/>
               </a:rPr>
             </a:br>
-            <a:br>
+            <a:r>
               <a:rPr sz="1300">
                 <a:solidFill>
                   <a:srgbClr val="B3CB74"/>
@@ -8414,8 +8433,9 @@
                 <a:cs typeface="Menlo"/>
                 <a:sym typeface="Menlo"/>
               </a:rPr>
-            </a:br>
-            <a:r>
+              <a:t/>
+            </a:r>
+            <a:br>
               <a:rPr sz="1300">
                 <a:solidFill>
                   <a:srgbClr val="B3CB74"/>
@@ -8425,6 +8445,17 @@
                 <a:cs typeface="Menlo"/>
                 <a:sym typeface="Menlo"/>
               </a:rPr>
+            </a:br>
+            <a:r>
+              <a:rPr sz="1300">
+                <a:solidFill>
+                  <a:srgbClr val="B3CB74"/>
+                </a:solidFill>
+                <a:latin typeface="Menlo"/>
+                <a:ea typeface="Menlo"/>
+                <a:cs typeface="Menlo"/>
+                <a:sym typeface="Menlo"/>
+              </a:rPr>
               <a:t>    </a:t>
             </a:r>
             <a:r>
@@ -8688,6 +8719,18 @@
                 <a:sym typeface="Menlo"/>
               </a:rPr>
             </a:br>
+            <a:r>
+              <a:rPr sz="1300">
+                <a:solidFill>
+                  <a:srgbClr val="B7C4D1"/>
+                </a:solidFill>
+                <a:latin typeface="Menlo"/>
+                <a:ea typeface="Menlo"/>
+                <a:cs typeface="Menlo"/>
+                <a:sym typeface="Menlo"/>
+              </a:rPr>
+              <a:t/>
+            </a:r>
             <a:br>
               <a:rPr sz="1300">
                 <a:solidFill>
@@ -8712,7 +8755,7 @@
               <a:t>    </a:t>
             </a:r>
             <a:r>
-              <a:rPr b="1" sz="1300">
+              <a:rPr sz="1300" b="1">
                 <a:solidFill>
                   <a:srgbClr val="D78B40"/>
                 </a:solidFill>
@@ -8783,7 +8826,7 @@
               <a:t>        </a:t>
             </a:r>
             <a:r>
-              <a:rPr b="1" sz="1300">
+              <a:rPr sz="1300" b="1">
                 <a:solidFill>
                   <a:srgbClr val="D78B40"/>
                 </a:solidFill>
@@ -8841,6 +8884,18 @@
                 <a:sym typeface="Menlo"/>
               </a:rPr>
             </a:br>
+            <a:r>
+              <a:rPr sz="1300">
+                <a:solidFill>
+                  <a:srgbClr val="B7C4D1"/>
+                </a:solidFill>
+                <a:latin typeface="Menlo"/>
+                <a:ea typeface="Menlo"/>
+                <a:cs typeface="Menlo"/>
+                <a:sym typeface="Menlo"/>
+              </a:rPr>
+              <a:t/>
+            </a:r>
             <a:br>
               <a:rPr sz="1300">
                 <a:solidFill>
@@ -9075,6 +9130,18 @@
                 <a:sym typeface="Menlo"/>
               </a:rPr>
             </a:br>
+            <a:r>
+              <a:rPr sz="1300">
+                <a:solidFill>
+                  <a:srgbClr val="B7C4D1"/>
+                </a:solidFill>
+                <a:latin typeface="Menlo"/>
+                <a:ea typeface="Menlo"/>
+                <a:cs typeface="Menlo"/>
+                <a:sym typeface="Menlo"/>
+              </a:rPr>
+              <a:t/>
+            </a:r>
             <a:br>
               <a:rPr sz="1300">
                 <a:solidFill>
@@ -9309,6 +9376,18 @@
                 <a:sym typeface="Menlo"/>
               </a:rPr>
             </a:br>
+            <a:r>
+              <a:rPr sz="1300">
+                <a:solidFill>
+                  <a:srgbClr val="B7C4D1"/>
+                </a:solidFill>
+                <a:latin typeface="Menlo"/>
+                <a:ea typeface="Menlo"/>
+                <a:cs typeface="Menlo"/>
+                <a:sym typeface="Menlo"/>
+              </a:rPr>
+              <a:t/>
+            </a:r>
             <a:br>
               <a:rPr sz="1300">
                 <a:solidFill>
@@ -9333,7 +9412,7 @@
               <a:t>    </a:t>
             </a:r>
             <a:r>
-              <a:rPr b="1" sz="1300">
+              <a:rPr sz="1300" b="1">
                 <a:solidFill>
                   <a:srgbClr val="D78B40"/>
                 </a:solidFill>
@@ -9356,15 +9435,6 @@
               </a:rPr>
               <a:t>sequencelist</a:t>
             </a:r>
-            <a:endParaRPr sz="1300">
-              <a:solidFill>
-                <a:srgbClr val="B7C4D1"/>
-              </a:solidFill>
-              <a:latin typeface="Menlo"/>
-              <a:ea typeface="Menlo"/>
-              <a:cs typeface="Menlo"/>
-              <a:sym typeface="Menlo"/>
-            </a:endParaRPr>
           </a:p>
         </p:txBody>
       </p:sp>
@@ -9412,11 +9482,6 @@
               </a:rPr>
               <a:t>speichert die Werte in </a:t>
             </a:r>
-            <a:endParaRPr sz="3800">
-              <a:solidFill>
-                <a:srgbClr val="FFFFFF"/>
-              </a:solidFill>
-            </a:endParaRPr>
           </a:p>
           <a:p>
             <a:pPr lvl="0">
@@ -9442,12 +9507,12 @@
   <p:clrMapOvr>
     <a:masterClrMapping/>
   </p:clrMapOvr>
-  <p:transition spd="med" advClick="1"/>
+  <p:transition xmlns:p14="http://schemas.microsoft.com/office/powerpoint/2010/main" spd="med"/>
 </p:sld>
 </file>
 
 <file path=ppt/slides/slide13.xml><?xml version="1.0" encoding="utf-8"?>
-<p:sld xmlns:a="http://schemas.openxmlformats.org/drawingml/2006/main" xmlns:r="http://schemas.openxmlformats.org/officeDocument/2006/relationships" xmlns:p="http://schemas.openxmlformats.org/presentationml/2006/main" showMasterSp="1" showMasterPhAnim="1">
+<p:sld xmlns:a="http://schemas.openxmlformats.org/drawingml/2006/main" xmlns:r="http://schemas.openxmlformats.org/officeDocument/2006/relationships" xmlns:p="http://schemas.openxmlformats.org/presentationml/2006/main">
   <p:cSld>
     <p:spTree>
       <p:nvGrpSpPr>
@@ -9466,7 +9531,9 @@
       <p:sp>
         <p:nvSpPr>
           <p:cNvPr id="71" name="Shape 71"/>
-          <p:cNvSpPr/>
+          <p:cNvSpPr>
+            <a:spLocks noGrp="1"/>
+          </p:cNvSpPr>
           <p:nvPr>
             <p:ph type="title"/>
           </p:nvPr>
@@ -9535,7 +9602,7 @@
               </a:defRPr>
             </a:pPr>
             <a:r>
-              <a:rPr b="1" sz="1200">
+              <a:rPr sz="1200" b="1">
                 <a:solidFill>
                   <a:srgbClr val="D78B40"/>
                 </a:solidFill>
@@ -9547,7 +9614,7 @@
               <a:t>def </a:t>
             </a:r>
             <a:r>
-              <a:rPr b="1" sz="1200">
+              <a:rPr sz="1200" b="1">
                 <a:solidFill>
                   <a:srgbClr val="B7C4D1"/>
                 </a:solidFill>
@@ -9594,7 +9661,7 @@
               <a:t>    </a:t>
             </a:r>
             <a:r>
-              <a:rPr i="1" sz="1200">
+              <a:rPr sz="1200" i="1">
                 <a:solidFill>
                   <a:srgbClr val="74A568"/>
                 </a:solidFill>
@@ -9606,7 +9673,7 @@
               <a:t>'''</a:t>
             </a:r>
             <a:br>
-              <a:rPr i="1" sz="1200">
+              <a:rPr sz="1200" i="1">
                 <a:solidFill>
                   <a:srgbClr val="74A568"/>
                 </a:solidFill>
@@ -9617,7 +9684,7 @@
               </a:rPr>
             </a:br>
             <a:r>
-              <a:rPr i="1" sz="1200">
+              <a:rPr sz="1200" i="1">
                 <a:solidFill>
                   <a:srgbClr val="74A568"/>
                 </a:solidFill>
@@ -9629,7 +9696,7 @@
               <a:t>    Auswertung der Percent Identity Matrix</a:t>
             </a:r>
             <a:br>
-              <a:rPr i="1" sz="1200">
+              <a:rPr sz="1200" i="1">
                 <a:solidFill>
                   <a:srgbClr val="74A568"/>
                 </a:solidFill>
@@ -9640,7 +9707,7 @@
               </a:rPr>
             </a:br>
             <a:r>
-              <a:rPr i="1" sz="1200">
+              <a:rPr sz="1200" i="1">
                 <a:solidFill>
                   <a:srgbClr val="74A568"/>
                 </a:solidFill>
@@ -9652,7 +9719,7 @@
               <a:t>    Nimmt die bestehenden Files zur Berechnung: pim_result.txt und sequence_result.fasta</a:t>
             </a:r>
             <a:br>
-              <a:rPr i="1" sz="1200">
+              <a:rPr sz="1200" i="1">
                 <a:solidFill>
                   <a:srgbClr val="74A568"/>
                 </a:solidFill>
@@ -9663,7 +9730,7 @@
               </a:rPr>
             </a:br>
             <a:r>
-              <a:rPr i="1" sz="1200">
+              <a:rPr sz="1200" i="1">
                 <a:solidFill>
                   <a:srgbClr val="74A568"/>
                 </a:solidFill>
@@ -9675,7 +9742,7 @@
               <a:t>    </a:t>
             </a:r>
             <a:r>
-              <a:rPr b="1" i="1" sz="1200">
+              <a:rPr sz="1200" b="1" i="1">
                 <a:solidFill>
                   <a:srgbClr val="647F5C"/>
                 </a:solidFill>
@@ -9687,7 +9754,7 @@
               <a:t>:param</a:t>
             </a:r>
             <a:r>
-              <a:rPr i="1" sz="1200">
+              <a:rPr sz="1200" i="1">
                 <a:solidFill>
                   <a:srgbClr val="74A568"/>
                 </a:solidFill>
@@ -9699,7 +9766,7 @@
               <a:t> schwellenwert: der Schwellenwert fuer die Erkennung von Matches</a:t>
             </a:r>
             <a:br>
-              <a:rPr i="1" sz="1200">
+              <a:rPr sz="1200" i="1">
                 <a:solidFill>
                   <a:srgbClr val="74A568"/>
                 </a:solidFill>
@@ -9710,7 +9777,7 @@
               </a:rPr>
             </a:br>
             <a:r>
-              <a:rPr i="1" sz="1200">
+              <a:rPr sz="1200" i="1">
                 <a:solidFill>
                   <a:srgbClr val="74A568"/>
                 </a:solidFill>
@@ -9722,7 +9789,7 @@
               <a:t>    </a:t>
             </a:r>
             <a:r>
-              <a:rPr b="1" i="1" sz="1200">
+              <a:rPr sz="1200" b="1" i="1">
                 <a:solidFill>
                   <a:srgbClr val="647F5C"/>
                 </a:solidFill>
@@ -9734,7 +9801,7 @@
               <a:t>:return</a:t>
             </a:r>
             <a:r>
-              <a:rPr i="1" sz="1200">
+              <a:rPr sz="1200" i="1">
                 <a:solidFill>
                   <a:srgbClr val="74A568"/>
                 </a:solidFill>
@@ -9746,7 +9813,7 @@
               <a:t>: Liste mit aehnlichen Sequenzen (als Seq Object gespeichert), </a:t>
             </a:r>
             <a:br>
-              <a:rPr i="1" sz="1200">
+              <a:rPr sz="1200" i="1">
                 <a:solidFill>
                   <a:srgbClr val="74A568"/>
                 </a:solidFill>
@@ -9757,7 +9824,7 @@
               </a:rPr>
             </a:br>
             <a:r>
-              <a:rPr i="1" sz="1200">
+              <a:rPr sz="1200" i="1">
                 <a:solidFill>
                   <a:srgbClr val="74A568"/>
                 </a:solidFill>
@@ -9769,7 +9836,7 @@
               <a:t>    die jeweils in eine Liste gepackt sind</a:t>
             </a:r>
             <a:br>
-              <a:rPr i="1" sz="1200">
+              <a:rPr sz="1200" i="1">
                 <a:solidFill>
                   <a:srgbClr val="74A568"/>
                 </a:solidFill>
@@ -9780,7 +9847,7 @@
               </a:rPr>
             </a:br>
             <a:r>
-              <a:rPr i="1" sz="1200">
+              <a:rPr sz="1200" i="1">
                 <a:solidFill>
                   <a:srgbClr val="74A568"/>
                 </a:solidFill>
@@ -9792,7 +9859,7 @@
               <a:t>    '''</a:t>
             </a:r>
             <a:br>
-              <a:rPr i="1" sz="1200">
+              <a:rPr sz="1200" i="1">
                 <a:solidFill>
                   <a:srgbClr val="74A568"/>
                 </a:solidFill>
@@ -9802,8 +9869,8 @@
                 <a:sym typeface="Menlo"/>
               </a:rPr>
             </a:br>
-            <a:br>
-              <a:rPr i="1" sz="1200">
+            <a:r>
+              <a:rPr sz="1200" i="1">
                 <a:solidFill>
                   <a:srgbClr val="74A568"/>
                 </a:solidFill>
@@ -9812,9 +9879,10 @@
                 <a:cs typeface="Menlo"/>
                 <a:sym typeface="Menlo"/>
               </a:rPr>
-            </a:br>
-            <a:r>
-              <a:rPr i="1" sz="1200">
+              <a:t/>
+            </a:r>
+            <a:br>
+              <a:rPr sz="1200" i="1">
                 <a:solidFill>
                   <a:srgbClr val="74A568"/>
                 </a:solidFill>
@@ -9823,6 +9891,17 @@
                 <a:cs typeface="Menlo"/>
                 <a:sym typeface="Menlo"/>
               </a:rPr>
+            </a:br>
+            <a:r>
+              <a:rPr sz="1200" i="1">
+                <a:solidFill>
+                  <a:srgbClr val="74A568"/>
+                </a:solidFill>
+                <a:latin typeface="Menlo"/>
+                <a:ea typeface="Menlo"/>
+                <a:cs typeface="Menlo"/>
+                <a:sym typeface="Menlo"/>
+              </a:rPr>
               <a:t>    </a:t>
             </a:r>
             <a:r>
@@ -9871,6 +9950,18 @@
                 <a:sym typeface="Menlo"/>
               </a:rPr>
             </a:br>
+            <a:r>
+              <a:rPr sz="1200">
+                <a:solidFill>
+                  <a:srgbClr val="B7C4D1"/>
+                </a:solidFill>
+                <a:latin typeface="Menlo"/>
+                <a:ea typeface="Menlo"/>
+                <a:cs typeface="Menlo"/>
+                <a:sym typeface="Menlo"/>
+              </a:rPr>
+              <a:t/>
+            </a:r>
             <a:br>
               <a:rPr sz="1200">
                 <a:solidFill>
@@ -9990,7 +10081,7 @@
               <a:t>    </a:t>
             </a:r>
             <a:r>
-              <a:rPr b="1" sz="1200">
+              <a:rPr sz="1200" b="1">
                 <a:solidFill>
                   <a:srgbClr val="D78B40"/>
                 </a:solidFill>
@@ -10014,7 +10105,7 @@
               <a:t>i </a:t>
             </a:r>
             <a:r>
-              <a:rPr b="1" sz="1200">
+              <a:rPr sz="1200" b="1">
                 <a:solidFill>
                   <a:srgbClr val="D78B40"/>
                 </a:solidFill>
@@ -10155,7 +10246,7 @@
               <a:t>    </a:t>
             </a:r>
             <a:r>
-              <a:rPr b="1" sz="1200">
+              <a:rPr sz="1200" b="1">
                 <a:solidFill>
                   <a:srgbClr val="D78B40"/>
                 </a:solidFill>
@@ -10237,7 +10328,7 @@
               <a:t>        </a:t>
             </a:r>
             <a:r>
-              <a:rPr b="1" sz="1200">
+              <a:rPr sz="1200" b="1">
                 <a:solidFill>
                   <a:srgbClr val="D78B40"/>
                 </a:solidFill>
@@ -10308,7 +10399,7 @@
               <a:t>            </a:t>
             </a:r>
             <a:r>
-              <a:rPr b="1" sz="1200">
+              <a:rPr sz="1200" b="1">
                 <a:solidFill>
                   <a:srgbClr val="D78B40"/>
                 </a:solidFill>
@@ -10320,7 +10411,7 @@
               <a:t>break</a:t>
             </a:r>
             <a:br>
-              <a:rPr b="1" sz="1200">
+              <a:rPr sz="1200" b="1">
                 <a:solidFill>
                   <a:srgbClr val="D78B40"/>
                 </a:solidFill>
@@ -10331,7 +10422,7 @@
               </a:rPr>
             </a:br>
             <a:r>
-              <a:rPr b="1" sz="1200">
+              <a:rPr sz="1200" b="1">
                 <a:solidFill>
                   <a:srgbClr val="D78B40"/>
                 </a:solidFill>
@@ -10602,7 +10693,7 @@
               <a:t>        </a:t>
             </a:r>
             <a:r>
-              <a:rPr b="1" sz="1200">
+              <a:rPr sz="1200" b="1">
                 <a:solidFill>
                   <a:srgbClr val="D78B40"/>
                 </a:solidFill>
@@ -10720,7 +10811,7 @@
               <a:t>            </a:t>
             </a:r>
             <a:r>
-              <a:rPr b="1" sz="1200">
+              <a:rPr sz="1200" b="1">
                 <a:solidFill>
                   <a:srgbClr val="D78B40"/>
                 </a:solidFill>
@@ -10744,7 +10835,7 @@
               <a:t>value </a:t>
             </a:r>
             <a:r>
-              <a:rPr b="1" sz="1200">
+              <a:rPr sz="1200" b="1">
                 <a:solidFill>
                   <a:srgbClr val="D78B40"/>
                 </a:solidFill>
@@ -10838,7 +10929,7 @@
               <a:t>                </a:t>
             </a:r>
             <a:r>
-              <a:rPr b="1" sz="1200">
+              <a:rPr sz="1200" b="1">
                 <a:solidFill>
                   <a:srgbClr val="D78B40"/>
                 </a:solidFill>
@@ -10885,7 +10976,7 @@
               <a:t>                    </a:t>
             </a:r>
             <a:r>
-              <a:rPr b="1" sz="1200">
+              <a:rPr sz="1200" b="1">
                 <a:solidFill>
                   <a:srgbClr val="D78B40"/>
                 </a:solidFill>
@@ -11014,7 +11105,7 @@
               <a:t>                </a:t>
             </a:r>
             <a:r>
-              <a:rPr b="1" sz="1200">
+              <a:rPr sz="1200" b="1">
                 <a:solidFill>
                   <a:srgbClr val="D78B40"/>
                 </a:solidFill>
@@ -11061,7 +11152,7 @@
               <a:t>                    </a:t>
             </a:r>
             <a:r>
-              <a:rPr b="1" sz="1200">
+              <a:rPr sz="1200" b="1">
                 <a:solidFill>
                   <a:srgbClr val="D78B40"/>
                 </a:solidFill>
@@ -11073,7 +11164,7 @@
               <a:t>break</a:t>
             </a:r>
             <a:br>
-              <a:rPr b="1" sz="1200">
+              <a:rPr sz="1200" b="1">
                 <a:solidFill>
                   <a:srgbClr val="D78B40"/>
                 </a:solidFill>
@@ -11084,7 +11175,7 @@
               </a:rPr>
             </a:br>
             <a:r>
-              <a:rPr b="1" sz="1200">
+              <a:rPr sz="1200" b="1">
                 <a:solidFill>
                   <a:srgbClr val="D78B40"/>
                 </a:solidFill>
@@ -11166,15 +11257,6 @@
               </a:rPr>
               <a:t>1</a:t>
             </a:r>
-            <a:endParaRPr sz="1200">
-              <a:solidFill>
-                <a:srgbClr val="7AA8C7"/>
-              </a:solidFill>
-              <a:latin typeface="Menlo"/>
-              <a:ea typeface="Menlo"/>
-              <a:cs typeface="Menlo"/>
-              <a:sym typeface="Menlo"/>
-            </a:endParaRPr>
           </a:p>
         </p:txBody>
       </p:sp>
@@ -11230,12 +11312,12 @@
   <p:clrMapOvr>
     <a:masterClrMapping/>
   </p:clrMapOvr>
-  <p:transition spd="med" advClick="1"/>
+  <p:transition xmlns:p14="http://schemas.microsoft.com/office/powerpoint/2010/main" spd="med"/>
 </p:sld>
 </file>
 
 <file path=ppt/slides/slide14.xml><?xml version="1.0" encoding="utf-8"?>
-<p:sld xmlns:a="http://schemas.openxmlformats.org/drawingml/2006/main" xmlns:r="http://schemas.openxmlformats.org/officeDocument/2006/relationships" xmlns:p="http://schemas.openxmlformats.org/presentationml/2006/main" showMasterSp="1" showMasterPhAnim="1">
+<p:sld xmlns:a="http://schemas.openxmlformats.org/drawingml/2006/main" xmlns:r="http://schemas.openxmlformats.org/officeDocument/2006/relationships" xmlns:p="http://schemas.openxmlformats.org/presentationml/2006/main">
   <p:cSld>
     <p:spTree>
       <p:nvGrpSpPr>
@@ -11254,7 +11336,9 @@
       <p:sp>
         <p:nvSpPr>
           <p:cNvPr id="75" name="Shape 75"/>
-          <p:cNvSpPr/>
+          <p:cNvSpPr>
+            <a:spLocks noGrp="1"/>
+          </p:cNvSpPr>
           <p:nvPr>
             <p:ph type="title"/>
           </p:nvPr>
@@ -11415,7 +11499,7 @@
               </a:rPr>
             </a:br>
             <a:r>
-              <a:rPr b="1" sz="1200">
+              <a:rPr sz="1200" b="1">
                 <a:solidFill>
                   <a:srgbClr val="D78B40"/>
                 </a:solidFill>
@@ -11439,7 +11523,7 @@
               <a:t>match </a:t>
             </a:r>
             <a:r>
-              <a:rPr b="1" sz="1200">
+              <a:rPr sz="1200" b="1">
                 <a:solidFill>
                   <a:srgbClr val="D78B40"/>
                 </a:solidFill>
@@ -11460,7 +11544,397 @@
                 <a:cs typeface="Menlo"/>
                 <a:sym typeface="Menlo"/>
               </a:rPr>
-              <a:t>matches</a:t>
+              <a:t>matches:</a:t>
+            </a:r>
+            <a:br>
+              <a:rPr sz="1200">
+                <a:solidFill>
+                  <a:srgbClr val="B7C4D1"/>
+                </a:solidFill>
+                <a:latin typeface="Menlo"/>
+                <a:ea typeface="Menlo"/>
+                <a:cs typeface="Menlo"/>
+                <a:sym typeface="Menlo"/>
+              </a:rPr>
+            </a:br>
+            <a:r>
+              <a:rPr sz="1200">
+                <a:solidFill>
+                  <a:srgbClr val="B7C4D1"/>
+                </a:solidFill>
+                <a:latin typeface="Menlo"/>
+                <a:ea typeface="Menlo"/>
+                <a:cs typeface="Menlo"/>
+                <a:sym typeface="Menlo"/>
+              </a:rPr>
+              <a:t>    match[</a:t>
+            </a:r>
+            <a:r>
+              <a:rPr sz="1200">
+                <a:solidFill>
+                  <a:srgbClr val="7AA8C7"/>
+                </a:solidFill>
+                <a:latin typeface="Menlo"/>
+                <a:ea typeface="Menlo"/>
+                <a:cs typeface="Menlo"/>
+                <a:sym typeface="Menlo"/>
+              </a:rPr>
+              <a:t>1</a:t>
+            </a:r>
+            <a:r>
+              <a:rPr sz="1200">
+                <a:solidFill>
+                  <a:srgbClr val="B7C4D1"/>
+                </a:solidFill>
+                <a:latin typeface="Menlo"/>
+                <a:ea typeface="Menlo"/>
+                <a:cs typeface="Menlo"/>
+                <a:sym typeface="Menlo"/>
+              </a:rPr>
+              <a:t>] = identifier_list[match[</a:t>
+            </a:r>
+            <a:r>
+              <a:rPr sz="1200">
+                <a:solidFill>
+                  <a:srgbClr val="7AA8C7"/>
+                </a:solidFill>
+                <a:latin typeface="Menlo"/>
+                <a:ea typeface="Menlo"/>
+                <a:cs typeface="Menlo"/>
+                <a:sym typeface="Menlo"/>
+              </a:rPr>
+              <a:t>1</a:t>
+            </a:r>
+            <a:r>
+              <a:rPr sz="1200">
+                <a:solidFill>
+                  <a:srgbClr val="B7C4D1"/>
+                </a:solidFill>
+                <a:latin typeface="Menlo"/>
+                <a:ea typeface="Menlo"/>
+                <a:cs typeface="Menlo"/>
+                <a:sym typeface="Menlo"/>
+              </a:rPr>
+              <a:t>]-</a:t>
+            </a:r>
+            <a:r>
+              <a:rPr sz="1200">
+                <a:solidFill>
+                  <a:srgbClr val="7AA8C7"/>
+                </a:solidFill>
+                <a:latin typeface="Menlo"/>
+                <a:ea typeface="Menlo"/>
+                <a:cs typeface="Menlo"/>
+                <a:sym typeface="Menlo"/>
+              </a:rPr>
+              <a:t>1</a:t>
+            </a:r>
+            <a:r>
+              <a:rPr sz="1200">
+                <a:solidFill>
+                  <a:srgbClr val="B7C4D1"/>
+                </a:solidFill>
+                <a:latin typeface="Menlo"/>
+                <a:ea typeface="Menlo"/>
+                <a:cs typeface="Menlo"/>
+                <a:sym typeface="Menlo"/>
+              </a:rPr>
+              <a:t>]</a:t>
+            </a:r>
+            <a:br>
+              <a:rPr sz="1200">
+                <a:solidFill>
+                  <a:srgbClr val="B7C4D1"/>
+                </a:solidFill>
+                <a:latin typeface="Menlo"/>
+                <a:ea typeface="Menlo"/>
+                <a:cs typeface="Menlo"/>
+                <a:sym typeface="Menlo"/>
+              </a:rPr>
+            </a:br>
+            <a:r>
+              <a:rPr sz="1200">
+                <a:solidFill>
+                  <a:srgbClr val="B7C4D1"/>
+                </a:solidFill>
+                <a:latin typeface="Menlo"/>
+                <a:ea typeface="Menlo"/>
+                <a:cs typeface="Menlo"/>
+                <a:sym typeface="Menlo"/>
+              </a:rPr>
+              <a:t/>
+            </a:r>
+            <a:br>
+              <a:rPr sz="1200">
+                <a:solidFill>
+                  <a:srgbClr val="B7C4D1"/>
+                </a:solidFill>
+                <a:latin typeface="Menlo"/>
+                <a:ea typeface="Menlo"/>
+                <a:cs typeface="Menlo"/>
+                <a:sym typeface="Menlo"/>
+              </a:rPr>
+            </a:br>
+            <a:r>
+              <a:rPr sz="1200">
+                <a:solidFill>
+                  <a:srgbClr val="B7C4D1"/>
+                </a:solidFill>
+                <a:latin typeface="Menlo"/>
+                <a:ea typeface="Menlo"/>
+                <a:cs typeface="Menlo"/>
+                <a:sym typeface="Menlo"/>
+              </a:rPr>
+              <a:t>    </a:t>
+            </a:r>
+            <a:r>
+              <a:rPr sz="1200" b="1">
+                <a:solidFill>
+                  <a:srgbClr val="D78B40"/>
+                </a:solidFill>
+                <a:latin typeface="Menlo"/>
+                <a:ea typeface="Menlo"/>
+                <a:cs typeface="Menlo"/>
+                <a:sym typeface="Menlo"/>
+              </a:rPr>
+              <a:t>if </a:t>
+            </a:r>
+            <a:r>
+              <a:rPr sz="1200">
+                <a:solidFill>
+                  <a:srgbClr val="B7C4D1"/>
+                </a:solidFill>
+                <a:latin typeface="Menlo"/>
+                <a:ea typeface="Menlo"/>
+                <a:cs typeface="Menlo"/>
+                <a:sym typeface="Menlo"/>
+              </a:rPr>
+              <a:t>match[</a:t>
+            </a:r>
+            <a:r>
+              <a:rPr sz="1200">
+                <a:solidFill>
+                  <a:srgbClr val="7AA8C7"/>
+                </a:solidFill>
+                <a:latin typeface="Menlo"/>
+                <a:ea typeface="Menlo"/>
+                <a:cs typeface="Menlo"/>
+                <a:sym typeface="Menlo"/>
+              </a:rPr>
+              <a:t>1</a:t>
+            </a:r>
+            <a:r>
+              <a:rPr sz="1200">
+                <a:solidFill>
+                  <a:srgbClr val="B7C4D1"/>
+                </a:solidFill>
+                <a:latin typeface="Menlo"/>
+                <a:ea typeface="Menlo"/>
+                <a:cs typeface="Menlo"/>
+                <a:sym typeface="Menlo"/>
+              </a:rPr>
+              <a:t>] </a:t>
+            </a:r>
+            <a:r>
+              <a:rPr sz="1200" b="1">
+                <a:solidFill>
+                  <a:srgbClr val="D78B40"/>
+                </a:solidFill>
+                <a:latin typeface="Menlo"/>
+                <a:ea typeface="Menlo"/>
+                <a:cs typeface="Menlo"/>
+                <a:sym typeface="Menlo"/>
+              </a:rPr>
+              <a:t>in </a:t>
+            </a:r>
+            <a:r>
+              <a:rPr sz="1200">
+                <a:solidFill>
+                  <a:srgbClr val="B7C4D1"/>
+                </a:solidFill>
+                <a:latin typeface="Menlo"/>
+                <a:ea typeface="Menlo"/>
+                <a:cs typeface="Menlo"/>
+                <a:sym typeface="Menlo"/>
+              </a:rPr>
+              <a:t>names:</a:t>
+            </a:r>
+            <a:br>
+              <a:rPr sz="1200">
+                <a:solidFill>
+                  <a:srgbClr val="B7C4D1"/>
+                </a:solidFill>
+                <a:latin typeface="Menlo"/>
+                <a:ea typeface="Menlo"/>
+                <a:cs typeface="Menlo"/>
+                <a:sym typeface="Menlo"/>
+              </a:rPr>
+            </a:br>
+            <a:r>
+              <a:rPr sz="1200">
+                <a:solidFill>
+                  <a:srgbClr val="B7C4D1"/>
+                </a:solidFill>
+                <a:latin typeface="Menlo"/>
+                <a:ea typeface="Menlo"/>
+                <a:cs typeface="Menlo"/>
+                <a:sym typeface="Menlo"/>
+              </a:rPr>
+              <a:t>        </a:t>
+            </a:r>
+            <a:r>
+              <a:rPr sz="1200" b="1">
+                <a:solidFill>
+                  <a:srgbClr val="D78B40"/>
+                </a:solidFill>
+                <a:latin typeface="Menlo"/>
+                <a:ea typeface="Menlo"/>
+                <a:cs typeface="Menlo"/>
+                <a:sym typeface="Menlo"/>
+              </a:rPr>
+              <a:t>if not </a:t>
+            </a:r>
+            <a:r>
+              <a:rPr sz="1200">
+                <a:solidFill>
+                  <a:srgbClr val="B7C4D1"/>
+                </a:solidFill>
+                <a:latin typeface="Menlo"/>
+                <a:ea typeface="Menlo"/>
+                <a:cs typeface="Menlo"/>
+                <a:sym typeface="Menlo"/>
+              </a:rPr>
+              <a:t>match[</a:t>
+            </a:r>
+            <a:r>
+              <a:rPr sz="1200">
+                <a:solidFill>
+                  <a:srgbClr val="7AA8C7"/>
+                </a:solidFill>
+                <a:latin typeface="Menlo"/>
+                <a:ea typeface="Menlo"/>
+                <a:cs typeface="Menlo"/>
+                <a:sym typeface="Menlo"/>
+              </a:rPr>
+              <a:t>0</a:t>
+            </a:r>
+            <a:r>
+              <a:rPr sz="1200">
+                <a:solidFill>
+                  <a:srgbClr val="B7C4D1"/>
+                </a:solidFill>
+                <a:latin typeface="Menlo"/>
+                <a:ea typeface="Menlo"/>
+                <a:cs typeface="Menlo"/>
+                <a:sym typeface="Menlo"/>
+              </a:rPr>
+              <a:t>] </a:t>
+            </a:r>
+            <a:r>
+              <a:rPr sz="1200" b="1">
+                <a:solidFill>
+                  <a:srgbClr val="D78B40"/>
+                </a:solidFill>
+                <a:latin typeface="Menlo"/>
+                <a:ea typeface="Menlo"/>
+                <a:cs typeface="Menlo"/>
+                <a:sym typeface="Menlo"/>
+              </a:rPr>
+              <a:t>in </a:t>
+            </a:r>
+            <a:r>
+              <a:rPr sz="1200">
+                <a:solidFill>
+                  <a:srgbClr val="B7C4D1"/>
+                </a:solidFill>
+                <a:latin typeface="Menlo"/>
+                <a:ea typeface="Menlo"/>
+                <a:cs typeface="Menlo"/>
+                <a:sym typeface="Menlo"/>
+              </a:rPr>
+              <a:t>new_matches:</a:t>
+            </a:r>
+            <a:br>
+              <a:rPr sz="1200">
+                <a:solidFill>
+                  <a:srgbClr val="B7C4D1"/>
+                </a:solidFill>
+                <a:latin typeface="Menlo"/>
+                <a:ea typeface="Menlo"/>
+                <a:cs typeface="Menlo"/>
+                <a:sym typeface="Menlo"/>
+              </a:rPr>
+            </a:br>
+            <a:r>
+              <a:rPr sz="1200">
+                <a:solidFill>
+                  <a:srgbClr val="B7C4D1"/>
+                </a:solidFill>
+                <a:latin typeface="Menlo"/>
+                <a:ea typeface="Menlo"/>
+                <a:cs typeface="Menlo"/>
+                <a:sym typeface="Menlo"/>
+              </a:rPr>
+              <a:t>            new_matches.append(match[</a:t>
+            </a:r>
+            <a:r>
+              <a:rPr sz="1200">
+                <a:solidFill>
+                  <a:srgbClr val="7AA8C7"/>
+                </a:solidFill>
+                <a:latin typeface="Menlo"/>
+                <a:ea typeface="Menlo"/>
+                <a:cs typeface="Menlo"/>
+                <a:sym typeface="Menlo"/>
+              </a:rPr>
+              <a:t>0</a:t>
+            </a:r>
+            <a:r>
+              <a:rPr sz="1200">
+                <a:solidFill>
+                  <a:srgbClr val="B7C4D1"/>
+                </a:solidFill>
+                <a:latin typeface="Menlo"/>
+                <a:ea typeface="Menlo"/>
+                <a:cs typeface="Menlo"/>
+                <a:sym typeface="Menlo"/>
+              </a:rPr>
+              <a:t>])</a:t>
+            </a:r>
+            <a:br>
+              <a:rPr sz="1200">
+                <a:solidFill>
+                  <a:srgbClr val="B7C4D1"/>
+                </a:solidFill>
+                <a:latin typeface="Menlo"/>
+                <a:ea typeface="Menlo"/>
+                <a:cs typeface="Menlo"/>
+                <a:sym typeface="Menlo"/>
+              </a:rPr>
+            </a:br>
+            <a:r>
+              <a:rPr sz="1200">
+                <a:solidFill>
+                  <a:srgbClr val="B7C4D1"/>
+                </a:solidFill>
+                <a:latin typeface="Menlo"/>
+                <a:ea typeface="Menlo"/>
+                <a:cs typeface="Menlo"/>
+                <a:sym typeface="Menlo"/>
+              </a:rPr>
+              <a:t>    </a:t>
+            </a:r>
+            <a:r>
+              <a:rPr sz="1200" b="1">
+                <a:solidFill>
+                  <a:srgbClr val="D78B40"/>
+                </a:solidFill>
+                <a:latin typeface="Menlo"/>
+                <a:ea typeface="Menlo"/>
+                <a:cs typeface="Menlo"/>
+                <a:sym typeface="Menlo"/>
+              </a:rPr>
+              <a:t>else</a:t>
             </a:r>
             <a:r>
               <a:rPr sz="1200">
@@ -11495,7 +11969,7 @@
                 <a:cs typeface="Menlo"/>
                 <a:sym typeface="Menlo"/>
               </a:rPr>
-              <a:t>    match[</a:t>
+              <a:t>        names.append(match[</a:t>
             </a:r>
             <a:r>
               <a:rPr sz="1200">
@@ -11519,67 +11993,31 @@
                 <a:cs typeface="Menlo"/>
                 <a:sym typeface="Menlo"/>
               </a:rPr>
-              <a:t>] = identifier_list[match[</a:t>
-            </a:r>
-            <a:r>
-              <a:rPr sz="1200">
-                <a:solidFill>
-                  <a:srgbClr val="7AA8C7"/>
-                </a:solidFill>
-                <a:latin typeface="Menlo"/>
-                <a:ea typeface="Menlo"/>
-                <a:cs typeface="Menlo"/>
-                <a:sym typeface="Menlo"/>
-              </a:rPr>
-              <a:t>1</a:t>
-            </a:r>
-            <a:r>
-              <a:rPr sz="1200">
-                <a:solidFill>
-                  <a:srgbClr val="B7C4D1"/>
-                </a:solidFill>
-                <a:latin typeface="Menlo"/>
-                <a:ea typeface="Menlo"/>
-                <a:cs typeface="Menlo"/>
-                <a:sym typeface="Menlo"/>
-              </a:rPr>
-              <a:t>]-</a:t>
-            </a:r>
-            <a:r>
-              <a:rPr sz="1200">
-                <a:solidFill>
-                  <a:srgbClr val="7AA8C7"/>
-                </a:solidFill>
-                <a:latin typeface="Menlo"/>
-                <a:ea typeface="Menlo"/>
-                <a:cs typeface="Menlo"/>
-                <a:sym typeface="Menlo"/>
-              </a:rPr>
-              <a:t>1</a:t>
-            </a:r>
-            <a:r>
-              <a:rPr sz="1200">
-                <a:solidFill>
-                  <a:srgbClr val="B7C4D1"/>
-                </a:solidFill>
-                <a:latin typeface="Menlo"/>
-                <a:ea typeface="Menlo"/>
-                <a:cs typeface="Menlo"/>
-                <a:sym typeface="Menlo"/>
-              </a:rPr>
-              <a:t>]</a:t>
-            </a:r>
-            <a:br>
-              <a:rPr sz="1200">
-                <a:solidFill>
-                  <a:srgbClr val="B7C4D1"/>
-                </a:solidFill>
-                <a:latin typeface="Menlo"/>
-                <a:ea typeface="Menlo"/>
-                <a:cs typeface="Menlo"/>
-                <a:sym typeface="Menlo"/>
-              </a:rPr>
-            </a:br>
+              <a:t>])</a:t>
+            </a:r>
+            <a:br>
+              <a:rPr sz="1200">
+                <a:solidFill>
+                  <a:srgbClr val="B7C4D1"/>
+                </a:solidFill>
+                <a:latin typeface="Menlo"/>
+                <a:ea typeface="Menlo"/>
+                <a:cs typeface="Menlo"/>
+                <a:sym typeface="Menlo"/>
+              </a:rPr>
+            </a:br>
+            <a:r>
+              <a:rPr sz="1200">
+                <a:solidFill>
+                  <a:srgbClr val="B7C4D1"/>
+                </a:solidFill>
+                <a:latin typeface="Menlo"/>
+                <a:ea typeface="Menlo"/>
+                <a:cs typeface="Menlo"/>
+                <a:sym typeface="Menlo"/>
+              </a:rPr>
+              <a:t/>
+            </a:r>
             <a:br>
               <a:rPr sz="1200">
                 <a:solidFill>
@@ -11604,7 +12042,7 @@
               <a:t>    </a:t>
             </a:r>
             <a:r>
-              <a:rPr b="1" sz="1200">
+              <a:rPr sz="1200" b="1">
                 <a:solidFill>
                   <a:srgbClr val="D78B40"/>
                 </a:solidFill>
@@ -11613,6 +12051,391 @@
                 <a:cs typeface="Menlo"/>
                 <a:sym typeface="Menlo"/>
               </a:rPr>
+              <a:t>print </a:t>
+            </a:r>
+            <a:r>
+              <a:rPr sz="1200">
+                <a:solidFill>
+                  <a:srgbClr val="B7C4D1"/>
+                </a:solidFill>
+                <a:latin typeface="Menlo"/>
+                <a:ea typeface="Menlo"/>
+                <a:cs typeface="Menlo"/>
+                <a:sym typeface="Menlo"/>
+              </a:rPr>
+              <a:t>match </a:t>
+            </a:r>
+            <a:r>
+              <a:rPr sz="1200">
+                <a:solidFill>
+                  <a:srgbClr val="929292"/>
+                </a:solidFill>
+                <a:latin typeface="Menlo"/>
+                <a:ea typeface="Menlo"/>
+                <a:cs typeface="Menlo"/>
+                <a:sym typeface="Menlo"/>
+              </a:rPr>
+              <a:t># print the identifier names</a:t>
+            </a:r>
+            <a:br>
+              <a:rPr sz="1200">
+                <a:solidFill>
+                  <a:srgbClr val="929292"/>
+                </a:solidFill>
+                <a:latin typeface="Menlo"/>
+                <a:ea typeface="Menlo"/>
+                <a:cs typeface="Menlo"/>
+                <a:sym typeface="Menlo"/>
+              </a:rPr>
+            </a:br>
+            <a:r>
+              <a:rPr sz="1200">
+                <a:solidFill>
+                  <a:srgbClr val="929292"/>
+                </a:solidFill>
+                <a:latin typeface="Menlo"/>
+                <a:ea typeface="Menlo"/>
+                <a:cs typeface="Menlo"/>
+                <a:sym typeface="Menlo"/>
+              </a:rPr>
+              <a:t>    # if not match[0] in names:</a:t>
+            </a:r>
+            <a:br>
+              <a:rPr sz="1200">
+                <a:solidFill>
+                  <a:srgbClr val="929292"/>
+                </a:solidFill>
+                <a:latin typeface="Menlo"/>
+                <a:ea typeface="Menlo"/>
+                <a:cs typeface="Menlo"/>
+                <a:sym typeface="Menlo"/>
+              </a:rPr>
+            </a:br>
+            <a:r>
+              <a:rPr sz="1200">
+                <a:solidFill>
+                  <a:srgbClr val="929292"/>
+                </a:solidFill>
+                <a:latin typeface="Menlo"/>
+                <a:ea typeface="Menlo"/>
+                <a:cs typeface="Menlo"/>
+                <a:sym typeface="Menlo"/>
+              </a:rPr>
+              <a:t>    #     names.append(match[0])</a:t>
+            </a:r>
+            <a:br>
+              <a:rPr sz="1200">
+                <a:solidFill>
+                  <a:srgbClr val="929292"/>
+                </a:solidFill>
+                <a:latin typeface="Menlo"/>
+                <a:ea typeface="Menlo"/>
+                <a:cs typeface="Menlo"/>
+                <a:sym typeface="Menlo"/>
+              </a:rPr>
+            </a:br>
+            <a:r>
+              <a:rPr sz="1200">
+                <a:solidFill>
+                  <a:srgbClr val="929292"/>
+                </a:solidFill>
+                <a:latin typeface="Menlo"/>
+                <a:ea typeface="Menlo"/>
+                <a:cs typeface="Menlo"/>
+                <a:sym typeface="Menlo"/>
+              </a:rPr>
+              <a:t>    # if not match[1] in names:</a:t>
+            </a:r>
+            <a:br>
+              <a:rPr sz="1200">
+                <a:solidFill>
+                  <a:srgbClr val="929292"/>
+                </a:solidFill>
+                <a:latin typeface="Menlo"/>
+                <a:ea typeface="Menlo"/>
+                <a:cs typeface="Menlo"/>
+                <a:sym typeface="Menlo"/>
+              </a:rPr>
+            </a:br>
+            <a:r>
+              <a:rPr sz="1200">
+                <a:solidFill>
+                  <a:srgbClr val="929292"/>
+                </a:solidFill>
+                <a:latin typeface="Menlo"/>
+                <a:ea typeface="Menlo"/>
+                <a:cs typeface="Menlo"/>
+                <a:sym typeface="Menlo"/>
+              </a:rPr>
+              <a:t>    #     names.append(match[1])</a:t>
+            </a:r>
+            <a:br>
+              <a:rPr sz="1200">
+                <a:solidFill>
+                  <a:srgbClr val="929292"/>
+                </a:solidFill>
+                <a:latin typeface="Menlo"/>
+                <a:ea typeface="Menlo"/>
+                <a:cs typeface="Menlo"/>
+                <a:sym typeface="Menlo"/>
+              </a:rPr>
+            </a:br>
+            <a:r>
+              <a:rPr sz="1200">
+                <a:solidFill>
+                  <a:srgbClr val="929292"/>
+                </a:solidFill>
+                <a:latin typeface="Menlo"/>
+                <a:ea typeface="Menlo"/>
+                <a:cs typeface="Menlo"/>
+                <a:sym typeface="Menlo"/>
+              </a:rPr>
+              <a:t/>
+            </a:r>
+            <a:br>
+              <a:rPr sz="1200">
+                <a:solidFill>
+                  <a:srgbClr val="929292"/>
+                </a:solidFill>
+                <a:latin typeface="Menlo"/>
+                <a:ea typeface="Menlo"/>
+                <a:cs typeface="Menlo"/>
+                <a:sym typeface="Menlo"/>
+              </a:rPr>
+            </a:br>
+            <a:r>
+              <a:rPr sz="1200">
+                <a:solidFill>
+                  <a:srgbClr val="929292"/>
+                </a:solidFill>
+                <a:latin typeface="Menlo"/>
+                <a:ea typeface="Menlo"/>
+                <a:cs typeface="Menlo"/>
+                <a:sym typeface="Menlo"/>
+              </a:rPr>
+              <a:t># </a:t>
+            </a:r>
+            <a:r>
+              <a:rPr sz="1200" i="1">
+                <a:solidFill>
+                  <a:srgbClr val="B6C82D"/>
+                </a:solidFill>
+                <a:latin typeface="Menlo"/>
+                <a:ea typeface="Menlo"/>
+                <a:cs typeface="Menlo"/>
+                <a:sym typeface="Menlo"/>
+              </a:rPr>
+              <a:t>TODO: get the multiple sequences that are similar</a:t>
+            </a:r>
+            <a:br>
+              <a:rPr sz="1200" i="1">
+                <a:solidFill>
+                  <a:srgbClr val="B6C82D"/>
+                </a:solidFill>
+                <a:latin typeface="Menlo"/>
+                <a:ea typeface="Menlo"/>
+                <a:cs typeface="Menlo"/>
+                <a:sym typeface="Menlo"/>
+              </a:rPr>
+            </a:br>
+            <a:r>
+              <a:rPr sz="1200">
+                <a:solidFill>
+                  <a:srgbClr val="B7C4D1"/>
+                </a:solidFill>
+                <a:latin typeface="Menlo"/>
+                <a:ea typeface="Menlo"/>
+                <a:cs typeface="Menlo"/>
+                <a:sym typeface="Menlo"/>
+              </a:rPr>
+              <a:t>multiple_similar_sequences = []</a:t>
+            </a:r>
+            <a:br>
+              <a:rPr sz="1200">
+                <a:solidFill>
+                  <a:srgbClr val="B7C4D1"/>
+                </a:solidFill>
+                <a:latin typeface="Menlo"/>
+                <a:ea typeface="Menlo"/>
+                <a:cs typeface="Menlo"/>
+                <a:sym typeface="Menlo"/>
+              </a:rPr>
+            </a:br>
+            <a:r>
+              <a:rPr sz="1200" b="1">
+                <a:solidFill>
+                  <a:srgbClr val="D78B40"/>
+                </a:solidFill>
+                <a:latin typeface="Menlo"/>
+                <a:ea typeface="Menlo"/>
+                <a:cs typeface="Menlo"/>
+                <a:sym typeface="Menlo"/>
+              </a:rPr>
+              <a:t>for </a:t>
+            </a:r>
+            <a:r>
+              <a:rPr sz="1200">
+                <a:solidFill>
+                  <a:srgbClr val="B7C4D1"/>
+                </a:solidFill>
+                <a:latin typeface="Menlo"/>
+                <a:ea typeface="Menlo"/>
+                <a:cs typeface="Menlo"/>
+                <a:sym typeface="Menlo"/>
+              </a:rPr>
+              <a:t>new_match </a:t>
+            </a:r>
+            <a:r>
+              <a:rPr sz="1200" b="1">
+                <a:solidFill>
+                  <a:srgbClr val="D78B40"/>
+                </a:solidFill>
+                <a:latin typeface="Menlo"/>
+                <a:ea typeface="Menlo"/>
+                <a:cs typeface="Menlo"/>
+                <a:sym typeface="Menlo"/>
+              </a:rPr>
+              <a:t>in </a:t>
+            </a:r>
+            <a:r>
+              <a:rPr sz="1200">
+                <a:solidFill>
+                  <a:srgbClr val="B7C4D1"/>
+                </a:solidFill>
+                <a:latin typeface="Menlo"/>
+                <a:ea typeface="Menlo"/>
+                <a:cs typeface="Menlo"/>
+                <a:sym typeface="Menlo"/>
+              </a:rPr>
+              <a:t>new_matches:</a:t>
+            </a:r>
+            <a:br>
+              <a:rPr sz="1200">
+                <a:solidFill>
+                  <a:srgbClr val="B7C4D1"/>
+                </a:solidFill>
+                <a:latin typeface="Menlo"/>
+                <a:ea typeface="Menlo"/>
+                <a:cs typeface="Menlo"/>
+                <a:sym typeface="Menlo"/>
+              </a:rPr>
+            </a:br>
+            <a:r>
+              <a:rPr sz="1200">
+                <a:solidFill>
+                  <a:srgbClr val="B7C4D1"/>
+                </a:solidFill>
+                <a:latin typeface="Menlo"/>
+                <a:ea typeface="Menlo"/>
+                <a:cs typeface="Menlo"/>
+                <a:sym typeface="Menlo"/>
+              </a:rPr>
+              <a:t>    multiple_similar_sequences.append(new_match)</a:t>
+            </a:r>
+            <a:br>
+              <a:rPr sz="1200">
+                <a:solidFill>
+                  <a:srgbClr val="B7C4D1"/>
+                </a:solidFill>
+                <a:latin typeface="Menlo"/>
+                <a:ea typeface="Menlo"/>
+                <a:cs typeface="Menlo"/>
+                <a:sym typeface="Menlo"/>
+              </a:rPr>
+            </a:br>
+            <a:r>
+              <a:rPr sz="1200">
+                <a:solidFill>
+                  <a:srgbClr val="B7C4D1"/>
+                </a:solidFill>
+                <a:latin typeface="Menlo"/>
+                <a:ea typeface="Menlo"/>
+                <a:cs typeface="Menlo"/>
+                <a:sym typeface="Menlo"/>
+              </a:rPr>
+              <a:t>    </a:t>
+            </a:r>
+            <a:r>
+              <a:rPr sz="1200" b="1">
+                <a:solidFill>
+                  <a:srgbClr val="D78B40"/>
+                </a:solidFill>
+                <a:latin typeface="Menlo"/>
+                <a:ea typeface="Menlo"/>
+                <a:cs typeface="Menlo"/>
+                <a:sym typeface="Menlo"/>
+              </a:rPr>
+              <a:t>for </a:t>
+            </a:r>
+            <a:r>
+              <a:rPr sz="1200">
+                <a:solidFill>
+                  <a:srgbClr val="B7C4D1"/>
+                </a:solidFill>
+                <a:latin typeface="Menlo"/>
+                <a:ea typeface="Menlo"/>
+                <a:cs typeface="Menlo"/>
+                <a:sym typeface="Menlo"/>
+              </a:rPr>
+              <a:t>match </a:t>
+            </a:r>
+            <a:r>
+              <a:rPr sz="1200" b="1">
+                <a:solidFill>
+                  <a:srgbClr val="D78B40"/>
+                </a:solidFill>
+                <a:latin typeface="Menlo"/>
+                <a:ea typeface="Menlo"/>
+                <a:cs typeface="Menlo"/>
+                <a:sym typeface="Menlo"/>
+              </a:rPr>
+              <a:t>in </a:t>
+            </a:r>
+            <a:r>
+              <a:rPr sz="1200">
+                <a:solidFill>
+                  <a:srgbClr val="B7C4D1"/>
+                </a:solidFill>
+                <a:latin typeface="Menlo"/>
+                <a:ea typeface="Menlo"/>
+                <a:cs typeface="Menlo"/>
+                <a:sym typeface="Menlo"/>
+              </a:rPr>
+              <a:t>matches:</a:t>
+            </a:r>
+            <a:br>
+              <a:rPr sz="1200">
+                <a:solidFill>
+                  <a:srgbClr val="B7C4D1"/>
+                </a:solidFill>
+                <a:latin typeface="Menlo"/>
+                <a:ea typeface="Menlo"/>
+                <a:cs typeface="Menlo"/>
+                <a:sym typeface="Menlo"/>
+              </a:rPr>
+            </a:br>
+            <a:r>
+              <a:rPr sz="1200">
+                <a:solidFill>
+                  <a:srgbClr val="B7C4D1"/>
+                </a:solidFill>
+                <a:latin typeface="Menlo"/>
+                <a:ea typeface="Menlo"/>
+                <a:cs typeface="Menlo"/>
+                <a:sym typeface="Menlo"/>
+              </a:rPr>
+              <a:t>        </a:t>
+            </a:r>
+            <a:r>
+              <a:rPr sz="1200" b="1">
+                <a:solidFill>
+                  <a:srgbClr val="D78B40"/>
+                </a:solidFill>
+                <a:latin typeface="Menlo"/>
+                <a:ea typeface="Menlo"/>
+                <a:cs typeface="Menlo"/>
+                <a:sym typeface="Menlo"/>
+              </a:rPr>
               <a:t>if </a:t>
             </a:r>
             <a:r>
@@ -11625,34 +12448,10 @@
                 <a:cs typeface="Menlo"/>
                 <a:sym typeface="Menlo"/>
               </a:rPr>
-              <a:t>match[</a:t>
-            </a:r>
-            <a:r>
-              <a:rPr sz="1200">
-                <a:solidFill>
-                  <a:srgbClr val="7AA8C7"/>
-                </a:solidFill>
-                <a:latin typeface="Menlo"/>
-                <a:ea typeface="Menlo"/>
-                <a:cs typeface="Menlo"/>
-                <a:sym typeface="Menlo"/>
-              </a:rPr>
-              <a:t>1</a:t>
-            </a:r>
-            <a:r>
-              <a:rPr sz="1200">
-                <a:solidFill>
-                  <a:srgbClr val="B7C4D1"/>
-                </a:solidFill>
-                <a:latin typeface="Menlo"/>
-                <a:ea typeface="Menlo"/>
-                <a:cs typeface="Menlo"/>
-                <a:sym typeface="Menlo"/>
-              </a:rPr>
-              <a:t>] </a:t>
-            </a:r>
-            <a:r>
-              <a:rPr b="1" sz="1200">
+              <a:t>new_match </a:t>
+            </a:r>
+            <a:r>
+              <a:rPr sz="1200" b="1">
                 <a:solidFill>
                   <a:srgbClr val="D78B40"/>
                 </a:solidFill>
@@ -11673,33 +12472,33 @@
                 <a:cs typeface="Menlo"/>
                 <a:sym typeface="Menlo"/>
               </a:rPr>
-              <a:t>names:</a:t>
-            </a:r>
-            <a:br>
-              <a:rPr sz="1200">
-                <a:solidFill>
-                  <a:srgbClr val="B7C4D1"/>
-                </a:solidFill>
-                <a:latin typeface="Menlo"/>
-                <a:ea typeface="Menlo"/>
-                <a:cs typeface="Menlo"/>
-                <a:sym typeface="Menlo"/>
-              </a:rPr>
-            </a:br>
-            <a:r>
-              <a:rPr sz="1200">
-                <a:solidFill>
-                  <a:srgbClr val="B7C4D1"/>
-                </a:solidFill>
-                <a:latin typeface="Menlo"/>
-                <a:ea typeface="Menlo"/>
-                <a:cs typeface="Menlo"/>
-                <a:sym typeface="Menlo"/>
-              </a:rPr>
-              <a:t>        </a:t>
-            </a:r>
-            <a:r>
-              <a:rPr b="1" sz="1200">
+              <a:t>match:</a:t>
+            </a:r>
+            <a:br>
+              <a:rPr sz="1200">
+                <a:solidFill>
+                  <a:srgbClr val="B7C4D1"/>
+                </a:solidFill>
+                <a:latin typeface="Menlo"/>
+                <a:ea typeface="Menlo"/>
+                <a:cs typeface="Menlo"/>
+                <a:sym typeface="Menlo"/>
+              </a:rPr>
+            </a:br>
+            <a:r>
+              <a:rPr sz="1200">
+                <a:solidFill>
+                  <a:srgbClr val="B7C4D1"/>
+                </a:solidFill>
+                <a:latin typeface="Menlo"/>
+                <a:ea typeface="Menlo"/>
+                <a:cs typeface="Menlo"/>
+                <a:sym typeface="Menlo"/>
+              </a:rPr>
+              <a:t>            </a:t>
+            </a:r>
+            <a:r>
+              <a:rPr sz="1200" b="1">
                 <a:solidFill>
                   <a:srgbClr val="D78B40"/>
                 </a:solidFill>
@@ -11708,6 +12507,77 @@
                 <a:cs typeface="Menlo"/>
                 <a:sym typeface="Menlo"/>
               </a:rPr>
+              <a:t>for </a:t>
+            </a:r>
+            <a:r>
+              <a:rPr sz="1200">
+                <a:solidFill>
+                  <a:srgbClr val="B7C4D1"/>
+                </a:solidFill>
+                <a:latin typeface="Menlo"/>
+                <a:ea typeface="Menlo"/>
+                <a:cs typeface="Menlo"/>
+                <a:sym typeface="Menlo"/>
+              </a:rPr>
+              <a:t>entry </a:t>
+            </a:r>
+            <a:r>
+              <a:rPr sz="1200" b="1">
+                <a:solidFill>
+                  <a:srgbClr val="D78B40"/>
+                </a:solidFill>
+                <a:latin typeface="Menlo"/>
+                <a:ea typeface="Menlo"/>
+                <a:cs typeface="Menlo"/>
+                <a:sym typeface="Menlo"/>
+              </a:rPr>
+              <a:t>in </a:t>
+            </a:r>
+            <a:r>
+              <a:rPr sz="1200">
+                <a:solidFill>
+                  <a:srgbClr val="B7C4D1"/>
+                </a:solidFill>
+                <a:latin typeface="Menlo"/>
+                <a:ea typeface="Menlo"/>
+                <a:cs typeface="Menlo"/>
+                <a:sym typeface="Menlo"/>
+              </a:rPr>
+              <a:t>match:</a:t>
+            </a:r>
+            <a:br>
+              <a:rPr sz="1200">
+                <a:solidFill>
+                  <a:srgbClr val="B7C4D1"/>
+                </a:solidFill>
+                <a:latin typeface="Menlo"/>
+                <a:ea typeface="Menlo"/>
+                <a:cs typeface="Menlo"/>
+                <a:sym typeface="Menlo"/>
+              </a:rPr>
+            </a:br>
+            <a:r>
+              <a:rPr sz="1200">
+                <a:solidFill>
+                  <a:srgbClr val="B7C4D1"/>
+                </a:solidFill>
+                <a:latin typeface="Menlo"/>
+                <a:ea typeface="Menlo"/>
+                <a:cs typeface="Menlo"/>
+                <a:sym typeface="Menlo"/>
+              </a:rPr>
+              <a:t>                </a:t>
+            </a:r>
+            <a:r>
+              <a:rPr sz="1200" b="1">
+                <a:solidFill>
+                  <a:srgbClr val="D78B40"/>
+                </a:solidFill>
+                <a:latin typeface="Menlo"/>
+                <a:ea typeface="Menlo"/>
+                <a:cs typeface="Menlo"/>
+                <a:sym typeface="Menlo"/>
+              </a:rPr>
               <a:t>if not </a:t>
             </a:r>
             <a:r>
@@ -11720,784 +12590,10 @@
                 <a:cs typeface="Menlo"/>
                 <a:sym typeface="Menlo"/>
               </a:rPr>
-              <a:t>match[</a:t>
-            </a:r>
-            <a:r>
-              <a:rPr sz="1200">
-                <a:solidFill>
-                  <a:srgbClr val="7AA8C7"/>
-                </a:solidFill>
-                <a:latin typeface="Menlo"/>
-                <a:ea typeface="Menlo"/>
-                <a:cs typeface="Menlo"/>
-                <a:sym typeface="Menlo"/>
-              </a:rPr>
-              <a:t>0</a:t>
-            </a:r>
-            <a:r>
-              <a:rPr sz="1200">
-                <a:solidFill>
-                  <a:srgbClr val="B7C4D1"/>
-                </a:solidFill>
-                <a:latin typeface="Menlo"/>
-                <a:ea typeface="Menlo"/>
-                <a:cs typeface="Menlo"/>
-                <a:sym typeface="Menlo"/>
-              </a:rPr>
-              <a:t>] </a:t>
-            </a:r>
-            <a:r>
-              <a:rPr b="1" sz="1200">
-                <a:solidFill>
-                  <a:srgbClr val="D78B40"/>
-                </a:solidFill>
-                <a:latin typeface="Menlo"/>
-                <a:ea typeface="Menlo"/>
-                <a:cs typeface="Menlo"/>
-                <a:sym typeface="Menlo"/>
-              </a:rPr>
-              <a:t>in </a:t>
-            </a:r>
-            <a:r>
-              <a:rPr sz="1200">
-                <a:solidFill>
-                  <a:srgbClr val="B7C4D1"/>
-                </a:solidFill>
-                <a:latin typeface="Menlo"/>
-                <a:ea typeface="Menlo"/>
-                <a:cs typeface="Menlo"/>
-                <a:sym typeface="Menlo"/>
-              </a:rPr>
-              <a:t>new_matches:</a:t>
-            </a:r>
-            <a:br>
-              <a:rPr sz="1200">
-                <a:solidFill>
-                  <a:srgbClr val="B7C4D1"/>
-                </a:solidFill>
-                <a:latin typeface="Menlo"/>
-                <a:ea typeface="Menlo"/>
-                <a:cs typeface="Menlo"/>
-                <a:sym typeface="Menlo"/>
-              </a:rPr>
-            </a:br>
-            <a:r>
-              <a:rPr sz="1200">
-                <a:solidFill>
-                  <a:srgbClr val="B7C4D1"/>
-                </a:solidFill>
-                <a:latin typeface="Menlo"/>
-                <a:ea typeface="Menlo"/>
-                <a:cs typeface="Menlo"/>
-                <a:sym typeface="Menlo"/>
-              </a:rPr>
-              <a:t>            new_matches.append(match[</a:t>
-            </a:r>
-            <a:r>
-              <a:rPr sz="1200">
-                <a:solidFill>
-                  <a:srgbClr val="7AA8C7"/>
-                </a:solidFill>
-                <a:latin typeface="Menlo"/>
-                <a:ea typeface="Menlo"/>
-                <a:cs typeface="Menlo"/>
-                <a:sym typeface="Menlo"/>
-              </a:rPr>
-              <a:t>0</a:t>
-            </a:r>
-            <a:r>
-              <a:rPr sz="1200">
-                <a:solidFill>
-                  <a:srgbClr val="B7C4D1"/>
-                </a:solidFill>
-                <a:latin typeface="Menlo"/>
-                <a:ea typeface="Menlo"/>
-                <a:cs typeface="Menlo"/>
-                <a:sym typeface="Menlo"/>
-              </a:rPr>
-              <a:t>])</a:t>
-            </a:r>
-            <a:br>
-              <a:rPr sz="1200">
-                <a:solidFill>
-                  <a:srgbClr val="B7C4D1"/>
-                </a:solidFill>
-                <a:latin typeface="Menlo"/>
-                <a:ea typeface="Menlo"/>
-                <a:cs typeface="Menlo"/>
-                <a:sym typeface="Menlo"/>
-              </a:rPr>
-            </a:br>
-            <a:r>
-              <a:rPr sz="1200">
-                <a:solidFill>
-                  <a:srgbClr val="B7C4D1"/>
-                </a:solidFill>
-                <a:latin typeface="Menlo"/>
-                <a:ea typeface="Menlo"/>
-                <a:cs typeface="Menlo"/>
-                <a:sym typeface="Menlo"/>
-              </a:rPr>
-              <a:t>    </a:t>
-            </a:r>
-            <a:r>
-              <a:rPr b="1" sz="1200">
-                <a:solidFill>
-                  <a:srgbClr val="D78B40"/>
-                </a:solidFill>
-                <a:latin typeface="Menlo"/>
-                <a:ea typeface="Menlo"/>
-                <a:cs typeface="Menlo"/>
-                <a:sym typeface="Menlo"/>
-              </a:rPr>
-              <a:t>else</a:t>
-            </a:r>
-            <a:r>
-              <a:rPr sz="1200">
-                <a:solidFill>
-                  <a:srgbClr val="B7C4D1"/>
-                </a:solidFill>
-                <a:latin typeface="Menlo"/>
-                <a:ea typeface="Menlo"/>
-                <a:cs typeface="Menlo"/>
-                <a:sym typeface="Menlo"/>
-              </a:rPr>
-              <a:t>:</a:t>
-            </a:r>
-            <a:br>
-              <a:rPr sz="1200">
-                <a:solidFill>
-                  <a:srgbClr val="B7C4D1"/>
-                </a:solidFill>
-                <a:latin typeface="Menlo"/>
-                <a:ea typeface="Menlo"/>
-                <a:cs typeface="Menlo"/>
-                <a:sym typeface="Menlo"/>
-              </a:rPr>
-            </a:br>
-            <a:r>
-              <a:rPr sz="1200">
-                <a:solidFill>
-                  <a:srgbClr val="B7C4D1"/>
-                </a:solidFill>
-                <a:latin typeface="Menlo"/>
-                <a:ea typeface="Menlo"/>
-                <a:cs typeface="Menlo"/>
-                <a:sym typeface="Menlo"/>
-              </a:rPr>
-              <a:t>        names.append(match[</a:t>
-            </a:r>
-            <a:r>
-              <a:rPr sz="1200">
-                <a:solidFill>
-                  <a:srgbClr val="7AA8C7"/>
-                </a:solidFill>
-                <a:latin typeface="Menlo"/>
-                <a:ea typeface="Menlo"/>
-                <a:cs typeface="Menlo"/>
-                <a:sym typeface="Menlo"/>
-              </a:rPr>
-              <a:t>1</a:t>
-            </a:r>
-            <a:r>
-              <a:rPr sz="1200">
-                <a:solidFill>
-                  <a:srgbClr val="B7C4D1"/>
-                </a:solidFill>
-                <a:latin typeface="Menlo"/>
-                <a:ea typeface="Menlo"/>
-                <a:cs typeface="Menlo"/>
-                <a:sym typeface="Menlo"/>
-              </a:rPr>
-              <a:t>])</a:t>
-            </a:r>
-            <a:br>
-              <a:rPr sz="1200">
-                <a:solidFill>
-                  <a:srgbClr val="B7C4D1"/>
-                </a:solidFill>
-                <a:latin typeface="Menlo"/>
-                <a:ea typeface="Menlo"/>
-                <a:cs typeface="Menlo"/>
-                <a:sym typeface="Menlo"/>
-              </a:rPr>
-            </a:br>
-            <a:br>
-              <a:rPr sz="1200">
-                <a:solidFill>
-                  <a:srgbClr val="B7C4D1"/>
-                </a:solidFill>
-                <a:latin typeface="Menlo"/>
-                <a:ea typeface="Menlo"/>
-                <a:cs typeface="Menlo"/>
-                <a:sym typeface="Menlo"/>
-              </a:rPr>
-            </a:br>
-            <a:r>
-              <a:rPr sz="1200">
-                <a:solidFill>
-                  <a:srgbClr val="B7C4D1"/>
-                </a:solidFill>
-                <a:latin typeface="Menlo"/>
-                <a:ea typeface="Menlo"/>
-                <a:cs typeface="Menlo"/>
-                <a:sym typeface="Menlo"/>
-              </a:rPr>
-              <a:t>    </a:t>
-            </a:r>
-            <a:r>
-              <a:rPr b="1" sz="1200">
-                <a:solidFill>
-                  <a:srgbClr val="D78B40"/>
-                </a:solidFill>
-                <a:latin typeface="Menlo"/>
-                <a:ea typeface="Menlo"/>
-                <a:cs typeface="Menlo"/>
-                <a:sym typeface="Menlo"/>
-              </a:rPr>
-              <a:t>print </a:t>
-            </a:r>
-            <a:r>
-              <a:rPr sz="1200">
-                <a:solidFill>
-                  <a:srgbClr val="B7C4D1"/>
-                </a:solidFill>
-                <a:latin typeface="Menlo"/>
-                <a:ea typeface="Menlo"/>
-                <a:cs typeface="Menlo"/>
-                <a:sym typeface="Menlo"/>
-              </a:rPr>
-              <a:t>match </a:t>
-            </a:r>
-            <a:r>
-              <a:rPr sz="1200">
-                <a:solidFill>
-                  <a:srgbClr val="929292"/>
-                </a:solidFill>
-                <a:latin typeface="Menlo"/>
-                <a:ea typeface="Menlo"/>
-                <a:cs typeface="Menlo"/>
-                <a:sym typeface="Menlo"/>
-              </a:rPr>
-              <a:t># print the identifier names</a:t>
-            </a:r>
-            <a:br>
-              <a:rPr sz="1200">
-                <a:solidFill>
-                  <a:srgbClr val="929292"/>
-                </a:solidFill>
-                <a:latin typeface="Menlo"/>
-                <a:ea typeface="Menlo"/>
-                <a:cs typeface="Menlo"/>
-                <a:sym typeface="Menlo"/>
-              </a:rPr>
-            </a:br>
-            <a:r>
-              <a:rPr sz="1200">
-                <a:solidFill>
-                  <a:srgbClr val="929292"/>
-                </a:solidFill>
-                <a:latin typeface="Menlo"/>
-                <a:ea typeface="Menlo"/>
-                <a:cs typeface="Menlo"/>
-                <a:sym typeface="Menlo"/>
-              </a:rPr>
-              <a:t>    # if not match[0] in names:</a:t>
-            </a:r>
-            <a:br>
-              <a:rPr sz="1200">
-                <a:solidFill>
-                  <a:srgbClr val="929292"/>
-                </a:solidFill>
-                <a:latin typeface="Menlo"/>
-                <a:ea typeface="Menlo"/>
-                <a:cs typeface="Menlo"/>
-                <a:sym typeface="Menlo"/>
-              </a:rPr>
-            </a:br>
-            <a:r>
-              <a:rPr sz="1200">
-                <a:solidFill>
-                  <a:srgbClr val="929292"/>
-                </a:solidFill>
-                <a:latin typeface="Menlo"/>
-                <a:ea typeface="Menlo"/>
-                <a:cs typeface="Menlo"/>
-                <a:sym typeface="Menlo"/>
-              </a:rPr>
-              <a:t>    #     names.append(match[0])</a:t>
-            </a:r>
-            <a:br>
-              <a:rPr sz="1200">
-                <a:solidFill>
-                  <a:srgbClr val="929292"/>
-                </a:solidFill>
-                <a:latin typeface="Menlo"/>
-                <a:ea typeface="Menlo"/>
-                <a:cs typeface="Menlo"/>
-                <a:sym typeface="Menlo"/>
-              </a:rPr>
-            </a:br>
-            <a:r>
-              <a:rPr sz="1200">
-                <a:solidFill>
-                  <a:srgbClr val="929292"/>
-                </a:solidFill>
-                <a:latin typeface="Menlo"/>
-                <a:ea typeface="Menlo"/>
-                <a:cs typeface="Menlo"/>
-                <a:sym typeface="Menlo"/>
-              </a:rPr>
-              <a:t>    # if not match[1] in names:</a:t>
-            </a:r>
-            <a:br>
-              <a:rPr sz="1200">
-                <a:solidFill>
-                  <a:srgbClr val="929292"/>
-                </a:solidFill>
-                <a:latin typeface="Menlo"/>
-                <a:ea typeface="Menlo"/>
-                <a:cs typeface="Menlo"/>
-                <a:sym typeface="Menlo"/>
-              </a:rPr>
-            </a:br>
-            <a:r>
-              <a:rPr sz="1200">
-                <a:solidFill>
-                  <a:srgbClr val="929292"/>
-                </a:solidFill>
-                <a:latin typeface="Menlo"/>
-                <a:ea typeface="Menlo"/>
-                <a:cs typeface="Menlo"/>
-                <a:sym typeface="Menlo"/>
-              </a:rPr>
-              <a:t>    #     names.append(match[1])</a:t>
-            </a:r>
-            <a:br>
-              <a:rPr sz="1200">
-                <a:solidFill>
-                  <a:srgbClr val="929292"/>
-                </a:solidFill>
-                <a:latin typeface="Menlo"/>
-                <a:ea typeface="Menlo"/>
-                <a:cs typeface="Menlo"/>
-                <a:sym typeface="Menlo"/>
-              </a:rPr>
-            </a:br>
-            <a:br>
-              <a:rPr sz="1200">
-                <a:solidFill>
-                  <a:srgbClr val="929292"/>
-                </a:solidFill>
-                <a:latin typeface="Menlo"/>
-                <a:ea typeface="Menlo"/>
-                <a:cs typeface="Menlo"/>
-                <a:sym typeface="Menlo"/>
-              </a:rPr>
-            </a:br>
-            <a:r>
-              <a:rPr sz="1200">
-                <a:solidFill>
-                  <a:srgbClr val="929292"/>
-                </a:solidFill>
-                <a:latin typeface="Menlo"/>
-                <a:ea typeface="Menlo"/>
-                <a:cs typeface="Menlo"/>
-                <a:sym typeface="Menlo"/>
-              </a:rPr>
-              <a:t># </a:t>
-            </a:r>
-            <a:r>
-              <a:rPr i="1" sz="1200">
-                <a:solidFill>
-                  <a:srgbClr val="B6C82D"/>
-                </a:solidFill>
-                <a:latin typeface="Menlo"/>
-                <a:ea typeface="Menlo"/>
-                <a:cs typeface="Menlo"/>
-                <a:sym typeface="Menlo"/>
-              </a:rPr>
-              <a:t>TODO: get the multiple sequences that are similar</a:t>
-            </a:r>
-            <a:br>
-              <a:rPr i="1" sz="1200">
-                <a:solidFill>
-                  <a:srgbClr val="B6C82D"/>
-                </a:solidFill>
-                <a:latin typeface="Menlo"/>
-                <a:ea typeface="Menlo"/>
-                <a:cs typeface="Menlo"/>
-                <a:sym typeface="Menlo"/>
-              </a:rPr>
-            </a:br>
-            <a:r>
-              <a:rPr sz="1200">
-                <a:solidFill>
-                  <a:srgbClr val="B7C4D1"/>
-                </a:solidFill>
-                <a:latin typeface="Menlo"/>
-                <a:ea typeface="Menlo"/>
-                <a:cs typeface="Menlo"/>
-                <a:sym typeface="Menlo"/>
-              </a:rPr>
-              <a:t>multiple_similar_sequences = []</a:t>
-            </a:r>
-            <a:br>
-              <a:rPr sz="1200">
-                <a:solidFill>
-                  <a:srgbClr val="B7C4D1"/>
-                </a:solidFill>
-                <a:latin typeface="Menlo"/>
-                <a:ea typeface="Menlo"/>
-                <a:cs typeface="Menlo"/>
-                <a:sym typeface="Menlo"/>
-              </a:rPr>
-            </a:br>
-            <a:r>
-              <a:rPr b="1" sz="1200">
-                <a:solidFill>
-                  <a:srgbClr val="D78B40"/>
-                </a:solidFill>
-                <a:latin typeface="Menlo"/>
-                <a:ea typeface="Menlo"/>
-                <a:cs typeface="Menlo"/>
-                <a:sym typeface="Menlo"/>
-              </a:rPr>
-              <a:t>for </a:t>
-            </a:r>
-            <a:r>
-              <a:rPr sz="1200">
-                <a:solidFill>
-                  <a:srgbClr val="B7C4D1"/>
-                </a:solidFill>
-                <a:latin typeface="Menlo"/>
-                <a:ea typeface="Menlo"/>
-                <a:cs typeface="Menlo"/>
-                <a:sym typeface="Menlo"/>
-              </a:rPr>
-              <a:t>new_match </a:t>
-            </a:r>
-            <a:r>
-              <a:rPr b="1" sz="1200">
-                <a:solidFill>
-                  <a:srgbClr val="D78B40"/>
-                </a:solidFill>
-                <a:latin typeface="Menlo"/>
-                <a:ea typeface="Menlo"/>
-                <a:cs typeface="Menlo"/>
-                <a:sym typeface="Menlo"/>
-              </a:rPr>
-              <a:t>in </a:t>
-            </a:r>
-            <a:r>
-              <a:rPr sz="1200">
-                <a:solidFill>
-                  <a:srgbClr val="B7C4D1"/>
-                </a:solidFill>
-                <a:latin typeface="Menlo"/>
-                <a:ea typeface="Menlo"/>
-                <a:cs typeface="Menlo"/>
-                <a:sym typeface="Menlo"/>
-              </a:rPr>
-              <a:t>new_matches:</a:t>
-            </a:r>
-            <a:br>
-              <a:rPr sz="1200">
-                <a:solidFill>
-                  <a:srgbClr val="B7C4D1"/>
-                </a:solidFill>
-                <a:latin typeface="Menlo"/>
-                <a:ea typeface="Menlo"/>
-                <a:cs typeface="Menlo"/>
-                <a:sym typeface="Menlo"/>
-              </a:rPr>
-            </a:br>
-            <a:r>
-              <a:rPr sz="1200">
-                <a:solidFill>
-                  <a:srgbClr val="B7C4D1"/>
-                </a:solidFill>
-                <a:latin typeface="Menlo"/>
-                <a:ea typeface="Menlo"/>
-                <a:cs typeface="Menlo"/>
-                <a:sym typeface="Menlo"/>
-              </a:rPr>
-              <a:t>    multiple_similar_sequences.append(new_match)</a:t>
-            </a:r>
-            <a:br>
-              <a:rPr sz="1200">
-                <a:solidFill>
-                  <a:srgbClr val="B7C4D1"/>
-                </a:solidFill>
-                <a:latin typeface="Menlo"/>
-                <a:ea typeface="Menlo"/>
-                <a:cs typeface="Menlo"/>
-                <a:sym typeface="Menlo"/>
-              </a:rPr>
-            </a:br>
-            <a:r>
-              <a:rPr sz="1200">
-                <a:solidFill>
-                  <a:srgbClr val="B7C4D1"/>
-                </a:solidFill>
-                <a:latin typeface="Menlo"/>
-                <a:ea typeface="Menlo"/>
-                <a:cs typeface="Menlo"/>
-                <a:sym typeface="Menlo"/>
-              </a:rPr>
-              <a:t>    </a:t>
-            </a:r>
-            <a:r>
-              <a:rPr b="1" sz="1200">
-                <a:solidFill>
-                  <a:srgbClr val="D78B40"/>
-                </a:solidFill>
-                <a:latin typeface="Menlo"/>
-                <a:ea typeface="Menlo"/>
-                <a:cs typeface="Menlo"/>
-                <a:sym typeface="Menlo"/>
-              </a:rPr>
-              <a:t>for </a:t>
-            </a:r>
-            <a:r>
-              <a:rPr sz="1200">
-                <a:solidFill>
-                  <a:srgbClr val="B7C4D1"/>
-                </a:solidFill>
-                <a:latin typeface="Menlo"/>
-                <a:ea typeface="Menlo"/>
-                <a:cs typeface="Menlo"/>
-                <a:sym typeface="Menlo"/>
-              </a:rPr>
-              <a:t>match </a:t>
-            </a:r>
-            <a:r>
-              <a:rPr b="1" sz="1200">
-                <a:solidFill>
-                  <a:srgbClr val="D78B40"/>
-                </a:solidFill>
-                <a:latin typeface="Menlo"/>
-                <a:ea typeface="Menlo"/>
-                <a:cs typeface="Menlo"/>
-                <a:sym typeface="Menlo"/>
-              </a:rPr>
-              <a:t>in </a:t>
-            </a:r>
-            <a:r>
-              <a:rPr sz="1200">
-                <a:solidFill>
-                  <a:srgbClr val="B7C4D1"/>
-                </a:solidFill>
-                <a:latin typeface="Menlo"/>
-                <a:ea typeface="Menlo"/>
-                <a:cs typeface="Menlo"/>
-                <a:sym typeface="Menlo"/>
-              </a:rPr>
-              <a:t>matches</a:t>
-            </a:r>
-            <a:r>
-              <a:rPr sz="1200">
-                <a:solidFill>
-                  <a:srgbClr val="B7C4D1"/>
-                </a:solidFill>
-                <a:latin typeface="Menlo"/>
-                <a:ea typeface="Menlo"/>
-                <a:cs typeface="Menlo"/>
-                <a:sym typeface="Menlo"/>
-              </a:rPr>
-              <a:t>:</a:t>
-            </a:r>
-            <a:br>
-              <a:rPr sz="1200">
-                <a:solidFill>
-                  <a:srgbClr val="B7C4D1"/>
-                </a:solidFill>
-                <a:latin typeface="Menlo"/>
-                <a:ea typeface="Menlo"/>
-                <a:cs typeface="Menlo"/>
-                <a:sym typeface="Menlo"/>
-              </a:rPr>
-            </a:br>
-            <a:r>
-              <a:rPr sz="1200">
-                <a:solidFill>
-                  <a:srgbClr val="B7C4D1"/>
-                </a:solidFill>
-                <a:latin typeface="Menlo"/>
-                <a:ea typeface="Menlo"/>
-                <a:cs typeface="Menlo"/>
-                <a:sym typeface="Menlo"/>
-              </a:rPr>
-              <a:t>        </a:t>
-            </a:r>
-            <a:r>
-              <a:rPr b="1" sz="1200">
-                <a:solidFill>
-                  <a:srgbClr val="D78B40"/>
-                </a:solidFill>
-                <a:latin typeface="Menlo"/>
-                <a:ea typeface="Menlo"/>
-                <a:cs typeface="Menlo"/>
-                <a:sym typeface="Menlo"/>
-              </a:rPr>
-              <a:t>if </a:t>
-            </a:r>
-            <a:r>
-              <a:rPr sz="1200">
-                <a:solidFill>
-                  <a:srgbClr val="B7C4D1"/>
-                </a:solidFill>
-                <a:latin typeface="Menlo"/>
-                <a:ea typeface="Menlo"/>
-                <a:cs typeface="Menlo"/>
-                <a:sym typeface="Menlo"/>
-              </a:rPr>
-              <a:t>new_match </a:t>
-            </a:r>
-            <a:r>
-              <a:rPr b="1" sz="1200">
-                <a:solidFill>
-                  <a:srgbClr val="D78B40"/>
-                </a:solidFill>
-                <a:latin typeface="Menlo"/>
-                <a:ea typeface="Menlo"/>
-                <a:cs typeface="Menlo"/>
-                <a:sym typeface="Menlo"/>
-              </a:rPr>
-              <a:t>in </a:t>
-            </a:r>
-            <a:r>
-              <a:rPr sz="1200">
-                <a:solidFill>
-                  <a:srgbClr val="B7C4D1"/>
-                </a:solidFill>
-                <a:latin typeface="Menlo"/>
-                <a:ea typeface="Menlo"/>
-                <a:cs typeface="Menlo"/>
-                <a:sym typeface="Menlo"/>
-              </a:rPr>
-              <a:t>match:</a:t>
-            </a:r>
-            <a:br>
-              <a:rPr sz="1200">
-                <a:solidFill>
-                  <a:srgbClr val="B7C4D1"/>
-                </a:solidFill>
-                <a:latin typeface="Menlo"/>
-                <a:ea typeface="Menlo"/>
-                <a:cs typeface="Menlo"/>
-                <a:sym typeface="Menlo"/>
-              </a:rPr>
-            </a:br>
-            <a:r>
-              <a:rPr sz="1200">
-                <a:solidFill>
-                  <a:srgbClr val="B7C4D1"/>
-                </a:solidFill>
-                <a:latin typeface="Menlo"/>
-                <a:ea typeface="Menlo"/>
-                <a:cs typeface="Menlo"/>
-                <a:sym typeface="Menlo"/>
-              </a:rPr>
-              <a:t>            </a:t>
-            </a:r>
-            <a:r>
-              <a:rPr b="1" sz="1200">
-                <a:solidFill>
-                  <a:srgbClr val="D78B40"/>
-                </a:solidFill>
-                <a:latin typeface="Menlo"/>
-                <a:ea typeface="Menlo"/>
-                <a:cs typeface="Menlo"/>
-                <a:sym typeface="Menlo"/>
-              </a:rPr>
-              <a:t>for </a:t>
-            </a:r>
-            <a:r>
-              <a:rPr sz="1200">
-                <a:solidFill>
-                  <a:srgbClr val="B7C4D1"/>
-                </a:solidFill>
-                <a:latin typeface="Menlo"/>
-                <a:ea typeface="Menlo"/>
-                <a:cs typeface="Menlo"/>
-                <a:sym typeface="Menlo"/>
-              </a:rPr>
               <a:t>entry </a:t>
             </a:r>
             <a:r>
-              <a:rPr b="1" sz="1200">
-                <a:solidFill>
-                  <a:srgbClr val="D78B40"/>
-                </a:solidFill>
-                <a:latin typeface="Menlo"/>
-                <a:ea typeface="Menlo"/>
-                <a:cs typeface="Menlo"/>
-                <a:sym typeface="Menlo"/>
-              </a:rPr>
-              <a:t>in </a:t>
-            </a:r>
-            <a:r>
-              <a:rPr sz="1200">
-                <a:solidFill>
-                  <a:srgbClr val="B7C4D1"/>
-                </a:solidFill>
-                <a:latin typeface="Menlo"/>
-                <a:ea typeface="Menlo"/>
-                <a:cs typeface="Menlo"/>
-                <a:sym typeface="Menlo"/>
-              </a:rPr>
-              <a:t>match:</a:t>
-            </a:r>
-            <a:br>
-              <a:rPr sz="1200">
-                <a:solidFill>
-                  <a:srgbClr val="B7C4D1"/>
-                </a:solidFill>
-                <a:latin typeface="Menlo"/>
-                <a:ea typeface="Menlo"/>
-                <a:cs typeface="Menlo"/>
-                <a:sym typeface="Menlo"/>
-              </a:rPr>
-            </a:br>
-            <a:r>
-              <a:rPr sz="1200">
-                <a:solidFill>
-                  <a:srgbClr val="B7C4D1"/>
-                </a:solidFill>
-                <a:latin typeface="Menlo"/>
-                <a:ea typeface="Menlo"/>
-                <a:cs typeface="Menlo"/>
-                <a:sym typeface="Menlo"/>
-              </a:rPr>
-              <a:t>                </a:t>
-            </a:r>
-            <a:r>
-              <a:rPr b="1" sz="1200">
-                <a:solidFill>
-                  <a:srgbClr val="D78B40"/>
-                </a:solidFill>
-                <a:latin typeface="Menlo"/>
-                <a:ea typeface="Menlo"/>
-                <a:cs typeface="Menlo"/>
-                <a:sym typeface="Menlo"/>
-              </a:rPr>
-              <a:t>if not </a:t>
-            </a:r>
-            <a:r>
-              <a:rPr sz="1200">
-                <a:solidFill>
-                  <a:srgbClr val="B7C4D1"/>
-                </a:solidFill>
-                <a:latin typeface="Menlo"/>
-                <a:ea typeface="Menlo"/>
-                <a:cs typeface="Menlo"/>
-                <a:sym typeface="Menlo"/>
-              </a:rPr>
-              <a:t>entry </a:t>
-            </a:r>
-            <a:r>
-              <a:rPr b="1" sz="1200">
+              <a:rPr sz="1200" b="1">
                 <a:solidFill>
                   <a:srgbClr val="D78B40"/>
                 </a:solidFill>
@@ -12648,7 +12744,7 @@
                 <a:sym typeface="Menlo"/>
               </a:rPr>
             </a:br>
-            <a:br>
+            <a:r>
               <a:rPr sz="1200">
                 <a:solidFill>
                   <a:srgbClr val="929292"/>
@@ -12658,8 +12754,9 @@
                 <a:cs typeface="Menlo"/>
                 <a:sym typeface="Menlo"/>
               </a:rPr>
-            </a:br>
-            <a:r>
+              <a:t/>
+            </a:r>
+            <a:br>
               <a:rPr sz="1200">
                 <a:solidFill>
                   <a:srgbClr val="929292"/>
@@ -12669,10 +12766,21 @@
                 <a:cs typeface="Menlo"/>
                 <a:sym typeface="Menlo"/>
               </a:rPr>
+            </a:br>
+            <a:r>
+              <a:rPr sz="1200">
+                <a:solidFill>
+                  <a:srgbClr val="929292"/>
+                </a:solidFill>
+                <a:latin typeface="Menlo"/>
+                <a:ea typeface="Menlo"/>
+                <a:cs typeface="Menlo"/>
+                <a:sym typeface="Menlo"/>
+              </a:rPr>
               <a:t># </a:t>
             </a:r>
             <a:r>
-              <a:rPr i="1" sz="1200">
+              <a:rPr sz="1200" i="1">
                 <a:solidFill>
                   <a:srgbClr val="B6C82D"/>
                 </a:solidFill>
@@ -12684,7 +12792,7 @@
               <a:t>TODO: get the unnessecary entries out</a:t>
             </a:r>
             <a:br>
-              <a:rPr i="1" sz="1200">
+              <a:rPr sz="1200" i="1">
                 <a:solidFill>
                   <a:srgbClr val="B6C82D"/>
                 </a:solidFill>
@@ -12832,7 +12940,7 @@
                 <a:sym typeface="Menlo"/>
               </a:rPr>
             </a:br>
-            <a:br>
+            <a:r>
               <a:rPr sz="1200">
                 <a:solidFill>
                   <a:srgbClr val="929292"/>
@@ -12842,55 +12950,67 @@
                 <a:cs typeface="Menlo"/>
                 <a:sym typeface="Menlo"/>
               </a:rPr>
-            </a:br>
-            <a:r>
-              <a:rPr sz="1200">
-                <a:solidFill>
-                  <a:srgbClr val="B7C4D1"/>
-                </a:solidFill>
-                <a:latin typeface="Menlo"/>
-                <a:ea typeface="Menlo"/>
-                <a:cs typeface="Menlo"/>
-                <a:sym typeface="Menlo"/>
-              </a:rPr>
-              <a:t>matches</a:t>
-            </a:r>
-            <a:r>
-              <a:rPr sz="1200">
-                <a:solidFill>
-                  <a:srgbClr val="B7C4D1"/>
-                </a:solidFill>
-                <a:latin typeface="Menlo"/>
-                <a:ea typeface="Menlo"/>
-                <a:cs typeface="Menlo"/>
-                <a:sym typeface="Menlo"/>
-              </a:rPr>
-              <a:t>.append(multiple_similar_sequences)</a:t>
-            </a:r>
-            <a:br>
-              <a:rPr sz="1200">
-                <a:solidFill>
-                  <a:srgbClr val="B7C4D1"/>
-                </a:solidFill>
-                <a:latin typeface="Menlo"/>
-                <a:ea typeface="Menlo"/>
-                <a:cs typeface="Menlo"/>
-                <a:sym typeface="Menlo"/>
-              </a:rPr>
-            </a:br>
-            <a:br>
-              <a:rPr sz="1200">
-                <a:solidFill>
-                  <a:srgbClr val="B7C4D1"/>
-                </a:solidFill>
-                <a:latin typeface="Menlo"/>
-                <a:ea typeface="Menlo"/>
-                <a:cs typeface="Menlo"/>
-                <a:sym typeface="Menlo"/>
-              </a:rPr>
-            </a:br>
-            <a:r>
-              <a:rPr b="1" sz="1200">
+              <a:t/>
+            </a:r>
+            <a:br>
+              <a:rPr sz="1200">
+                <a:solidFill>
+                  <a:srgbClr val="929292"/>
+                </a:solidFill>
+                <a:latin typeface="Menlo"/>
+                <a:ea typeface="Menlo"/>
+                <a:cs typeface="Menlo"/>
+                <a:sym typeface="Menlo"/>
+              </a:rPr>
+            </a:br>
+            <a:r>
+              <a:rPr sz="1200">
+                <a:solidFill>
+                  <a:srgbClr val="B7C4D1"/>
+                </a:solidFill>
+                <a:latin typeface="Menlo"/>
+                <a:ea typeface="Menlo"/>
+                <a:cs typeface="Menlo"/>
+                <a:sym typeface="Menlo"/>
+              </a:rPr>
+              <a:t>matches.append(multiple_similar_sequences)</a:t>
+            </a:r>
+            <a:br>
+              <a:rPr sz="1200">
+                <a:solidFill>
+                  <a:srgbClr val="B7C4D1"/>
+                </a:solidFill>
+                <a:latin typeface="Menlo"/>
+                <a:ea typeface="Menlo"/>
+                <a:cs typeface="Menlo"/>
+                <a:sym typeface="Menlo"/>
+              </a:rPr>
+            </a:br>
+            <a:r>
+              <a:rPr sz="1200">
+                <a:solidFill>
+                  <a:srgbClr val="B7C4D1"/>
+                </a:solidFill>
+                <a:latin typeface="Menlo"/>
+                <a:ea typeface="Menlo"/>
+                <a:cs typeface="Menlo"/>
+                <a:sym typeface="Menlo"/>
+              </a:rPr>
+              <a:t/>
+            </a:r>
+            <a:br>
+              <a:rPr sz="1200">
+                <a:solidFill>
+                  <a:srgbClr val="B7C4D1"/>
+                </a:solidFill>
+                <a:latin typeface="Menlo"/>
+                <a:ea typeface="Menlo"/>
+                <a:cs typeface="Menlo"/>
+                <a:sym typeface="Menlo"/>
+              </a:rPr>
+            </a:br>
+            <a:r>
+              <a:rPr sz="1200" b="1">
                 <a:solidFill>
                   <a:srgbClr val="D78B40"/>
                 </a:solidFill>
@@ -12947,19 +13067,113 @@
                 <a:cs typeface="Menlo"/>
                 <a:sym typeface="Menlo"/>
               </a:rPr>
+              <a:t>(matches)</a:t>
+            </a:r>
+            <a:br>
+              <a:rPr sz="1200">
+                <a:solidFill>
+                  <a:srgbClr val="B7C4D1"/>
+                </a:solidFill>
+                <a:latin typeface="Menlo"/>
+                <a:ea typeface="Menlo"/>
+                <a:cs typeface="Menlo"/>
+                <a:sym typeface="Menlo"/>
+              </a:rPr>
+            </a:br>
+            <a:r>
+              <a:rPr sz="1200">
+                <a:solidFill>
+                  <a:srgbClr val="929292"/>
+                </a:solidFill>
+                <a:latin typeface="Menlo"/>
+                <a:ea typeface="Menlo"/>
+                <a:cs typeface="Menlo"/>
+                <a:sym typeface="Menlo"/>
+              </a:rPr>
+              <a:t># get the sequence from the identifier name</a:t>
+            </a:r>
+            <a:br>
+              <a:rPr sz="1200">
+                <a:solidFill>
+                  <a:srgbClr val="929292"/>
+                </a:solidFill>
+                <a:latin typeface="Menlo"/>
+                <a:ea typeface="Menlo"/>
+                <a:cs typeface="Menlo"/>
+                <a:sym typeface="Menlo"/>
+              </a:rPr>
+            </a:br>
+            <a:r>
+              <a:rPr sz="1200">
+                <a:solidFill>
+                  <a:srgbClr val="B7C4D1"/>
+                </a:solidFill>
+                <a:latin typeface="Menlo"/>
+                <a:ea typeface="Menlo"/>
+                <a:cs typeface="Menlo"/>
+                <a:sym typeface="Menlo"/>
+              </a:rPr>
+              <a:t>handle = </a:t>
+            </a:r>
+            <a:r>
+              <a:rPr sz="1200">
+                <a:solidFill>
+                  <a:srgbClr val="9A9CD1"/>
+                </a:solidFill>
+                <a:latin typeface="Menlo"/>
+                <a:ea typeface="Menlo"/>
+                <a:cs typeface="Menlo"/>
+                <a:sym typeface="Menlo"/>
+              </a:rPr>
+              <a:t>open</a:t>
+            </a:r>
+            <a:r>
+              <a:rPr sz="1200">
+                <a:solidFill>
+                  <a:srgbClr val="B7C4D1"/>
+                </a:solidFill>
+                <a:latin typeface="Menlo"/>
+                <a:ea typeface="Menlo"/>
+                <a:cs typeface="Menlo"/>
+                <a:sym typeface="Menlo"/>
+              </a:rPr>
               <a:t>(</a:t>
             </a:r>
             <a:r>
               <a:rPr sz="1200">
                 <a:solidFill>
-                  <a:srgbClr val="B7C4D1"/>
-                </a:solidFill>
-                <a:latin typeface="Menlo"/>
-                <a:ea typeface="Menlo"/>
-                <a:cs typeface="Menlo"/>
-                <a:sym typeface="Menlo"/>
-              </a:rPr>
-              <a:t>matches</a:t>
+                  <a:srgbClr val="B3CB74"/>
+                </a:solidFill>
+                <a:latin typeface="Menlo"/>
+                <a:ea typeface="Menlo"/>
+                <a:cs typeface="Menlo"/>
+                <a:sym typeface="Menlo"/>
+              </a:rPr>
+              <a:t>'sequence_result.fasta'</a:t>
+            </a:r>
+            <a:r>
+              <a:rPr sz="1200">
+                <a:solidFill>
+                  <a:srgbClr val="D78B40"/>
+                </a:solidFill>
+                <a:latin typeface="Menlo"/>
+                <a:ea typeface="Menlo"/>
+                <a:cs typeface="Menlo"/>
+                <a:sym typeface="Menlo"/>
+              </a:rPr>
+              <a:t>, </a:t>
+            </a:r>
+            <a:r>
+              <a:rPr sz="1200">
+                <a:solidFill>
+                  <a:srgbClr val="B3CB74"/>
+                </a:solidFill>
+                <a:latin typeface="Menlo"/>
+                <a:ea typeface="Menlo"/>
+                <a:cs typeface="Menlo"/>
+                <a:sym typeface="Menlo"/>
+              </a:rPr>
+              <a:t>'r'</a:t>
             </a:r>
             <a:r>
               <a:rPr sz="1200">
@@ -12985,6 +13199,396 @@
               </a:rPr>
             </a:br>
             <a:r>
+              <a:rPr sz="1200" b="1">
+                <a:solidFill>
+                  <a:srgbClr val="D78B40"/>
+                </a:solidFill>
+                <a:latin typeface="Menlo"/>
+                <a:ea typeface="Menlo"/>
+                <a:cs typeface="Menlo"/>
+                <a:sym typeface="Menlo"/>
+              </a:rPr>
+              <a:t>for </a:t>
+            </a:r>
+            <a:r>
+              <a:rPr sz="1200">
+                <a:solidFill>
+                  <a:srgbClr val="B7C4D1"/>
+                </a:solidFill>
+                <a:latin typeface="Menlo"/>
+                <a:ea typeface="Menlo"/>
+                <a:cs typeface="Menlo"/>
+                <a:sym typeface="Menlo"/>
+              </a:rPr>
+              <a:t>record </a:t>
+            </a:r>
+            <a:r>
+              <a:rPr sz="1200" b="1">
+                <a:solidFill>
+                  <a:srgbClr val="D78B40"/>
+                </a:solidFill>
+                <a:latin typeface="Menlo"/>
+                <a:ea typeface="Menlo"/>
+                <a:cs typeface="Menlo"/>
+                <a:sym typeface="Menlo"/>
+              </a:rPr>
+              <a:t>in </a:t>
+            </a:r>
+            <a:r>
+              <a:rPr sz="1200">
+                <a:solidFill>
+                  <a:srgbClr val="B7C4D1"/>
+                </a:solidFill>
+                <a:latin typeface="Menlo"/>
+                <a:ea typeface="Menlo"/>
+                <a:cs typeface="Menlo"/>
+                <a:sym typeface="Menlo"/>
+              </a:rPr>
+              <a:t>SeqIO.parse(handle</a:t>
+            </a:r>
+            <a:r>
+              <a:rPr sz="1200">
+                <a:solidFill>
+                  <a:srgbClr val="D78B40"/>
+                </a:solidFill>
+                <a:latin typeface="Menlo"/>
+                <a:ea typeface="Menlo"/>
+                <a:cs typeface="Menlo"/>
+                <a:sym typeface="Menlo"/>
+              </a:rPr>
+              <a:t>, </a:t>
+            </a:r>
+            <a:r>
+              <a:rPr sz="1200">
+                <a:solidFill>
+                  <a:srgbClr val="B3CB74"/>
+                </a:solidFill>
+                <a:latin typeface="Menlo"/>
+                <a:ea typeface="Menlo"/>
+                <a:cs typeface="Menlo"/>
+                <a:sym typeface="Menlo"/>
+              </a:rPr>
+              <a:t>'fasta'</a:t>
+            </a:r>
+            <a:r>
+              <a:rPr sz="1200">
+                <a:solidFill>
+                  <a:srgbClr val="D78B40"/>
+                </a:solidFill>
+                <a:latin typeface="Menlo"/>
+                <a:ea typeface="Menlo"/>
+                <a:cs typeface="Menlo"/>
+                <a:sym typeface="Menlo"/>
+              </a:rPr>
+              <a:t>, </a:t>
+            </a:r>
+            <a:r>
+              <a:rPr sz="1200">
+                <a:solidFill>
+                  <a:srgbClr val="B7C4D1"/>
+                </a:solidFill>
+                <a:latin typeface="Menlo"/>
+                <a:ea typeface="Menlo"/>
+                <a:cs typeface="Menlo"/>
+                <a:sym typeface="Menlo"/>
+              </a:rPr>
+              <a:t>IUPAC.unambiguous_dna):</a:t>
+            </a:r>
+            <a:br>
+              <a:rPr sz="1200">
+                <a:solidFill>
+                  <a:srgbClr val="B7C4D1"/>
+                </a:solidFill>
+                <a:latin typeface="Menlo"/>
+                <a:ea typeface="Menlo"/>
+                <a:cs typeface="Menlo"/>
+                <a:sym typeface="Menlo"/>
+              </a:rPr>
+            </a:br>
+            <a:r>
+              <a:rPr sz="1200">
+                <a:solidFill>
+                  <a:srgbClr val="B7C4D1"/>
+                </a:solidFill>
+                <a:latin typeface="Menlo"/>
+                <a:ea typeface="Menlo"/>
+                <a:cs typeface="Menlo"/>
+                <a:sym typeface="Menlo"/>
+              </a:rPr>
+              <a:t>    </a:t>
+            </a:r>
+            <a:r>
+              <a:rPr sz="1200" b="1">
+                <a:solidFill>
+                  <a:srgbClr val="D78B40"/>
+                </a:solidFill>
+                <a:latin typeface="Menlo"/>
+                <a:ea typeface="Menlo"/>
+                <a:cs typeface="Menlo"/>
+                <a:sym typeface="Menlo"/>
+              </a:rPr>
+              <a:t>for </a:t>
+            </a:r>
+            <a:r>
+              <a:rPr sz="1200">
+                <a:solidFill>
+                  <a:srgbClr val="B7C4D1"/>
+                </a:solidFill>
+                <a:latin typeface="Menlo"/>
+                <a:ea typeface="Menlo"/>
+                <a:cs typeface="Menlo"/>
+                <a:sym typeface="Menlo"/>
+              </a:rPr>
+              <a:t>match </a:t>
+            </a:r>
+            <a:r>
+              <a:rPr sz="1200" b="1">
+                <a:solidFill>
+                  <a:srgbClr val="D78B40"/>
+                </a:solidFill>
+                <a:latin typeface="Menlo"/>
+                <a:ea typeface="Menlo"/>
+                <a:cs typeface="Menlo"/>
+                <a:sym typeface="Menlo"/>
+              </a:rPr>
+              <a:t>in </a:t>
+            </a:r>
+            <a:r>
+              <a:rPr sz="1200">
+                <a:solidFill>
+                  <a:srgbClr val="B7C4D1"/>
+                </a:solidFill>
+                <a:latin typeface="Menlo"/>
+                <a:ea typeface="Menlo"/>
+                <a:cs typeface="Menlo"/>
+                <a:sym typeface="Menlo"/>
+              </a:rPr>
+              <a:t>matches:</a:t>
+            </a:r>
+            <a:br>
+              <a:rPr sz="1200">
+                <a:solidFill>
+                  <a:srgbClr val="B7C4D1"/>
+                </a:solidFill>
+                <a:latin typeface="Menlo"/>
+                <a:ea typeface="Menlo"/>
+                <a:cs typeface="Menlo"/>
+                <a:sym typeface="Menlo"/>
+              </a:rPr>
+            </a:br>
+            <a:r>
+              <a:rPr sz="1200">
+                <a:solidFill>
+                  <a:srgbClr val="B7C4D1"/>
+                </a:solidFill>
+                <a:latin typeface="Menlo"/>
+                <a:ea typeface="Menlo"/>
+                <a:cs typeface="Menlo"/>
+                <a:sym typeface="Menlo"/>
+              </a:rPr>
+              <a:t>        </a:t>
+            </a:r>
+            <a:r>
+              <a:rPr sz="1200" b="1">
+                <a:solidFill>
+                  <a:srgbClr val="D78B40"/>
+                </a:solidFill>
+                <a:latin typeface="Menlo"/>
+                <a:ea typeface="Menlo"/>
+                <a:cs typeface="Menlo"/>
+                <a:sym typeface="Menlo"/>
+              </a:rPr>
+              <a:t>for </a:t>
+            </a:r>
+            <a:r>
+              <a:rPr sz="1200">
+                <a:solidFill>
+                  <a:srgbClr val="B7C4D1"/>
+                </a:solidFill>
+                <a:latin typeface="Menlo"/>
+                <a:ea typeface="Menlo"/>
+                <a:cs typeface="Menlo"/>
+                <a:sym typeface="Menlo"/>
+              </a:rPr>
+              <a:t>i </a:t>
+            </a:r>
+            <a:r>
+              <a:rPr sz="1200" b="1">
+                <a:solidFill>
+                  <a:srgbClr val="D78B40"/>
+                </a:solidFill>
+                <a:latin typeface="Menlo"/>
+                <a:ea typeface="Menlo"/>
+                <a:cs typeface="Menlo"/>
+                <a:sym typeface="Menlo"/>
+              </a:rPr>
+              <a:t>in </a:t>
+            </a:r>
+            <a:r>
+              <a:rPr sz="1200">
+                <a:solidFill>
+                  <a:srgbClr val="9A9CD1"/>
+                </a:solidFill>
+                <a:latin typeface="Menlo"/>
+                <a:ea typeface="Menlo"/>
+                <a:cs typeface="Menlo"/>
+                <a:sym typeface="Menlo"/>
+              </a:rPr>
+              <a:t>range</a:t>
+            </a:r>
+            <a:r>
+              <a:rPr sz="1200">
+                <a:solidFill>
+                  <a:srgbClr val="B7C4D1"/>
+                </a:solidFill>
+                <a:latin typeface="Menlo"/>
+                <a:ea typeface="Menlo"/>
+                <a:cs typeface="Menlo"/>
+                <a:sym typeface="Menlo"/>
+              </a:rPr>
+              <a:t>(</a:t>
+            </a:r>
+            <a:r>
+              <a:rPr sz="1200">
+                <a:solidFill>
+                  <a:srgbClr val="9A9CD1"/>
+                </a:solidFill>
+                <a:latin typeface="Menlo"/>
+                <a:ea typeface="Menlo"/>
+                <a:cs typeface="Menlo"/>
+                <a:sym typeface="Menlo"/>
+              </a:rPr>
+              <a:t>len</a:t>
+            </a:r>
+            <a:r>
+              <a:rPr sz="1200">
+                <a:solidFill>
+                  <a:srgbClr val="B7C4D1"/>
+                </a:solidFill>
+                <a:latin typeface="Menlo"/>
+                <a:ea typeface="Menlo"/>
+                <a:cs typeface="Menlo"/>
+                <a:sym typeface="Menlo"/>
+              </a:rPr>
+              <a:t>(match)):</a:t>
+            </a:r>
+            <a:br>
+              <a:rPr sz="1200">
+                <a:solidFill>
+                  <a:srgbClr val="B7C4D1"/>
+                </a:solidFill>
+                <a:latin typeface="Menlo"/>
+                <a:ea typeface="Menlo"/>
+                <a:cs typeface="Menlo"/>
+                <a:sym typeface="Menlo"/>
+              </a:rPr>
+            </a:br>
+            <a:r>
+              <a:rPr sz="1200">
+                <a:solidFill>
+                  <a:srgbClr val="B7C4D1"/>
+                </a:solidFill>
+                <a:latin typeface="Menlo"/>
+                <a:ea typeface="Menlo"/>
+                <a:cs typeface="Menlo"/>
+                <a:sym typeface="Menlo"/>
+              </a:rPr>
+              <a:t>            </a:t>
+            </a:r>
+            <a:r>
+              <a:rPr sz="1200" b="1">
+                <a:solidFill>
+                  <a:srgbClr val="D78B40"/>
+                </a:solidFill>
+                <a:latin typeface="Menlo"/>
+                <a:ea typeface="Menlo"/>
+                <a:cs typeface="Menlo"/>
+                <a:sym typeface="Menlo"/>
+              </a:rPr>
+              <a:t>if </a:t>
+            </a:r>
+            <a:r>
+              <a:rPr sz="1200">
+                <a:solidFill>
+                  <a:srgbClr val="B7C4D1"/>
+                </a:solidFill>
+                <a:latin typeface="Menlo"/>
+                <a:ea typeface="Menlo"/>
+                <a:cs typeface="Menlo"/>
+                <a:sym typeface="Menlo"/>
+              </a:rPr>
+              <a:t>record.id == match[i]:</a:t>
+            </a:r>
+            <a:br>
+              <a:rPr sz="1200">
+                <a:solidFill>
+                  <a:srgbClr val="B7C4D1"/>
+                </a:solidFill>
+                <a:latin typeface="Menlo"/>
+                <a:ea typeface="Menlo"/>
+                <a:cs typeface="Menlo"/>
+                <a:sym typeface="Menlo"/>
+              </a:rPr>
+            </a:br>
+            <a:r>
+              <a:rPr sz="1200">
+                <a:solidFill>
+                  <a:srgbClr val="B7C4D1"/>
+                </a:solidFill>
+                <a:latin typeface="Menlo"/>
+                <a:ea typeface="Menlo"/>
+                <a:cs typeface="Menlo"/>
+                <a:sym typeface="Menlo"/>
+              </a:rPr>
+              <a:t>                match[i] = record.seq</a:t>
+            </a:r>
+            <a:br>
+              <a:rPr sz="1200">
+                <a:solidFill>
+                  <a:srgbClr val="B7C4D1"/>
+                </a:solidFill>
+                <a:latin typeface="Menlo"/>
+                <a:ea typeface="Menlo"/>
+                <a:cs typeface="Menlo"/>
+                <a:sym typeface="Menlo"/>
+              </a:rPr>
+            </a:br>
+            <a:r>
+              <a:rPr sz="1200">
+                <a:solidFill>
+                  <a:srgbClr val="B7C4D1"/>
+                </a:solidFill>
+                <a:latin typeface="Menlo"/>
+                <a:ea typeface="Menlo"/>
+                <a:cs typeface="Menlo"/>
+                <a:sym typeface="Menlo"/>
+              </a:rPr>
+              <a:t/>
+            </a:r>
+            <a:br>
+              <a:rPr sz="1200">
+                <a:solidFill>
+                  <a:srgbClr val="B7C4D1"/>
+                </a:solidFill>
+                <a:latin typeface="Menlo"/>
+                <a:ea typeface="Menlo"/>
+                <a:cs typeface="Menlo"/>
+                <a:sym typeface="Menlo"/>
+              </a:rPr>
+            </a:br>
+            <a:r>
+              <a:rPr sz="1200">
+                <a:solidFill>
+                  <a:srgbClr val="B7C4D1"/>
+                </a:solidFill>
+                <a:latin typeface="Menlo"/>
+                <a:ea typeface="Menlo"/>
+                <a:cs typeface="Menlo"/>
+                <a:sym typeface="Menlo"/>
+              </a:rPr>
+              <a:t>        </a:t>
+            </a:r>
+            <a:r>
               <a:rPr sz="1200">
                 <a:solidFill>
                   <a:srgbClr val="929292"/>
@@ -12994,7 +13598,7 @@
                 <a:cs typeface="Menlo"/>
                 <a:sym typeface="Menlo"/>
               </a:rPr>
-              <a:t># get the sequence from the identifier name</a:t>
+              <a:t>#print match</a:t>
             </a:r>
             <a:br>
               <a:rPr sz="1200">
@@ -13010,491 +13614,6 @@
             <a:r>
               <a:rPr sz="1200">
                 <a:solidFill>
-                  <a:srgbClr val="B7C4D1"/>
-                </a:solidFill>
-                <a:latin typeface="Menlo"/>
-                <a:ea typeface="Menlo"/>
-                <a:cs typeface="Menlo"/>
-                <a:sym typeface="Menlo"/>
-              </a:rPr>
-              <a:t>handle = </a:t>
-            </a:r>
-            <a:r>
-              <a:rPr sz="1200">
-                <a:solidFill>
-                  <a:srgbClr val="9A9CD1"/>
-                </a:solidFill>
-                <a:latin typeface="Menlo"/>
-                <a:ea typeface="Menlo"/>
-                <a:cs typeface="Menlo"/>
-                <a:sym typeface="Menlo"/>
-              </a:rPr>
-              <a:t>open</a:t>
-            </a:r>
-            <a:r>
-              <a:rPr sz="1200">
-                <a:solidFill>
-                  <a:srgbClr val="B7C4D1"/>
-                </a:solidFill>
-                <a:latin typeface="Menlo"/>
-                <a:ea typeface="Menlo"/>
-                <a:cs typeface="Menlo"/>
-                <a:sym typeface="Menlo"/>
-              </a:rPr>
-              <a:t>(</a:t>
-            </a:r>
-            <a:r>
-              <a:rPr sz="1200">
-                <a:solidFill>
-                  <a:srgbClr val="B3CB74"/>
-                </a:solidFill>
-                <a:latin typeface="Menlo"/>
-                <a:ea typeface="Menlo"/>
-                <a:cs typeface="Menlo"/>
-                <a:sym typeface="Menlo"/>
-              </a:rPr>
-              <a:t>'sequence_result.fasta'</a:t>
-            </a:r>
-            <a:r>
-              <a:rPr sz="1200">
-                <a:solidFill>
-                  <a:srgbClr val="D78B40"/>
-                </a:solidFill>
-                <a:latin typeface="Menlo"/>
-                <a:ea typeface="Menlo"/>
-                <a:cs typeface="Menlo"/>
-                <a:sym typeface="Menlo"/>
-              </a:rPr>
-              <a:t>, </a:t>
-            </a:r>
-            <a:r>
-              <a:rPr sz="1200">
-                <a:solidFill>
-                  <a:srgbClr val="B3CB74"/>
-                </a:solidFill>
-                <a:latin typeface="Menlo"/>
-                <a:ea typeface="Menlo"/>
-                <a:cs typeface="Menlo"/>
-                <a:sym typeface="Menlo"/>
-              </a:rPr>
-              <a:t>'r'</a:t>
-            </a:r>
-            <a:r>
-              <a:rPr sz="1200">
-                <a:solidFill>
-                  <a:srgbClr val="B7C4D1"/>
-                </a:solidFill>
-                <a:latin typeface="Menlo"/>
-                <a:ea typeface="Menlo"/>
-                <a:cs typeface="Menlo"/>
-                <a:sym typeface="Menlo"/>
-              </a:rPr>
-              <a:t>)</a:t>
-            </a:r>
-            <a:br>
-              <a:rPr sz="1200">
-                <a:solidFill>
-                  <a:srgbClr val="B7C4D1"/>
-                </a:solidFill>
-                <a:latin typeface="Menlo"/>
-                <a:ea typeface="Menlo"/>
-                <a:cs typeface="Menlo"/>
-                <a:sym typeface="Menlo"/>
-              </a:rPr>
-            </a:br>
-            <a:r>
-              <a:rPr b="1" sz="1200">
-                <a:solidFill>
-                  <a:srgbClr val="D78B40"/>
-                </a:solidFill>
-                <a:latin typeface="Menlo"/>
-                <a:ea typeface="Menlo"/>
-                <a:cs typeface="Menlo"/>
-                <a:sym typeface="Menlo"/>
-              </a:rPr>
-              <a:t>for </a:t>
-            </a:r>
-            <a:r>
-              <a:rPr sz="1200">
-                <a:solidFill>
-                  <a:srgbClr val="B7C4D1"/>
-                </a:solidFill>
-                <a:latin typeface="Menlo"/>
-                <a:ea typeface="Menlo"/>
-                <a:cs typeface="Menlo"/>
-                <a:sym typeface="Menlo"/>
-              </a:rPr>
-              <a:t>record </a:t>
-            </a:r>
-            <a:r>
-              <a:rPr b="1" sz="1200">
-                <a:solidFill>
-                  <a:srgbClr val="D78B40"/>
-                </a:solidFill>
-                <a:latin typeface="Menlo"/>
-                <a:ea typeface="Menlo"/>
-                <a:cs typeface="Menlo"/>
-                <a:sym typeface="Menlo"/>
-              </a:rPr>
-              <a:t>in </a:t>
-            </a:r>
-            <a:r>
-              <a:rPr sz="1200">
-                <a:solidFill>
-                  <a:srgbClr val="B7C4D1"/>
-                </a:solidFill>
-                <a:latin typeface="Menlo"/>
-                <a:ea typeface="Menlo"/>
-                <a:cs typeface="Menlo"/>
-                <a:sym typeface="Menlo"/>
-              </a:rPr>
-              <a:t>SeqIO.parse(handle</a:t>
-            </a:r>
-            <a:r>
-              <a:rPr sz="1200">
-                <a:solidFill>
-                  <a:srgbClr val="D78B40"/>
-                </a:solidFill>
-                <a:latin typeface="Menlo"/>
-                <a:ea typeface="Menlo"/>
-                <a:cs typeface="Menlo"/>
-                <a:sym typeface="Menlo"/>
-              </a:rPr>
-              <a:t>, </a:t>
-            </a:r>
-            <a:r>
-              <a:rPr sz="1200">
-                <a:solidFill>
-                  <a:srgbClr val="B3CB74"/>
-                </a:solidFill>
-                <a:latin typeface="Menlo"/>
-                <a:ea typeface="Menlo"/>
-                <a:cs typeface="Menlo"/>
-                <a:sym typeface="Menlo"/>
-              </a:rPr>
-              <a:t>'fasta'</a:t>
-            </a:r>
-            <a:r>
-              <a:rPr sz="1200">
-                <a:solidFill>
-                  <a:srgbClr val="D78B40"/>
-                </a:solidFill>
-                <a:latin typeface="Menlo"/>
-                <a:ea typeface="Menlo"/>
-                <a:cs typeface="Menlo"/>
-                <a:sym typeface="Menlo"/>
-              </a:rPr>
-              <a:t>, </a:t>
-            </a:r>
-            <a:r>
-              <a:rPr sz="1200">
-                <a:solidFill>
-                  <a:srgbClr val="B7C4D1"/>
-                </a:solidFill>
-                <a:latin typeface="Menlo"/>
-                <a:ea typeface="Menlo"/>
-                <a:cs typeface="Menlo"/>
-                <a:sym typeface="Menlo"/>
-              </a:rPr>
-              <a:t>IUPAC.unambiguous_dna):</a:t>
-            </a:r>
-            <a:br>
-              <a:rPr sz="1200">
-                <a:solidFill>
-                  <a:srgbClr val="B7C4D1"/>
-                </a:solidFill>
-                <a:latin typeface="Menlo"/>
-                <a:ea typeface="Menlo"/>
-                <a:cs typeface="Menlo"/>
-                <a:sym typeface="Menlo"/>
-              </a:rPr>
-            </a:br>
-            <a:r>
-              <a:rPr sz="1200">
-                <a:solidFill>
-                  <a:srgbClr val="B7C4D1"/>
-                </a:solidFill>
-                <a:latin typeface="Menlo"/>
-                <a:ea typeface="Menlo"/>
-                <a:cs typeface="Menlo"/>
-                <a:sym typeface="Menlo"/>
-              </a:rPr>
-              <a:t>    </a:t>
-            </a:r>
-            <a:r>
-              <a:rPr b="1" sz="1200">
-                <a:solidFill>
-                  <a:srgbClr val="D78B40"/>
-                </a:solidFill>
-                <a:latin typeface="Menlo"/>
-                <a:ea typeface="Menlo"/>
-                <a:cs typeface="Menlo"/>
-                <a:sym typeface="Menlo"/>
-              </a:rPr>
-              <a:t>for </a:t>
-            </a:r>
-            <a:r>
-              <a:rPr sz="1200">
-                <a:solidFill>
-                  <a:srgbClr val="B7C4D1"/>
-                </a:solidFill>
-                <a:latin typeface="Menlo"/>
-                <a:ea typeface="Menlo"/>
-                <a:cs typeface="Menlo"/>
-                <a:sym typeface="Menlo"/>
-              </a:rPr>
-              <a:t>match </a:t>
-            </a:r>
-            <a:r>
-              <a:rPr b="1" sz="1200">
-                <a:solidFill>
-                  <a:srgbClr val="D78B40"/>
-                </a:solidFill>
-                <a:latin typeface="Menlo"/>
-                <a:ea typeface="Menlo"/>
-                <a:cs typeface="Menlo"/>
-                <a:sym typeface="Menlo"/>
-              </a:rPr>
-              <a:t>in </a:t>
-            </a:r>
-            <a:r>
-              <a:rPr sz="1200">
-                <a:solidFill>
-                  <a:srgbClr val="B7C4D1"/>
-                </a:solidFill>
-                <a:latin typeface="Menlo"/>
-                <a:ea typeface="Menlo"/>
-                <a:cs typeface="Menlo"/>
-                <a:sym typeface="Menlo"/>
-              </a:rPr>
-              <a:t>matches</a:t>
-            </a:r>
-            <a:r>
-              <a:rPr sz="1200">
-                <a:solidFill>
-                  <a:srgbClr val="B7C4D1"/>
-                </a:solidFill>
-                <a:latin typeface="Menlo"/>
-                <a:ea typeface="Menlo"/>
-                <a:cs typeface="Menlo"/>
-                <a:sym typeface="Menlo"/>
-              </a:rPr>
-              <a:t>:</a:t>
-            </a:r>
-            <a:br>
-              <a:rPr sz="1200">
-                <a:solidFill>
-                  <a:srgbClr val="B7C4D1"/>
-                </a:solidFill>
-                <a:latin typeface="Menlo"/>
-                <a:ea typeface="Menlo"/>
-                <a:cs typeface="Menlo"/>
-                <a:sym typeface="Menlo"/>
-              </a:rPr>
-            </a:br>
-            <a:r>
-              <a:rPr sz="1200">
-                <a:solidFill>
-                  <a:srgbClr val="B7C4D1"/>
-                </a:solidFill>
-                <a:latin typeface="Menlo"/>
-                <a:ea typeface="Menlo"/>
-                <a:cs typeface="Menlo"/>
-                <a:sym typeface="Menlo"/>
-              </a:rPr>
-              <a:t>        </a:t>
-            </a:r>
-            <a:r>
-              <a:rPr b="1" sz="1200">
-                <a:solidFill>
-                  <a:srgbClr val="D78B40"/>
-                </a:solidFill>
-                <a:latin typeface="Menlo"/>
-                <a:ea typeface="Menlo"/>
-                <a:cs typeface="Menlo"/>
-                <a:sym typeface="Menlo"/>
-              </a:rPr>
-              <a:t>for </a:t>
-            </a:r>
-            <a:r>
-              <a:rPr sz="1200">
-                <a:solidFill>
-                  <a:srgbClr val="B7C4D1"/>
-                </a:solidFill>
-                <a:latin typeface="Menlo"/>
-                <a:ea typeface="Menlo"/>
-                <a:cs typeface="Menlo"/>
-                <a:sym typeface="Menlo"/>
-              </a:rPr>
-              <a:t>i </a:t>
-            </a:r>
-            <a:r>
-              <a:rPr b="1" sz="1200">
-                <a:solidFill>
-                  <a:srgbClr val="D78B40"/>
-                </a:solidFill>
-                <a:latin typeface="Menlo"/>
-                <a:ea typeface="Menlo"/>
-                <a:cs typeface="Menlo"/>
-                <a:sym typeface="Menlo"/>
-              </a:rPr>
-              <a:t>in </a:t>
-            </a:r>
-            <a:r>
-              <a:rPr sz="1200">
-                <a:solidFill>
-                  <a:srgbClr val="9A9CD1"/>
-                </a:solidFill>
-                <a:latin typeface="Menlo"/>
-                <a:ea typeface="Menlo"/>
-                <a:cs typeface="Menlo"/>
-                <a:sym typeface="Menlo"/>
-              </a:rPr>
-              <a:t>range</a:t>
-            </a:r>
-            <a:r>
-              <a:rPr sz="1200">
-                <a:solidFill>
-                  <a:srgbClr val="B7C4D1"/>
-                </a:solidFill>
-                <a:latin typeface="Menlo"/>
-                <a:ea typeface="Menlo"/>
-                <a:cs typeface="Menlo"/>
-                <a:sym typeface="Menlo"/>
-              </a:rPr>
-              <a:t>(</a:t>
-            </a:r>
-            <a:r>
-              <a:rPr sz="1200">
-                <a:solidFill>
-                  <a:srgbClr val="9A9CD1"/>
-                </a:solidFill>
-                <a:latin typeface="Menlo"/>
-                <a:ea typeface="Menlo"/>
-                <a:cs typeface="Menlo"/>
-                <a:sym typeface="Menlo"/>
-              </a:rPr>
-              <a:t>len</a:t>
-            </a:r>
-            <a:r>
-              <a:rPr sz="1200">
-                <a:solidFill>
-                  <a:srgbClr val="B7C4D1"/>
-                </a:solidFill>
-                <a:latin typeface="Menlo"/>
-                <a:ea typeface="Menlo"/>
-                <a:cs typeface="Menlo"/>
-                <a:sym typeface="Menlo"/>
-              </a:rPr>
-              <a:t>(match)):</a:t>
-            </a:r>
-            <a:br>
-              <a:rPr sz="1200">
-                <a:solidFill>
-                  <a:srgbClr val="B7C4D1"/>
-                </a:solidFill>
-                <a:latin typeface="Menlo"/>
-                <a:ea typeface="Menlo"/>
-                <a:cs typeface="Menlo"/>
-                <a:sym typeface="Menlo"/>
-              </a:rPr>
-            </a:br>
-            <a:r>
-              <a:rPr sz="1200">
-                <a:solidFill>
-                  <a:srgbClr val="B7C4D1"/>
-                </a:solidFill>
-                <a:latin typeface="Menlo"/>
-                <a:ea typeface="Menlo"/>
-                <a:cs typeface="Menlo"/>
-                <a:sym typeface="Menlo"/>
-              </a:rPr>
-              <a:t>            </a:t>
-            </a:r>
-            <a:r>
-              <a:rPr b="1" sz="1200">
-                <a:solidFill>
-                  <a:srgbClr val="D78B40"/>
-                </a:solidFill>
-                <a:latin typeface="Menlo"/>
-                <a:ea typeface="Menlo"/>
-                <a:cs typeface="Menlo"/>
-                <a:sym typeface="Menlo"/>
-              </a:rPr>
-              <a:t>if </a:t>
-            </a:r>
-            <a:r>
-              <a:rPr sz="1200">
-                <a:solidFill>
-                  <a:srgbClr val="B7C4D1"/>
-                </a:solidFill>
-                <a:latin typeface="Menlo"/>
-                <a:ea typeface="Menlo"/>
-                <a:cs typeface="Menlo"/>
-                <a:sym typeface="Menlo"/>
-              </a:rPr>
-              <a:t>record.id == match[i]:</a:t>
-            </a:r>
-            <a:br>
-              <a:rPr sz="1200">
-                <a:solidFill>
-                  <a:srgbClr val="B7C4D1"/>
-                </a:solidFill>
-                <a:latin typeface="Menlo"/>
-                <a:ea typeface="Menlo"/>
-                <a:cs typeface="Menlo"/>
-                <a:sym typeface="Menlo"/>
-              </a:rPr>
-            </a:br>
-            <a:r>
-              <a:rPr sz="1200">
-                <a:solidFill>
-                  <a:srgbClr val="B7C4D1"/>
-                </a:solidFill>
-                <a:latin typeface="Menlo"/>
-                <a:ea typeface="Menlo"/>
-                <a:cs typeface="Menlo"/>
-                <a:sym typeface="Menlo"/>
-              </a:rPr>
-              <a:t>                match[i] = record.seq</a:t>
-            </a:r>
-            <a:br>
-              <a:rPr sz="1200">
-                <a:solidFill>
-                  <a:srgbClr val="B7C4D1"/>
-                </a:solidFill>
-                <a:latin typeface="Menlo"/>
-                <a:ea typeface="Menlo"/>
-                <a:cs typeface="Menlo"/>
-                <a:sym typeface="Menlo"/>
-              </a:rPr>
-            </a:br>
-            <a:br>
-              <a:rPr sz="1200">
-                <a:solidFill>
-                  <a:srgbClr val="B7C4D1"/>
-                </a:solidFill>
-                <a:latin typeface="Menlo"/>
-                <a:ea typeface="Menlo"/>
-                <a:cs typeface="Menlo"/>
-                <a:sym typeface="Menlo"/>
-              </a:rPr>
-            </a:br>
-            <a:r>
-              <a:rPr sz="1200">
-                <a:solidFill>
-                  <a:srgbClr val="B7C4D1"/>
-                </a:solidFill>
-                <a:latin typeface="Menlo"/>
-                <a:ea typeface="Menlo"/>
-                <a:cs typeface="Menlo"/>
-                <a:sym typeface="Menlo"/>
-              </a:rPr>
-              <a:t>        </a:t>
-            </a:r>
-            <a:r>
-              <a:rPr sz="1200">
-                <a:solidFill>
                   <a:srgbClr val="929292"/>
                 </a:solidFill>
                 <a:latin typeface="Menlo"/>
@@ -13502,7 +13621,7 @@
                 <a:cs typeface="Menlo"/>
                 <a:sym typeface="Menlo"/>
               </a:rPr>
-              <a:t>#print match</a:t>
+              <a:t/>
             </a:r>
             <a:br>
               <a:rPr sz="1200">
@@ -13515,17 +13634,6 @@
                 <a:sym typeface="Menlo"/>
               </a:rPr>
             </a:br>
-            <a:br>
-              <a:rPr sz="1200">
-                <a:solidFill>
-                  <a:srgbClr val="929292"/>
-                </a:solidFill>
-                <a:latin typeface="Menlo"/>
-                <a:ea typeface="Menlo"/>
-                <a:cs typeface="Menlo"/>
-                <a:sym typeface="Menlo"/>
-              </a:rPr>
-            </a:br>
             <a:r>
               <a:rPr sz="1200">
                 <a:solidFill>
@@ -13550,7 +13658,7 @@
               </a:rPr>
             </a:br>
             <a:r>
-              <a:rPr b="1" sz="1200">
+              <a:rPr sz="1200" b="1">
                 <a:solidFill>
                   <a:srgbClr val="D78B40"/>
                 </a:solidFill>
@@ -13675,12 +13783,19 @@
   <p:clrMapOvr>
     <a:masterClrMapping/>
   </p:clrMapOvr>
-  <p:transition spd="med" advClick="1"/>
+  <p:transition xmlns:p14="http://schemas.microsoft.com/office/powerpoint/2010/main" spd="med"/>
+  <p:timing>
+    <p:tnLst>
+      <p:par>
+        <p:cTn xmlns:p14="http://schemas.microsoft.com/office/powerpoint/2010/main" id="1" dur="indefinite" restart="never" nodeType="tmRoot"/>
+      </p:par>
+    </p:tnLst>
+  </p:timing>
 </p:sld>
 </file>
 
 <file path=ppt/slides/slide15.xml><?xml version="1.0" encoding="utf-8"?>
-<p:sld xmlns:a="http://schemas.openxmlformats.org/drawingml/2006/main" xmlns:r="http://schemas.openxmlformats.org/officeDocument/2006/relationships" xmlns:p="http://schemas.openxmlformats.org/presentationml/2006/main" showMasterSp="1" showMasterPhAnim="1">
+<p:sld xmlns:a="http://schemas.openxmlformats.org/drawingml/2006/main" xmlns:r="http://schemas.openxmlformats.org/officeDocument/2006/relationships" xmlns:p="http://schemas.openxmlformats.org/presentationml/2006/main">
   <p:cSld>
     <p:spTree>
       <p:nvGrpSpPr>
@@ -13699,7 +13814,9 @@
       <p:sp>
         <p:nvSpPr>
           <p:cNvPr id="81" name="Shape 81"/>
-          <p:cNvSpPr/>
+          <p:cNvSpPr>
+            <a:spLocks noGrp="1"/>
+          </p:cNvSpPr>
           <p:nvPr>
             <p:ph type="title"/>
           </p:nvPr>
@@ -13783,7 +13900,7 @@
               </a:defRPr>
             </a:pPr>
             <a:r>
-              <a:rPr b="1" sz="1400">
+              <a:rPr sz="1400" b="1">
                 <a:solidFill>
                   <a:srgbClr val="D78B40"/>
                 </a:solidFill>
@@ -13795,7 +13912,7 @@
               <a:t>def </a:t>
             </a:r>
             <a:r>
-              <a:rPr b="1" sz="1400">
+              <a:rPr sz="1400" b="1">
                 <a:solidFill>
                   <a:srgbClr val="B7C4D1"/>
                 </a:solidFill>
@@ -13842,7 +13959,7 @@
               <a:t>    </a:t>
             </a:r>
             <a:r>
-              <a:rPr b="1" sz="1400">
+              <a:rPr sz="1400" b="1">
                 <a:solidFill>
                   <a:srgbClr val="D78B40"/>
                 </a:solidFill>
@@ -13876,7 +13993,7 @@
                 <a:sym typeface="Menlo"/>
               </a:rPr>
             </a:br>
-            <a:br>
+            <a:r>
               <a:rPr sz="1400">
                 <a:solidFill>
                   <a:srgbClr val="B3CB74"/>
@@ -13886,8 +14003,9 @@
                 <a:cs typeface="Menlo"/>
                 <a:sym typeface="Menlo"/>
               </a:rPr>
-            </a:br>
-            <a:r>
+              <a:t/>
+            </a:r>
+            <a:br>
               <a:rPr sz="1400">
                 <a:solidFill>
                   <a:srgbClr val="B3CB74"/>
@@ -13897,10 +14015,21 @@
                 <a:cs typeface="Menlo"/>
                 <a:sym typeface="Menlo"/>
               </a:rPr>
+            </a:br>
+            <a:r>
+              <a:rPr sz="1400">
+                <a:solidFill>
+                  <a:srgbClr val="B3CB74"/>
+                </a:solidFill>
+                <a:latin typeface="Menlo"/>
+                <a:ea typeface="Menlo"/>
+                <a:cs typeface="Menlo"/>
+                <a:sym typeface="Menlo"/>
+              </a:rPr>
               <a:t>    </a:t>
             </a:r>
             <a:r>
-              <a:rPr b="1" sz="1400">
+              <a:rPr sz="1400" b="1">
                 <a:solidFill>
                   <a:srgbClr val="D78B40"/>
                 </a:solidFill>
@@ -13983,7 +14112,7 @@
               <a:t>        </a:t>
             </a:r>
             <a:r>
-              <a:rPr b="1" sz="1400">
+              <a:rPr sz="1400" b="1">
                 <a:solidFill>
                   <a:srgbClr val="D78B40"/>
                 </a:solidFill>
@@ -13995,7 +14124,7 @@
               <a:t>return</a:t>
             </a:r>
             <a:br>
-              <a:rPr b="1" sz="1400">
+              <a:rPr sz="1400" b="1">
                 <a:solidFill>
                   <a:srgbClr val="D78B40"/>
                 </a:solidFill>
@@ -14005,8 +14134,8 @@
                 <a:sym typeface="Menlo"/>
               </a:rPr>
             </a:br>
-            <a:br>
-              <a:rPr b="1" sz="1400">
+            <a:r>
+              <a:rPr sz="1400" b="1">
                 <a:solidFill>
                   <a:srgbClr val="D78B40"/>
                 </a:solidFill>
@@ -14015,9 +14144,10 @@
                 <a:cs typeface="Menlo"/>
                 <a:sym typeface="Menlo"/>
               </a:rPr>
-            </a:br>
-            <a:r>
-              <a:rPr b="1" sz="1400">
+              <a:t/>
+            </a:r>
+            <a:br>
+              <a:rPr sz="1400" b="1">
                 <a:solidFill>
                   <a:srgbClr val="D78B40"/>
                 </a:solidFill>
@@ -14026,6 +14156,17 @@
                 <a:cs typeface="Menlo"/>
                 <a:sym typeface="Menlo"/>
               </a:rPr>
+            </a:br>
+            <a:r>
+              <a:rPr sz="1400" b="1">
+                <a:solidFill>
+                  <a:srgbClr val="D78B40"/>
+                </a:solidFill>
+                <a:latin typeface="Menlo"/>
+                <a:ea typeface="Menlo"/>
+                <a:cs typeface="Menlo"/>
+                <a:sym typeface="Menlo"/>
+              </a:rPr>
               <a:t>    </a:t>
             </a:r>
             <a:r>
@@ -14204,6 +14345,18 @@
                 <a:sym typeface="Menlo"/>
               </a:rPr>
             </a:br>
+            <a:r>
+              <a:rPr sz="1400">
+                <a:solidFill>
+                  <a:srgbClr val="B7C4D1"/>
+                </a:solidFill>
+                <a:latin typeface="Menlo"/>
+                <a:ea typeface="Menlo"/>
+                <a:cs typeface="Menlo"/>
+                <a:sym typeface="Menlo"/>
+              </a:rPr>
+              <a:t/>
+            </a:r>
             <a:br>
               <a:rPr sz="1400">
                 <a:solidFill>
@@ -14238,6 +14391,18 @@
                 <a:sym typeface="Menlo"/>
               </a:rPr>
             </a:br>
+            <a:r>
+              <a:rPr sz="1400">
+                <a:solidFill>
+                  <a:srgbClr val="B7C4D1"/>
+                </a:solidFill>
+                <a:latin typeface="Menlo"/>
+                <a:ea typeface="Menlo"/>
+                <a:cs typeface="Menlo"/>
+                <a:sym typeface="Menlo"/>
+              </a:rPr>
+              <a:t/>
+            </a:r>
             <a:br>
               <a:rPr sz="1400">
                 <a:solidFill>
@@ -14262,7 +14427,7 @@
               <a:t>    </a:t>
             </a:r>
             <a:r>
-              <a:rPr b="1" sz="1400">
+              <a:rPr sz="1400" b="1">
                 <a:solidFill>
                   <a:srgbClr val="D78B40"/>
                 </a:solidFill>
@@ -14286,7 +14451,7 @@
               <a:t>seq_record </a:t>
             </a:r>
             <a:r>
-              <a:rPr b="1" sz="1400">
+              <a:rPr sz="1400" b="1">
                 <a:solidFill>
                   <a:srgbClr val="D78B40"/>
                 </a:solidFill>
@@ -14427,6 +14592,18 @@
                 <a:sym typeface="Menlo"/>
               </a:rPr>
             </a:br>
+            <a:r>
+              <a:rPr sz="1400">
+                <a:solidFill>
+                  <a:srgbClr val="B7C4D1"/>
+                </a:solidFill>
+                <a:latin typeface="Menlo"/>
+                <a:ea typeface="Menlo"/>
+                <a:cs typeface="Menlo"/>
+                <a:sym typeface="Menlo"/>
+              </a:rPr>
+              <a:t/>
+            </a:r>
             <a:br>
               <a:rPr sz="1400">
                 <a:solidFill>
@@ -14756,6 +14933,18 @@
                 <a:sym typeface="Menlo"/>
               </a:rPr>
             </a:br>
+            <a:r>
+              <a:rPr sz="1400">
+                <a:solidFill>
+                  <a:srgbClr val="B7C4D1"/>
+                </a:solidFill>
+                <a:latin typeface="Menlo"/>
+                <a:ea typeface="Menlo"/>
+                <a:cs typeface="Menlo"/>
+                <a:sym typeface="Menlo"/>
+              </a:rPr>
+              <a:t/>
+            </a:r>
             <a:br>
               <a:rPr sz="1400">
                 <a:solidFill>
@@ -14886,7 +15075,7 @@
               <a:t>    </a:t>
             </a:r>
             <a:r>
-              <a:rPr b="1" sz="1400">
+              <a:rPr sz="1400" b="1">
                 <a:solidFill>
                   <a:srgbClr val="D78B40"/>
                 </a:solidFill>
@@ -14920,7 +15109,7 @@
                 <a:sym typeface="Menlo"/>
               </a:rPr>
             </a:br>
-            <a:br>
+            <a:r>
               <a:rPr sz="1400">
                 <a:solidFill>
                   <a:srgbClr val="B3CB74"/>
@@ -14930,7 +15119,8 @@
                 <a:cs typeface="Menlo"/>
                 <a:sym typeface="Menlo"/>
               </a:rPr>
-            </a:br>
+              <a:t/>
+            </a:r>
             <a:br>
               <a:rPr sz="1400">
                 <a:solidFill>
@@ -14952,6 +15142,29 @@
                 <a:cs typeface="Menlo"/>
                 <a:sym typeface="Menlo"/>
               </a:rPr>
+              <a:t/>
+            </a:r>
+            <a:br>
+              <a:rPr sz="1400">
+                <a:solidFill>
+                  <a:srgbClr val="B3CB74"/>
+                </a:solidFill>
+                <a:latin typeface="Menlo"/>
+                <a:ea typeface="Menlo"/>
+                <a:cs typeface="Menlo"/>
+                <a:sym typeface="Menlo"/>
+              </a:rPr>
+            </a:br>
+            <a:r>
+              <a:rPr sz="1400">
+                <a:solidFill>
+                  <a:srgbClr val="B3CB74"/>
+                </a:solidFill>
+                <a:latin typeface="Menlo"/>
+                <a:ea typeface="Menlo"/>
+                <a:cs typeface="Menlo"/>
+                <a:sym typeface="Menlo"/>
+              </a:rPr>
               <a:t>    </a:t>
             </a:r>
             <a:r>
@@ -15038,7 +15251,7 @@
               <a:t>    </a:t>
             </a:r>
             <a:r>
-              <a:rPr b="1" sz="1400">
+              <a:rPr sz="1400" b="1">
                 <a:solidFill>
                   <a:srgbClr val="D78B40"/>
                 </a:solidFill>
@@ -15120,7 +15333,7 @@
               <a:t>    </a:t>
             </a:r>
             <a:r>
-              <a:rPr b="1" sz="1400">
+              <a:rPr sz="1400" b="1">
                 <a:solidFill>
                   <a:srgbClr val="D78B40"/>
                 </a:solidFill>
@@ -15167,7 +15380,7 @@
               <a:t>    </a:t>
             </a:r>
             <a:r>
-              <a:rPr b="1" sz="1400">
+              <a:rPr sz="1400" b="1">
                 <a:solidFill>
                   <a:srgbClr val="D78B40"/>
                 </a:solidFill>
@@ -15190,29 +15403,70 @@
               </a:rPr>
               <a:t>pssm</a:t>
             </a:r>
-            <a:endParaRPr sz="1400">
-              <a:solidFill>
-                <a:srgbClr val="B7C4D1"/>
-              </a:solidFill>
-              <a:latin typeface="Menlo"/>
-              <a:ea typeface="Menlo"/>
-              <a:cs typeface="Menlo"/>
-              <a:sym typeface="Menlo"/>
-            </a:endParaRPr>
           </a:p>
         </p:txBody>
       </p:sp>
+      <p:pic>
+        <p:nvPicPr>
+          <p:cNvPr id="2" name="Bild 1" descr="possum.png"/>
+          <p:cNvPicPr>
+            <a:picLocks noChangeAspect="1"/>
+          </p:cNvPicPr>
+          <p:nvPr/>
+        </p:nvPicPr>
+        <p:blipFill>
+          <a:blip r:embed="rId2">
+            <a:extLst>
+              <a:ext uri="{28A0092B-C50C-407E-A947-70E740481C1C}">
+                <a14:useLocalDpi xmlns:a14="http://schemas.microsoft.com/office/drawing/2010/main" val="0"/>
+              </a:ext>
+            </a:extLst>
+          </a:blip>
+          <a:stretch>
+            <a:fillRect/>
+          </a:stretch>
+        </p:blipFill>
+        <p:spPr>
+          <a:xfrm rot="1110794">
+            <a:off x="10132712" y="1112047"/>
+            <a:ext cx="1854497" cy="3126838"/>
+          </a:xfrm>
+          <a:prstGeom prst="roundRect">
+            <a:avLst>
+              <a:gd name="adj" fmla="val 8594"/>
+            </a:avLst>
+          </a:prstGeom>
+          <a:solidFill>
+            <a:srgbClr val="FFFFFF">
+              <a:shade val="85000"/>
+            </a:srgbClr>
+          </a:solidFill>
+          <a:ln>
+            <a:noFill/>
+          </a:ln>
+          <a:effectLst>
+            <a:reflection blurRad="12700" stA="38000" endPos="28000" dist="5000" dir="5400000" sy="-100000" algn="bl" rotWithShape="0"/>
+          </a:effectLst>
+        </p:spPr>
+      </p:pic>
     </p:spTree>
   </p:cSld>
   <p:clrMapOvr>
     <a:masterClrMapping/>
   </p:clrMapOvr>
-  <p:transition spd="med" advClick="1"/>
+  <p:transition xmlns:p14="http://schemas.microsoft.com/office/powerpoint/2010/main" spd="med"/>
+  <p:timing>
+    <p:tnLst>
+      <p:par>
+        <p:cTn xmlns:p14="http://schemas.microsoft.com/office/powerpoint/2010/main" id="1" dur="indefinite" restart="never" nodeType="tmRoot"/>
+      </p:par>
+    </p:tnLst>
+  </p:timing>
 </p:sld>
 </file>
 
 <file path=ppt/slides/slide2.xml><?xml version="1.0" encoding="utf-8"?>
-<p:sld xmlns:a="http://schemas.openxmlformats.org/drawingml/2006/main" xmlns:r="http://schemas.openxmlformats.org/officeDocument/2006/relationships" xmlns:p="http://schemas.openxmlformats.org/presentationml/2006/main" showMasterSp="1" showMasterPhAnim="1">
+<p:sld xmlns:a="http://schemas.openxmlformats.org/drawingml/2006/main" xmlns:r="http://schemas.openxmlformats.org/officeDocument/2006/relationships" xmlns:p="http://schemas.openxmlformats.org/presentationml/2006/main">
   <p:cSld>
     <p:spTree>
       <p:nvGrpSpPr>
@@ -15256,7 +15510,7 @@
             <a:pPr lvl="0">
               <a:defRPr sz="2400">
                 <a:effectLst>
-                  <a:outerShdw sx="100000" sy="100000" kx="0" ky="0" algn="b" rotWithShape="0" blurRad="25400" dist="23998" dir="2700000">
+                  <a:outerShdw blurRad="25400" dist="23998" dir="2700000" rotWithShape="0">
                     <a:srgbClr val="000000">
                       <a:alpha val="31034"/>
                     </a:srgbClr>
@@ -15264,13 +15518,16 @@
                 </a:effectLst>
               </a:defRPr>
             </a:pPr>
+            <a:endParaRPr/>
           </a:p>
         </p:txBody>
       </p:sp>
       <p:sp>
         <p:nvSpPr>
           <p:cNvPr id="36" name="Shape 36"/>
-          <p:cNvSpPr/>
+          <p:cNvSpPr>
+            <a:spLocks noGrp="1"/>
+          </p:cNvSpPr>
           <p:nvPr>
             <p:ph type="title"/>
           </p:nvPr>
@@ -15334,12 +15591,12 @@
   <p:clrMapOvr>
     <a:masterClrMapping/>
   </p:clrMapOvr>
-  <p:transition spd="med" advClick="1"/>
+  <p:transition xmlns:p14="http://schemas.microsoft.com/office/powerpoint/2010/main" spd="med"/>
 </p:sld>
 </file>
 
 <file path=ppt/slides/slide3.xml><?xml version="1.0" encoding="utf-8"?>
-<p:sld xmlns:a="http://schemas.openxmlformats.org/drawingml/2006/main" xmlns:r="http://schemas.openxmlformats.org/officeDocument/2006/relationships" xmlns:p="http://schemas.openxmlformats.org/presentationml/2006/main" showMasterSp="1" showMasterPhAnim="1">
+<p:sld xmlns:a="http://schemas.openxmlformats.org/drawingml/2006/main" xmlns:r="http://schemas.openxmlformats.org/officeDocument/2006/relationships" xmlns:p="http://schemas.openxmlformats.org/presentationml/2006/main">
   <p:cSld>
     <p:spTree>
       <p:nvGrpSpPr>
@@ -16056,17 +16313,41 @@
                 <a:sym typeface="Menlo"/>
               </a:rPr>
             </a:br>
-            <a:br>
-              <a:rPr sz="1400">
-                <a:solidFill>
-                  <a:srgbClr val="B7C4D1"/>
-                </a:solidFill>
-                <a:latin typeface="Menlo"/>
-                <a:ea typeface="Menlo"/>
-                <a:cs typeface="Menlo"/>
-                <a:sym typeface="Menlo"/>
-              </a:rPr>
-            </a:br>
+            <a:r>
+              <a:rPr sz="1400">
+                <a:solidFill>
+                  <a:srgbClr val="B7C4D1"/>
+                </a:solidFill>
+                <a:latin typeface="Menlo"/>
+                <a:ea typeface="Menlo"/>
+                <a:cs typeface="Menlo"/>
+                <a:sym typeface="Menlo"/>
+              </a:rPr>
+              <a:t/>
+            </a:r>
+            <a:br>
+              <a:rPr sz="1400">
+                <a:solidFill>
+                  <a:srgbClr val="B7C4D1"/>
+                </a:solidFill>
+                <a:latin typeface="Menlo"/>
+                <a:ea typeface="Menlo"/>
+                <a:cs typeface="Menlo"/>
+                <a:sym typeface="Menlo"/>
+              </a:rPr>
+            </a:br>
+            <a:r>
+              <a:rPr sz="1400">
+                <a:solidFill>
+                  <a:srgbClr val="B7C4D1"/>
+                </a:solidFill>
+                <a:latin typeface="Menlo"/>
+                <a:ea typeface="Menlo"/>
+                <a:cs typeface="Menlo"/>
+                <a:sym typeface="Menlo"/>
+              </a:rPr>
+              <a:t/>
+            </a:r>
             <a:br>
               <a:rPr sz="1400">
                 <a:solidFill>
@@ -16101,6 +16382,18 @@
                 <a:sym typeface="Menlo"/>
               </a:rPr>
             </a:br>
+            <a:r>
+              <a:rPr sz="1400">
+                <a:solidFill>
+                  <a:srgbClr val="B7C4D1"/>
+                </a:solidFill>
+                <a:latin typeface="Menlo"/>
+                <a:ea typeface="Menlo"/>
+                <a:cs typeface="Menlo"/>
+                <a:sym typeface="Menlo"/>
+              </a:rPr>
+              <a:t/>
+            </a:r>
             <a:br>
               <a:rPr sz="1400">
                 <a:solidFill>
@@ -16207,6 +16500,18 @@
                 <a:sym typeface="Menlo"/>
               </a:rPr>
             </a:br>
+            <a:r>
+              <a:rPr sz="1400">
+                <a:solidFill>
+                  <a:srgbClr val="B7C4D1"/>
+                </a:solidFill>
+                <a:latin typeface="Menlo"/>
+                <a:ea typeface="Menlo"/>
+                <a:cs typeface="Menlo"/>
+                <a:sym typeface="Menlo"/>
+              </a:rPr>
+              <a:t/>
+            </a:r>
             <a:br>
               <a:rPr sz="1400">
                 <a:solidFill>
@@ -16276,7 +16581,7 @@
                 <a:sym typeface="Menlo"/>
               </a:rPr>
             </a:br>
-            <a:br>
+            <a:r>
               <a:rPr sz="1400">
                 <a:solidFill>
                   <a:srgbClr val="7AA8C7"/>
@@ -16286,9 +16591,21 @@
                 <a:cs typeface="Menlo"/>
                 <a:sym typeface="Menlo"/>
               </a:rPr>
-            </a:br>
-            <a:r>
-              <a:rPr b="1" sz="1400">
+              <a:t/>
+            </a:r>
+            <a:br>
+              <a:rPr sz="1400">
+                <a:solidFill>
+                  <a:srgbClr val="7AA8C7"/>
+                </a:solidFill>
+                <a:latin typeface="Menlo"/>
+                <a:ea typeface="Menlo"/>
+                <a:cs typeface="Menlo"/>
+                <a:sym typeface="Menlo"/>
+              </a:rPr>
+            </a:br>
+            <a:r>
+              <a:rPr sz="1400" b="1">
                 <a:solidFill>
                   <a:srgbClr val="D78B40"/>
                 </a:solidFill>
@@ -16312,7 +16629,7 @@
               <a:t>feature </a:t>
             </a:r>
             <a:r>
-              <a:rPr b="1" sz="1400">
+              <a:rPr sz="1400" b="1">
                 <a:solidFill>
                   <a:srgbClr val="D78B40"/>
                 </a:solidFill>
@@ -16359,7 +16676,7 @@
               <a:t>    </a:t>
             </a:r>
             <a:r>
-              <a:rPr b="1" sz="1400">
+              <a:rPr sz="1400" b="1">
                 <a:solidFill>
                   <a:srgbClr val="D78B40"/>
                 </a:solidFill>
@@ -16534,6 +16851,18 @@
                 <a:sym typeface="Menlo"/>
               </a:rPr>
             </a:br>
+            <a:r>
+              <a:rPr sz="1400">
+                <a:solidFill>
+                  <a:srgbClr val="B7C4D1"/>
+                </a:solidFill>
+                <a:latin typeface="Menlo"/>
+                <a:ea typeface="Menlo"/>
+                <a:cs typeface="Menlo"/>
+                <a:sym typeface="Menlo"/>
+              </a:rPr>
+              <a:t/>
+            </a:r>
             <a:br>
               <a:rPr sz="1400">
                 <a:solidFill>
@@ -16687,7 +17016,7 @@
               <a:t>    </a:t>
             </a:r>
             <a:r>
-              <a:rPr b="1" sz="1400">
+              <a:rPr sz="1400" b="1">
                 <a:solidFill>
                   <a:srgbClr val="D78B40"/>
                 </a:solidFill>
@@ -16711,7 +17040,7 @@
               <a:t>object </a:t>
             </a:r>
             <a:r>
-              <a:rPr b="1" sz="1400">
+              <a:rPr sz="1400" b="1">
                 <a:solidFill>
                   <a:srgbClr val="D78B40"/>
                 </a:solidFill>
@@ -16995,7 +17324,7 @@
               <a:t>    </a:t>
             </a:r>
             <a:r>
-              <a:rPr b="1" sz="1400">
+              <a:rPr sz="1400" b="1">
                 <a:solidFill>
                   <a:srgbClr val="D78B40"/>
                 </a:solidFill>
@@ -17138,7 +17467,7 @@
               <a:t>    </a:t>
             </a:r>
             <a:r>
-              <a:rPr b="1" sz="1400">
+              <a:rPr sz="1400" b="1">
                 <a:solidFill>
                   <a:srgbClr val="D78B40"/>
                 </a:solidFill>
@@ -17269,7 +17598,7 @@
               <a:t># </a:t>
             </a:r>
             <a:r>
-              <a:rPr i="1" sz="1400">
+              <a:rPr sz="1400" i="1">
                 <a:solidFill>
                   <a:srgbClr val="B6C82D"/>
                 </a:solidFill>
@@ -17281,7 +17610,7 @@
               <a:t>TODO: 'wichtige Annotation' Sequenzen in Liste speichern und MUSCLE uebergeben</a:t>
             </a:r>
             <a:br>
-              <a:rPr i="1" sz="1400">
+              <a:rPr sz="1400" i="1">
                 <a:solidFill>
                   <a:srgbClr val="B6C82D"/>
                 </a:solidFill>
@@ -17292,7 +17621,7 @@
               </a:rPr>
             </a:br>
             <a:r>
-              <a:rPr i="1" sz="1400">
+              <a:rPr sz="1400" i="1">
                 <a:solidFill>
                   <a:srgbClr val="B6C82D"/>
                 </a:solidFill>
@@ -17409,7 +17738,7 @@
               <a:t>    </a:t>
             </a:r>
             <a:r>
-              <a:rPr b="1" sz="1400">
+              <a:rPr sz="1400" b="1">
                 <a:solidFill>
                   <a:srgbClr val="D78B40"/>
                 </a:solidFill>
@@ -17433,7 +17762,7 @@
               <a:t>sequences </a:t>
             </a:r>
             <a:r>
-              <a:rPr b="1" sz="1400">
+              <a:rPr sz="1400" b="1">
                 <a:solidFill>
                   <a:srgbClr val="D78B40"/>
                 </a:solidFill>
@@ -17480,7 +17809,7 @@
               <a:t>        </a:t>
             </a:r>
             <a:r>
-              <a:rPr b="1" sz="1400">
+              <a:rPr sz="1400" b="1">
                 <a:solidFill>
                   <a:srgbClr val="D78B40"/>
                 </a:solidFill>
@@ -17539,7 +17868,7 @@
               <a:t># </a:t>
             </a:r>
             <a:r>
-              <a:rPr i="1" sz="1400">
+              <a:rPr sz="1400" i="1">
                 <a:solidFill>
                   <a:srgbClr val="B6C82D"/>
                 </a:solidFill>
@@ -17551,7 +17880,7 @@
               <a:t>TODO: neues MUSCLE</a:t>
             </a:r>
             <a:br>
-              <a:rPr i="1" sz="1400">
+              <a:rPr sz="1400" i="1">
                 <a:solidFill>
                   <a:srgbClr val="B6C82D"/>
                 </a:solidFill>
@@ -17562,7 +17891,7 @@
               </a:rPr>
             </a:br>
             <a:r>
-              <a:rPr i="1" sz="1400">
+              <a:rPr sz="1400" i="1">
                 <a:solidFill>
                   <a:srgbClr val="B6C82D"/>
                 </a:solidFill>
@@ -17586,7 +17915,7 @@
               <a:t># </a:t>
             </a:r>
             <a:r>
-              <a:rPr i="1" sz="1400">
+              <a:rPr sz="1400" i="1">
                 <a:solidFill>
                   <a:srgbClr val="B6C82D"/>
                 </a:solidFill>
@@ -17598,7 +17927,7 @@
               <a:t>TODO: PSSM</a:t>
             </a:r>
             <a:br>
-              <a:rPr i="1" sz="1400">
+              <a:rPr sz="1400" i="1">
                 <a:solidFill>
                   <a:srgbClr val="B6C82D"/>
                 </a:solidFill>
@@ -17609,7 +17938,7 @@
               </a:rPr>
             </a:br>
             <a:r>
-              <a:rPr i="1" sz="1400">
+              <a:rPr sz="1400" i="1">
                 <a:solidFill>
                   <a:srgbClr val="B6C82D"/>
                 </a:solidFill>
@@ -17655,15 +17984,6 @@
               </a:rPr>
               <a:t>save_file_object.close()</a:t>
             </a:r>
-            <a:endParaRPr sz="1400">
-              <a:solidFill>
-                <a:srgbClr val="B7C4D1"/>
-              </a:solidFill>
-              <a:latin typeface="Menlo"/>
-              <a:ea typeface="Menlo"/>
-              <a:cs typeface="Menlo"/>
-              <a:sym typeface="Menlo"/>
-            </a:endParaRPr>
           </a:p>
         </p:txBody>
       </p:sp>
@@ -17672,12 +17992,12 @@
   <p:clrMapOvr>
     <a:masterClrMapping/>
   </p:clrMapOvr>
-  <p:transition spd="med" advClick="1"/>
+  <p:transition xmlns:p14="http://schemas.microsoft.com/office/powerpoint/2010/main" spd="med"/>
 </p:sld>
 </file>
 
 <file path=ppt/slides/slide4.xml><?xml version="1.0" encoding="utf-8"?>
-<p:sld xmlns:a="http://schemas.openxmlformats.org/drawingml/2006/main" xmlns:r="http://schemas.openxmlformats.org/officeDocument/2006/relationships" xmlns:p="http://schemas.openxmlformats.org/presentationml/2006/main" showMasterSp="1" showMasterPhAnim="1">
+<p:sld xmlns:a="http://schemas.openxmlformats.org/drawingml/2006/main" xmlns:r="http://schemas.openxmlformats.org/officeDocument/2006/relationships" xmlns:p="http://schemas.openxmlformats.org/presentationml/2006/main">
   <p:cSld>
     <p:spTree>
       <p:nvGrpSpPr>
@@ -17696,7 +18016,9 @@
       <p:sp>
         <p:nvSpPr>
           <p:cNvPr id="41" name="Shape 41"/>
-          <p:cNvSpPr/>
+          <p:cNvSpPr>
+            <a:spLocks noGrp="1"/>
+          </p:cNvSpPr>
           <p:nvPr>
             <p:ph type="title"/>
           </p:nvPr>
@@ -17772,11 +18094,6 @@
               </a:rPr>
               <a:t>Feature: oriT</a:t>
             </a:r>
-            <a:endParaRPr sz="2600">
-              <a:solidFill>
-                <a:srgbClr val="FFFFFF"/>
-              </a:solidFill>
-            </a:endParaRPr>
           </a:p>
           <a:p>
             <a:pPr lvl="0" algn="l">
@@ -17794,11 +18111,6 @@
               </a:rPr>
               <a:t>Anzahl identischer objekte: 	40</a:t>
             </a:r>
-            <a:endParaRPr sz="2600">
-              <a:solidFill>
-                <a:srgbClr val="FFFFFF"/>
-              </a:solidFill>
-            </a:endParaRPr>
           </a:p>
           <a:p>
             <a:pPr lvl="0" algn="l">
@@ -17816,11 +18128,6 @@
               </a:rPr>
               <a:t>Summe aller Objekte: 			116</a:t>
             </a:r>
-            <a:endParaRPr sz="2600">
-              <a:solidFill>
-                <a:srgbClr val="FFFFFF"/>
-              </a:solidFill>
-            </a:endParaRPr>
           </a:p>
           <a:p>
             <a:pPr lvl="0" algn="l">
@@ -17838,11 +18145,6 @@
               </a:rPr>
               <a:t>MUSCLE</a:t>
             </a:r>
-            <a:endParaRPr sz="2600">
-              <a:solidFill>
-                <a:srgbClr val="FFFFFF"/>
-              </a:solidFill>
-            </a:endParaRPr>
           </a:p>
           <a:p>
             <a:pPr lvl="0" algn="l">
@@ -17860,11 +18162,6 @@
               </a:rPr>
               <a:t>Status:  RUNNING</a:t>
             </a:r>
-            <a:endParaRPr sz="2600">
-              <a:solidFill>
-                <a:srgbClr val="FFFFFF"/>
-              </a:solidFill>
-            </a:endParaRPr>
           </a:p>
           <a:p>
             <a:pPr lvl="0" algn="l">
@@ -17882,11 +18179,6 @@
               </a:rPr>
               <a:t>Status:  RUNNING</a:t>
             </a:r>
-            <a:endParaRPr sz="2600">
-              <a:solidFill>
-                <a:srgbClr val="FFFFFF"/>
-              </a:solidFill>
-            </a:endParaRPr>
           </a:p>
           <a:p>
             <a:pPr lvl="0" algn="l">
@@ -17904,11 +18196,6 @@
               </a:rPr>
               <a:t>Status:  RUNNING</a:t>
             </a:r>
-            <a:endParaRPr sz="2600">
-              <a:solidFill>
-                <a:srgbClr val="FFFFFF"/>
-              </a:solidFill>
-            </a:endParaRPr>
           </a:p>
           <a:p>
             <a:pPr lvl="0" algn="l">
@@ -17926,11 +18213,6 @@
               </a:rPr>
               <a:t>['identifier3', 'identifier1']</a:t>
             </a:r>
-            <a:endParaRPr sz="2600">
-              <a:solidFill>
-                <a:srgbClr val="189B1A"/>
-              </a:solidFill>
-            </a:endParaRPr>
           </a:p>
           <a:p>
             <a:pPr lvl="0" algn="l">
@@ -17948,11 +18230,6 @@
               </a:rPr>
               <a:t>['identifier11', 'identifier17']</a:t>
             </a:r>
-            <a:endParaRPr sz="2600">
-              <a:solidFill>
-                <a:srgbClr val="E8A433"/>
-              </a:solidFill>
-            </a:endParaRPr>
           </a:p>
           <a:p>
             <a:pPr lvl="0" algn="l">
@@ -17970,11 +18247,6 @@
               </a:rPr>
               <a:t>['identifier4', 'identifier17']</a:t>
             </a:r>
-            <a:endParaRPr sz="2600">
-              <a:solidFill>
-                <a:srgbClr val="FFFFFF"/>
-              </a:solidFill>
-            </a:endParaRPr>
           </a:p>
           <a:p>
             <a:pPr lvl="0" algn="l">
@@ -17992,11 +18264,6 @@
               </a:rPr>
               <a:t>['identifier4', 'identifier11']</a:t>
             </a:r>
-            <a:endParaRPr sz="2600">
-              <a:solidFill>
-                <a:srgbClr val="FFFFFF"/>
-              </a:solidFill>
-            </a:endParaRPr>
           </a:p>
           <a:p>
             <a:pPr lvl="0" algn="l">
@@ -18014,11 +18281,6 @@
               </a:rPr>
               <a:t>['identifier14', 'identifier17']</a:t>
             </a:r>
-            <a:endParaRPr sz="2600">
-              <a:solidFill>
-                <a:srgbClr val="FFFFFF"/>
-              </a:solidFill>
-            </a:endParaRPr>
           </a:p>
           <a:p>
             <a:pPr lvl="0" algn="l">
@@ -18036,11 +18298,6 @@
               </a:rPr>
               <a:t>['identifier14', 'identifier11']</a:t>
             </a:r>
-            <a:endParaRPr sz="2600">
-              <a:solidFill>
-                <a:srgbClr val="FFFFFF"/>
-              </a:solidFill>
-            </a:endParaRPr>
           </a:p>
           <a:p>
             <a:pPr lvl="0" algn="l">
@@ -18066,12 +18323,12 @@
   <p:clrMapOvr>
     <a:masterClrMapping/>
   </p:clrMapOvr>
-  <p:transition spd="med" advClick="1"/>
+  <p:transition xmlns:p14="http://schemas.microsoft.com/office/powerpoint/2010/main" spd="med"/>
 </p:sld>
 </file>
 
 <file path=ppt/slides/slide5.xml><?xml version="1.0" encoding="utf-8"?>
-<p:sld xmlns:a="http://schemas.openxmlformats.org/drawingml/2006/main" xmlns:r="http://schemas.openxmlformats.org/officeDocument/2006/relationships" xmlns:p="http://schemas.openxmlformats.org/presentationml/2006/main" showMasterSp="1" showMasterPhAnim="1">
+<p:sld xmlns:a="http://schemas.openxmlformats.org/drawingml/2006/main" xmlns:r="http://schemas.openxmlformats.org/officeDocument/2006/relationships" xmlns:p="http://schemas.openxmlformats.org/presentationml/2006/main">
   <p:cSld>
     <p:spTree>
       <p:nvGrpSpPr>
@@ -18090,7 +18347,9 @@
       <p:sp>
         <p:nvSpPr>
           <p:cNvPr id="44" name="Shape 44"/>
-          <p:cNvSpPr/>
+          <p:cNvSpPr>
+            <a:spLocks noGrp="1"/>
+          </p:cNvSpPr>
           <p:nvPr>
             <p:ph type="title"/>
           </p:nvPr>
@@ -18147,6 +18406,7 @@
           <a:lstStyle/>
           <a:p>
             <a:pPr lvl="0"/>
+            <a:endParaRPr/>
           </a:p>
         </p:txBody>
       </p:sp>
@@ -18301,6 +18561,18 @@
                 <a:sym typeface="Menlo"/>
               </a:rPr>
             </a:br>
+            <a:r>
+              <a:rPr sz="1300">
+                <a:solidFill>
+                  <a:srgbClr val="B7C4D1"/>
+                </a:solidFill>
+                <a:latin typeface="Menlo"/>
+                <a:ea typeface="Menlo"/>
+                <a:cs typeface="Menlo"/>
+                <a:sym typeface="Menlo"/>
+              </a:rPr>
+              <a:t/>
+            </a:r>
             <a:br>
               <a:rPr sz="1300">
                 <a:solidFill>
@@ -18394,7 +18666,7 @@
               <a:t>     4: identifier3    41.07   41.15  </a:t>
             </a:r>
             <a:r>
-              <a:rPr b="1" sz="1300">
+              <a:rPr sz="1300" b="1">
                 <a:solidFill>
                   <a:srgbClr val="189B1A"/>
                 </a:solidFill>
@@ -18631,12 +18903,12 @@
   <p:clrMapOvr>
     <a:masterClrMapping/>
   </p:clrMapOvr>
-  <p:transition spd="med" advClick="1"/>
+  <p:transition xmlns:p14="http://schemas.microsoft.com/office/powerpoint/2010/main" spd="med"/>
 </p:sld>
 </file>
 
 <file path=ppt/slides/slide6.xml><?xml version="1.0" encoding="utf-8"?>
-<p:sld xmlns:a="http://schemas.openxmlformats.org/drawingml/2006/main" xmlns:r="http://schemas.openxmlformats.org/officeDocument/2006/relationships" xmlns:p="http://schemas.openxmlformats.org/presentationml/2006/main" showMasterSp="1" showMasterPhAnim="1">
+<p:sld xmlns:a="http://schemas.openxmlformats.org/drawingml/2006/main" xmlns:r="http://schemas.openxmlformats.org/officeDocument/2006/relationships" xmlns:p="http://schemas.openxmlformats.org/presentationml/2006/main">
   <p:cSld>
     <p:spTree>
       <p:nvGrpSpPr>
@@ -18655,7 +18927,9 @@
       <p:sp>
         <p:nvSpPr>
           <p:cNvPr id="48" name="Shape 48"/>
-          <p:cNvSpPr/>
+          <p:cNvSpPr>
+            <a:spLocks noGrp="1"/>
+          </p:cNvSpPr>
           <p:nvPr>
             <p:ph type="title"/>
           </p:nvPr>
@@ -19310,15 +19584,6 @@
               </a:rPr>
               <a:t>GCAATGTTTGTGGAAGCGGTATTCGCAATG</a:t>
             </a:r>
-            <a:endParaRPr sz="1300">
-              <a:solidFill>
-                <a:srgbClr val="B7C4D1"/>
-              </a:solidFill>
-              <a:latin typeface="Menlo"/>
-              <a:ea typeface="Menlo"/>
-              <a:cs typeface="Menlo"/>
-              <a:sym typeface="Menlo"/>
-            </a:endParaRPr>
           </a:p>
         </p:txBody>
       </p:sp>
@@ -19945,15 +20210,6 @@
               </a:rPr>
               <a:t>GAGCAATGTTTGTGGAAGCGGTATTCGCAATG</a:t>
             </a:r>
-            <a:endParaRPr sz="1300">
-              <a:solidFill>
-                <a:srgbClr val="B7C4D1"/>
-              </a:solidFill>
-              <a:latin typeface="Menlo"/>
-              <a:ea typeface="Menlo"/>
-              <a:cs typeface="Menlo"/>
-              <a:sym typeface="Menlo"/>
-            </a:endParaRPr>
           </a:p>
         </p:txBody>
       </p:sp>
@@ -19962,12 +20218,12 @@
   <p:clrMapOvr>
     <a:masterClrMapping/>
   </p:clrMapOvr>
-  <p:transition spd="med" advClick="1"/>
+  <p:transition xmlns:p14="http://schemas.microsoft.com/office/powerpoint/2010/main" spd="med"/>
 </p:sld>
 </file>
 
 <file path=ppt/slides/slide7.xml><?xml version="1.0" encoding="utf-8"?>
-<p:sld xmlns:a="http://schemas.openxmlformats.org/drawingml/2006/main" xmlns:r="http://schemas.openxmlformats.org/officeDocument/2006/relationships" xmlns:p="http://schemas.openxmlformats.org/presentationml/2006/main" showMasterSp="1" showMasterPhAnim="1">
+<p:sld xmlns:a="http://schemas.openxmlformats.org/drawingml/2006/main" xmlns:r="http://schemas.openxmlformats.org/officeDocument/2006/relationships" xmlns:p="http://schemas.openxmlformats.org/presentationml/2006/main">
   <p:cSld>
     <p:spTree>
       <p:nvGrpSpPr>
@@ -19986,7 +20242,9 @@
       <p:sp>
         <p:nvSpPr>
           <p:cNvPr id="52" name="Shape 52"/>
-          <p:cNvSpPr/>
+          <p:cNvSpPr>
+            <a:spLocks noGrp="1"/>
+          </p:cNvSpPr>
           <p:nvPr>
             <p:ph type="title"/>
           </p:nvPr>
@@ -20023,12 +20281,12 @@
   <p:clrMapOvr>
     <a:masterClrMapping/>
   </p:clrMapOvr>
-  <p:transition spd="med" advClick="1"/>
+  <p:transition xmlns:p14="http://schemas.microsoft.com/office/powerpoint/2010/main" spd="med"/>
 </p:sld>
 </file>
 
 <file path=ppt/slides/slide8.xml><?xml version="1.0" encoding="utf-8"?>
-<p:sld xmlns:a="http://schemas.openxmlformats.org/drawingml/2006/main" xmlns:r="http://schemas.openxmlformats.org/officeDocument/2006/relationships" xmlns:p="http://schemas.openxmlformats.org/presentationml/2006/main" showMasterSp="1" showMasterPhAnim="1">
+<p:sld xmlns:a="http://schemas.openxmlformats.org/drawingml/2006/main" xmlns:r="http://schemas.openxmlformats.org/officeDocument/2006/relationships" xmlns:p="http://schemas.openxmlformats.org/presentationml/2006/main">
   <p:cSld>
     <p:spTree>
       <p:nvGrpSpPr>
@@ -20047,7 +20305,9 @@
       <p:sp>
         <p:nvSpPr>
           <p:cNvPr id="54" name="Shape 54"/>
-          <p:cNvSpPr/>
+          <p:cNvSpPr>
+            <a:spLocks noGrp="1"/>
+          </p:cNvSpPr>
           <p:nvPr>
             <p:ph type="title"/>
           </p:nvPr>
@@ -20116,7 +20376,7 @@
               </a:defRPr>
             </a:pPr>
             <a:r>
-              <a:rPr b="1" sz="1500">
+              <a:rPr sz="1500" b="1">
                 <a:solidFill>
                   <a:srgbClr val="D78B40"/>
                 </a:solidFill>
@@ -20128,7 +20388,7 @@
               <a:t>class </a:t>
             </a:r>
             <a:r>
-              <a:rPr b="1" sz="1500">
+              <a:rPr sz="1500" b="1">
                 <a:solidFill>
                   <a:srgbClr val="B7C4D1"/>
                 </a:solidFill>
@@ -20175,7 +20435,7 @@
               <a:t>    </a:t>
             </a:r>
             <a:r>
-              <a:rPr i="1" sz="1500">
+              <a:rPr sz="1500" i="1">
                 <a:solidFill>
                   <a:srgbClr val="74A568"/>
                 </a:solidFill>
@@ -20187,7 +20447,7 @@
               <a:t>"""</a:t>
             </a:r>
             <a:br>
-              <a:rPr i="1" sz="1500">
+              <a:rPr sz="1500" i="1">
                 <a:solidFill>
                   <a:srgbClr val="74A568"/>
                 </a:solidFill>
@@ -20198,7 +20458,7 @@
               </a:rPr>
             </a:br>
             <a:r>
-              <a:rPr i="1" sz="1500">
+              <a:rPr sz="1500" i="1">
                 <a:solidFill>
                   <a:srgbClr val="74A568"/>
                 </a:solidFill>
@@ -20210,7 +20470,7 @@
               <a:t>    An Object for storing the sequence, feature type and annotation of the feature</a:t>
             </a:r>
             <a:br>
-              <a:rPr i="1" sz="1500">
+              <a:rPr sz="1500" i="1">
                 <a:solidFill>
                   <a:srgbClr val="74A568"/>
                 </a:solidFill>
@@ -20221,7 +20481,7 @@
               </a:rPr>
             </a:br>
             <a:r>
-              <a:rPr i="1" sz="1500">
+              <a:rPr sz="1500" i="1">
                 <a:solidFill>
                   <a:srgbClr val="74A568"/>
                 </a:solidFill>
@@ -20233,7 +20493,7 @@
               <a:t>    """</a:t>
             </a:r>
             <a:br>
-              <a:rPr i="1" sz="1500">
+              <a:rPr sz="1500" i="1">
                 <a:solidFill>
                   <a:srgbClr val="74A568"/>
                 </a:solidFill>
@@ -20244,7 +20504,7 @@
               </a:rPr>
             </a:br>
             <a:r>
-              <a:rPr i="1" sz="1500">
+              <a:rPr sz="1500" i="1">
                 <a:solidFill>
                   <a:srgbClr val="74A568"/>
                 </a:solidFill>
@@ -20256,7 +20516,7 @@
               <a:t>    </a:t>
             </a:r>
             <a:r>
-              <a:rPr b="1" sz="1500">
+              <a:rPr sz="1500" b="1">
                 <a:solidFill>
                   <a:srgbClr val="D78B40"/>
                 </a:solidFill>
@@ -20599,7 +20859,7 @@
               <a:t>    </a:t>
             </a:r>
             <a:r>
-              <a:rPr b="1" sz="1500">
+              <a:rPr sz="1500" b="1">
                 <a:solidFill>
                   <a:srgbClr val="D78B40"/>
                 </a:solidFill>
@@ -20682,7 +20942,7 @@
               <a:t>        </a:t>
             </a:r>
             <a:r>
-              <a:rPr b="1" sz="1500">
+              <a:rPr sz="1500" b="1">
                 <a:solidFill>
                   <a:srgbClr val="D78B40"/>
                 </a:solidFill>
@@ -20896,7 +21156,7 @@
                 <a:sym typeface="Menlo"/>
               </a:rPr>
             </a:br>
-            <a:br>
+            <a:r>
               <a:rPr sz="1500">
                 <a:solidFill>
                   <a:srgbClr val="B7C4D1"/>
@@ -20906,8 +21166,9 @@
                 <a:cs typeface="Menlo"/>
                 <a:sym typeface="Menlo"/>
               </a:rPr>
-            </a:br>
-            <a:r>
+              <a:t/>
+            </a:r>
+            <a:br>
               <a:rPr sz="1500">
                 <a:solidFill>
                   <a:srgbClr val="B7C4D1"/>
@@ -20917,10 +21178,21 @@
                 <a:cs typeface="Menlo"/>
                 <a:sym typeface="Menlo"/>
               </a:rPr>
+            </a:br>
+            <a:r>
+              <a:rPr sz="1500">
+                <a:solidFill>
+                  <a:srgbClr val="B7C4D1"/>
+                </a:solidFill>
+                <a:latin typeface="Menlo"/>
+                <a:ea typeface="Menlo"/>
+                <a:cs typeface="Menlo"/>
+                <a:sym typeface="Menlo"/>
+              </a:rPr>
               <a:t>    </a:t>
             </a:r>
             <a:r>
-              <a:rPr b="1" sz="1500">
+              <a:rPr sz="1500" b="1">
                 <a:solidFill>
                   <a:srgbClr val="D78B40"/>
                 </a:solidFill>
@@ -20932,7 +21204,7 @@
               <a:t>def </a:t>
             </a:r>
             <a:r>
-              <a:rPr b="1" sz="1500">
+              <a:rPr sz="1500" b="1">
                 <a:solidFill>
                   <a:srgbClr val="B7C4D1"/>
                 </a:solidFill>
@@ -21062,7 +21334,7 @@
               <a:t>    </a:t>
             </a:r>
             <a:r>
-              <a:rPr b="1" sz="1500">
+              <a:rPr sz="1500" b="1">
                 <a:solidFill>
                   <a:srgbClr val="D78B40"/>
                 </a:solidFill>
@@ -21074,7 +21346,7 @@
               <a:t>def </a:t>
             </a:r>
             <a:r>
-              <a:rPr b="1" sz="1500">
+              <a:rPr sz="1500" b="1">
                 <a:solidFill>
                   <a:srgbClr val="B7C4D1"/>
                 </a:solidFill>
@@ -21145,7 +21417,7 @@
               <a:t>        </a:t>
             </a:r>
             <a:r>
-              <a:rPr b="1" sz="1500">
+              <a:rPr sz="1500" b="1">
                 <a:solidFill>
                   <a:srgbClr val="D78B40"/>
                 </a:solidFill>
@@ -21180,15 +21452,6 @@
               </a:rPr>
               <a:t>.occurences</a:t>
             </a:r>
-            <a:endParaRPr sz="1500">
-              <a:solidFill>
-                <a:srgbClr val="B7C4D1"/>
-              </a:solidFill>
-              <a:latin typeface="Menlo"/>
-              <a:ea typeface="Menlo"/>
-              <a:cs typeface="Menlo"/>
-              <a:sym typeface="Menlo"/>
-            </a:endParaRPr>
           </a:p>
         </p:txBody>
       </p:sp>
@@ -21197,12 +21460,12 @@
   <p:clrMapOvr>
     <a:masterClrMapping/>
   </p:clrMapOvr>
-  <p:transition spd="med" advClick="1"/>
+  <p:transition xmlns:p14="http://schemas.microsoft.com/office/powerpoint/2010/main" spd="med"/>
 </p:sld>
 </file>
 
 <file path=ppt/slides/slide9.xml><?xml version="1.0" encoding="utf-8"?>
-<p:sld xmlns:a="http://schemas.openxmlformats.org/drawingml/2006/main" xmlns:r="http://schemas.openxmlformats.org/officeDocument/2006/relationships" xmlns:p="http://schemas.openxmlformats.org/presentationml/2006/main" showMasterSp="1" showMasterPhAnim="1">
+<p:sld xmlns:a="http://schemas.openxmlformats.org/drawingml/2006/main" xmlns:r="http://schemas.openxmlformats.org/officeDocument/2006/relationships" xmlns:p="http://schemas.openxmlformats.org/presentationml/2006/main">
   <p:cSld>
     <p:spTree>
       <p:nvGrpSpPr>
@@ -21221,7 +21484,9 @@
       <p:sp>
         <p:nvSpPr>
           <p:cNvPr id="57" name="Shape 57"/>
-          <p:cNvSpPr/>
+          <p:cNvSpPr>
+            <a:spLocks noGrp="1"/>
+          </p:cNvSpPr>
           <p:nvPr>
             <p:ph type="title"/>
           </p:nvPr>
@@ -21294,7 +21559,7 @@
               </a:defRPr>
             </a:pPr>
             <a:r>
-              <a:rPr b="1" sz="1500">
+              <a:rPr sz="1500" b="1">
                 <a:solidFill>
                   <a:srgbClr val="D78B40"/>
                 </a:solidFill>
@@ -21306,7 +21571,7 @@
               <a:t>def </a:t>
             </a:r>
             <a:r>
-              <a:rPr b="1" sz="1500">
+              <a:rPr sz="1500" b="1">
                 <a:solidFill>
                   <a:srgbClr val="B7C4D1"/>
                 </a:solidFill>
@@ -21353,7 +21618,7 @@
               <a:t>    </a:t>
             </a:r>
             <a:r>
-              <a:rPr i="1" sz="1500">
+              <a:rPr sz="1500" i="1">
                 <a:solidFill>
                   <a:srgbClr val="74A568"/>
                 </a:solidFill>
@@ -21365,7 +21630,7 @@
               <a:t>"""</a:t>
             </a:r>
             <a:br>
-              <a:rPr i="1" sz="1500">
+              <a:rPr sz="1500" i="1">
                 <a:solidFill>
                   <a:srgbClr val="74A568"/>
                 </a:solidFill>
@@ -21376,7 +21641,7 @@
               </a:rPr>
             </a:br>
             <a:r>
-              <a:rPr i="1" sz="1500">
+              <a:rPr sz="1500" i="1">
                 <a:solidFill>
                   <a:srgbClr val="74A568"/>
                 </a:solidFill>
@@ -21388,7 +21653,7 @@
               <a:t>    A generator</a:t>
             </a:r>
             <a:br>
-              <a:rPr i="1" sz="1500">
+              <a:rPr sz="1500" i="1">
                 <a:solidFill>
                   <a:srgbClr val="74A568"/>
                 </a:solidFill>
@@ -21399,7 +21664,7 @@
               </a:rPr>
             </a:br>
             <a:r>
-              <a:rPr i="1" sz="1500">
+              <a:rPr sz="1500" i="1">
                 <a:solidFill>
                   <a:srgbClr val="74A568"/>
                 </a:solidFill>
@@ -21411,7 +21676,7 @@
               <a:t>    </a:t>
             </a:r>
             <a:r>
-              <a:rPr b="1" i="1" sz="1500">
+              <a:rPr sz="1500" b="1" i="1">
                 <a:solidFill>
                   <a:srgbClr val="647F5C"/>
                 </a:solidFill>
@@ -21423,7 +21688,7 @@
               <a:t>:param</a:t>
             </a:r>
             <a:r>
-              <a:rPr i="1" sz="1500">
+              <a:rPr sz="1500" i="1">
                 <a:solidFill>
                   <a:srgbClr val="74A568"/>
                 </a:solidFill>
@@ -21435,7 +21700,7 @@
               <a:t> feature_type:</a:t>
             </a:r>
             <a:br>
-              <a:rPr i="1" sz="1500">
+              <a:rPr sz="1500" i="1">
                 <a:solidFill>
                   <a:srgbClr val="74A568"/>
                 </a:solidFill>
@@ -21446,7 +21711,7 @@
               </a:rPr>
             </a:br>
             <a:r>
-              <a:rPr i="1" sz="1500">
+              <a:rPr sz="1500" i="1">
                 <a:solidFill>
                   <a:srgbClr val="74A568"/>
                 </a:solidFill>
@@ -21458,7 +21723,7 @@
               <a:t>    </a:t>
             </a:r>
             <a:r>
-              <a:rPr b="1" i="1" sz="1500">
+              <a:rPr sz="1500" b="1" i="1">
                 <a:solidFill>
                   <a:srgbClr val="647F5C"/>
                 </a:solidFill>
@@ -21470,7 +21735,7 @@
               <a:t>:return</a:t>
             </a:r>
             <a:r>
-              <a:rPr i="1" sz="1500">
+              <a:rPr sz="1500" i="1">
                 <a:solidFill>
                   <a:srgbClr val="74A568"/>
                 </a:solidFill>
@@ -21482,7 +21747,7 @@
               <a:t>: a ResultObject with the desired sequence and annotation</a:t>
             </a:r>
             <a:br>
-              <a:rPr i="1" sz="1500">
+              <a:rPr sz="1500" i="1">
                 <a:solidFill>
                   <a:srgbClr val="74A568"/>
                 </a:solidFill>
@@ -21493,7 +21758,7 @@
               </a:rPr>
             </a:br>
             <a:r>
-              <a:rPr i="1" sz="1500">
+              <a:rPr sz="1500" i="1">
                 <a:solidFill>
                   <a:srgbClr val="74A568"/>
                 </a:solidFill>
@@ -21505,7 +21770,7 @@
               <a:t>    """</a:t>
             </a:r>
             <a:br>
-              <a:rPr i="1" sz="1500">
+              <a:rPr sz="1500" i="1">
                 <a:solidFill>
                   <a:srgbClr val="74A568"/>
                 </a:solidFill>
@@ -21516,7 +21781,7 @@
               </a:rPr>
             </a:br>
             <a:r>
-              <a:rPr i="1" sz="1500">
+              <a:rPr sz="1500" i="1">
                 <a:solidFill>
                   <a:srgbClr val="74A568"/>
                 </a:solidFill>
@@ -21528,7 +21793,7 @@
               <a:t>    </a:t>
             </a:r>
             <a:r>
-              <a:rPr b="1" sz="1500">
+              <a:rPr sz="1500" b="1">
                 <a:solidFill>
                   <a:srgbClr val="D78B40"/>
                 </a:solidFill>
@@ -21552,7 +21817,7 @@
               <a:t>record </a:t>
             </a:r>
             <a:r>
-              <a:rPr b="1" sz="1500">
+              <a:rPr sz="1500" b="1">
                 <a:solidFill>
                   <a:srgbClr val="D78B40"/>
                 </a:solidFill>
@@ -21599,7 +21864,7 @@
               <a:t>        </a:t>
             </a:r>
             <a:r>
-              <a:rPr b="1" sz="1500">
+              <a:rPr sz="1500" b="1">
                 <a:solidFill>
                   <a:srgbClr val="D78B40"/>
                 </a:solidFill>
@@ -21694,7 +21959,7 @@
               <a:t>            </a:t>
             </a:r>
             <a:r>
-              <a:rPr b="1" sz="1500">
+              <a:rPr sz="1500" b="1">
                 <a:solidFill>
                   <a:srgbClr val="D78B40"/>
                 </a:solidFill>
@@ -21718,7 +21983,7 @@
               <a:t>feature </a:t>
             </a:r>
             <a:r>
-              <a:rPr b="1" sz="1500">
+              <a:rPr sz="1500" b="1">
                 <a:solidFill>
                   <a:srgbClr val="D78B40"/>
                 </a:solidFill>
@@ -21765,7 +22030,7 @@
               <a:t>                </a:t>
             </a:r>
             <a:r>
-              <a:rPr b="1" sz="1500">
+              <a:rPr sz="1500" b="1">
                 <a:solidFill>
                   <a:srgbClr val="D78B40"/>
                 </a:solidFill>
@@ -21952,7 +22217,7 @@
               <a:t>                    </a:t>
             </a:r>
             <a:r>
-              <a:rPr b="1" sz="1500">
+              <a:rPr sz="1500" b="1">
                 <a:solidFill>
                   <a:srgbClr val="D78B40"/>
                 </a:solidFill>
@@ -21975,15 +22240,6 @@
               </a:rPr>
               <a:t>result</a:t>
             </a:r>
-            <a:endParaRPr sz="1500">
-              <a:solidFill>
-                <a:srgbClr val="B7C4D1"/>
-              </a:solidFill>
-              <a:latin typeface="Menlo"/>
-              <a:ea typeface="Menlo"/>
-              <a:cs typeface="Menlo"/>
-              <a:sym typeface="Menlo"/>
-            </a:endParaRPr>
           </a:p>
         </p:txBody>
       </p:sp>
@@ -21992,12 +22248,12 @@
   <p:clrMapOvr>
     <a:masterClrMapping/>
   </p:clrMapOvr>
-  <p:transition spd="med" advClick="1"/>
+  <p:transition xmlns:p14="http://schemas.microsoft.com/office/powerpoint/2010/main" spd="med"/>
 </p:sld>
 </file>
 
 <file path=ppt/theme/theme1.xml><?xml version="1.0" encoding="utf-8"?>
-<a:theme xmlns:a="http://schemas.openxmlformats.org/drawingml/2006/main" xmlns:r="http://schemas.openxmlformats.org/officeDocument/2006/relationships" name="Gradient">
+<a:theme xmlns:a="http://schemas.openxmlformats.org/drawingml/2006/main" name="Gradient">
   <a:themeElements>
     <a:clrScheme name="Gradient">
       <a:dk1>
@@ -22123,7 +22379,7 @@
       <a:effectStyleLst>
         <a:effectStyle>
           <a:effectLst>
-            <a:outerShdw sx="100000" sy="100000" kx="0" ky="0" algn="b" rotWithShape="0" blurRad="76200" dist="0" dir="18900000">
+            <a:outerShdw blurRad="76200" dir="18900000" rotWithShape="0">
               <a:srgbClr val="000000">
                 <a:alpha val="80000"/>
               </a:srgbClr>
@@ -22132,7 +22388,7 @@
         </a:effectStyle>
         <a:effectStyle>
           <a:effectLst>
-            <a:outerShdw sx="100000" sy="100000" kx="0" ky="0" algn="b" rotWithShape="0" blurRad="76200" dist="0" dir="18900000">
+            <a:outerShdw blurRad="76200" dir="18900000" rotWithShape="0">
               <a:srgbClr val="000000">
                 <a:alpha val="80000"/>
               </a:srgbClr>
@@ -22141,7 +22397,7 @@
         </a:effectStyle>
         <a:effectStyle>
           <a:effectLst>
-            <a:outerShdw sx="100000" sy="100000" kx="0" ky="0" algn="b" rotWithShape="0" blurRad="76200" dist="0" dir="18900000">
+            <a:outerShdw blurRad="76200" dir="18900000" rotWithShape="0">
               <a:srgbClr val="000000">
                 <a:alpha val="80000"/>
               </a:srgbClr>
@@ -22220,14 +22476,14 @@
           <a:miter lim="400000"/>
         </a:ln>
         <a:effectLst>
-          <a:outerShdw sx="100000" sy="100000" kx="0" ky="0" algn="b" rotWithShape="0" blurRad="76200" dist="0" dir="18900000">
+          <a:outerShdw blurRad="76200" dir="18900000" rotWithShape="0">
             <a:srgbClr val="000000">
               <a:alpha val="80000"/>
             </a:srgbClr>
           </a:outerShdw>
         </a:effectLst>
       </a:spPr>
-      <a:bodyPr rot="0" spcFirstLastPara="1" vertOverflow="overflow" horzOverflow="overflow" vert="horz" wrap="square" lIns="50800" tIns="50800" rIns="50800" bIns="50800" numCol="1" spcCol="38100" rtlCol="0" anchor="ctr" upright="0">
+      <a:bodyPr rot="0" spcFirstLastPara="1" vertOverflow="overflow" horzOverflow="overflow" vert="horz" wrap="square" lIns="50800" tIns="50800" rIns="50800" bIns="50800" numCol="1" spcCol="38100" rtlCol="0" anchor="ctr">
         <a:spAutoFit/>
       </a:bodyPr>
       <a:lstStyle>
@@ -22246,7 +22502,7 @@
           <a:buFontTx/>
           <a:buNone/>
           <a:tabLst/>
-          <a:defRPr b="0" baseline="0" cap="none" i="0" spc="0" strike="noStrike" sz="2400" u="none" kumimoji="0" normalizeH="0">
+          <a:defRPr kumimoji="0" sz="2400" b="0" i="0" u="none" strike="noStrike" cap="none" spc="0" normalizeH="0" baseline="0">
             <a:ln>
               <a:noFill/>
             </a:ln>
@@ -22254,7 +22510,7 @@
               <a:srgbClr val="FFFFFF"/>
             </a:solidFill>
             <a:effectLst>
-              <a:outerShdw sx="100000" sy="100000" kx="0" ky="0" algn="b" rotWithShape="0" blurRad="25400" dist="23998" dir="2700000">
+              <a:outerShdw blurRad="25400" dist="23998" dir="2700000" rotWithShape="0">
                 <a:srgbClr val="000000">
                   <a:alpha val="31034"/>
                 </a:srgbClr>
@@ -22282,7 +22538,7 @@
           <a:buFontTx/>
           <a:buNone/>
           <a:tabLst/>
-          <a:defRPr b="0" baseline="0" cap="none" i="0" spc="0" strike="noStrike" sz="1800" u="none" kumimoji="0" normalizeH="0">
+          <a:defRPr kumimoji="0" sz="1800" b="0" i="0" u="none" strike="noStrike" cap="none" spc="0" normalizeH="0" baseline="0">
             <a:ln>
               <a:noFill/>
             </a:ln>
@@ -22308,7 +22564,7 @@
           <a:buFontTx/>
           <a:buNone/>
           <a:tabLst/>
-          <a:defRPr b="0" baseline="0" cap="none" i="0" spc="0" strike="noStrike" sz="1800" u="none" kumimoji="0" normalizeH="0">
+          <a:defRPr kumimoji="0" sz="1800" b="0" i="0" u="none" strike="noStrike" cap="none" spc="0" normalizeH="0" baseline="0">
             <a:ln>
               <a:noFill/>
             </a:ln>
@@ -22334,7 +22590,7 @@
           <a:buFontTx/>
           <a:buNone/>
           <a:tabLst/>
-          <a:defRPr b="0" baseline="0" cap="none" i="0" spc="0" strike="noStrike" sz="1800" u="none" kumimoji="0" normalizeH="0">
+          <a:defRPr kumimoji="0" sz="1800" b="0" i="0" u="none" strike="noStrike" cap="none" spc="0" normalizeH="0" baseline="0">
             <a:ln>
               <a:noFill/>
             </a:ln>
@@ -22360,7 +22616,7 @@
           <a:buFontTx/>
           <a:buNone/>
           <a:tabLst/>
-          <a:defRPr b="0" baseline="0" cap="none" i="0" spc="0" strike="noStrike" sz="1800" u="none" kumimoji="0" normalizeH="0">
+          <a:defRPr kumimoji="0" sz="1800" b="0" i="0" u="none" strike="noStrike" cap="none" spc="0" normalizeH="0" baseline="0">
             <a:ln>
               <a:noFill/>
             </a:ln>
@@ -22386,7 +22642,7 @@
           <a:buFontTx/>
           <a:buNone/>
           <a:tabLst/>
-          <a:defRPr b="0" baseline="0" cap="none" i="0" spc="0" strike="noStrike" sz="1800" u="none" kumimoji="0" normalizeH="0">
+          <a:defRPr kumimoji="0" sz="1800" b="0" i="0" u="none" strike="noStrike" cap="none" spc="0" normalizeH="0" baseline="0">
             <a:ln>
               <a:noFill/>
             </a:ln>
@@ -22412,7 +22668,7 @@
           <a:buFontTx/>
           <a:buNone/>
           <a:tabLst/>
-          <a:defRPr b="0" baseline="0" cap="none" i="0" spc="0" strike="noStrike" sz="1800" u="none" kumimoji="0" normalizeH="0">
+          <a:defRPr kumimoji="0" sz="1800" b="0" i="0" u="none" strike="noStrike" cap="none" spc="0" normalizeH="0" baseline="0">
             <a:ln>
               <a:noFill/>
             </a:ln>
@@ -22438,7 +22694,7 @@
           <a:buFontTx/>
           <a:buNone/>
           <a:tabLst/>
-          <a:defRPr b="0" baseline="0" cap="none" i="0" spc="0" strike="noStrike" sz="1800" u="none" kumimoji="0" normalizeH="0">
+          <a:defRPr kumimoji="0" sz="1800" b="0" i="0" u="none" strike="noStrike" cap="none" spc="0" normalizeH="0" baseline="0">
             <a:ln>
               <a:noFill/>
             </a:ln>
@@ -22464,7 +22720,7 @@
           <a:buFontTx/>
           <a:buNone/>
           <a:tabLst/>
-          <a:defRPr b="0" baseline="0" cap="none" i="0" spc="0" strike="noStrike" sz="1800" u="none" kumimoji="0" normalizeH="0">
+          <a:defRPr kumimoji="0" sz="1800" b="0" i="0" u="none" strike="noStrike" cap="none" spc="0" normalizeH="0" baseline="0">
             <a:ln>
               <a:noFill/>
             </a:ln>
@@ -22490,7 +22746,7 @@
           <a:buFontTx/>
           <a:buNone/>
           <a:tabLst/>
-          <a:defRPr b="0" baseline="0" cap="none" i="0" spc="0" strike="noStrike" sz="1800" u="none" kumimoji="0" normalizeH="0">
+          <a:defRPr kumimoji="0" sz="1800" b="0" i="0" u="none" strike="noStrike" cap="none" spc="0" normalizeH="0" baseline="0">
             <a:ln>
               <a:noFill/>
             </a:ln>
@@ -22503,9 +22759,15 @@
         </a:lvl9pPr>
       </a:lstStyle>
       <a:style>
-        <a:lnRef idx="0"/>
-        <a:fillRef idx="0"/>
-        <a:effectRef idx="0"/>
+        <a:lnRef idx="0">
+          <a:scrgbClr r="0" g="0" b="0"/>
+        </a:lnRef>
+        <a:fillRef idx="0">
+          <a:scrgbClr r="0" g="0" b="0"/>
+        </a:fillRef>
+        <a:effectRef idx="0">
+          <a:scrgbClr r="0" g="0" b="0"/>
+        </a:effectRef>
         <a:fontRef idx="none"/>
       </a:style>
     </a:spDef>
@@ -22521,7 +22783,7 @@
         </a:ln>
         <a:effectLst/>
       </a:spPr>
-      <a:bodyPr rot="0" spcFirstLastPara="1" vertOverflow="overflow" horzOverflow="overflow" vert="horz" wrap="square" lIns="91439" tIns="45719" rIns="91439" bIns="45719" numCol="1" spcCol="38100" rtlCol="0" anchor="t" upright="0">
+      <a:bodyPr rot="0" spcFirstLastPara="1" vertOverflow="overflow" horzOverflow="overflow" vert="horz" wrap="square" lIns="91439" tIns="45719" rIns="91439" bIns="45719" numCol="1" spcCol="38100" rtlCol="0" anchor="t">
         <a:noAutofit/>
       </a:bodyPr>
       <a:lstStyle>
@@ -22540,7 +22802,7 @@
           <a:buFontTx/>
           <a:buNone/>
           <a:tabLst/>
-          <a:defRPr b="0" baseline="0" cap="none" i="0" spc="0" strike="noStrike" sz="1800" u="none" kumimoji="0" normalizeH="0">
+          <a:defRPr kumimoji="0" sz="1800" b="0" i="0" u="none" strike="noStrike" cap="none" spc="0" normalizeH="0" baseline="0">
             <a:ln>
               <a:noFill/>
             </a:ln>
@@ -22566,7 +22828,7 @@
           <a:buFontTx/>
           <a:buNone/>
           <a:tabLst/>
-          <a:defRPr b="0" baseline="0" cap="none" i="0" spc="0" strike="noStrike" sz="1800" u="none" kumimoji="0" normalizeH="0">
+          <a:defRPr kumimoji="0" sz="1800" b="0" i="0" u="none" strike="noStrike" cap="none" spc="0" normalizeH="0" baseline="0">
             <a:ln>
               <a:noFill/>
             </a:ln>
@@ -22592,7 +22854,7 @@
           <a:buFontTx/>
           <a:buNone/>
           <a:tabLst/>
-          <a:defRPr b="0" baseline="0" cap="none" i="0" spc="0" strike="noStrike" sz="1800" u="none" kumimoji="0" normalizeH="0">
+          <a:defRPr kumimoji="0" sz="1800" b="0" i="0" u="none" strike="noStrike" cap="none" spc="0" normalizeH="0" baseline="0">
             <a:ln>
               <a:noFill/>
             </a:ln>
@@ -22618,7 +22880,7 @@
           <a:buFontTx/>
           <a:buNone/>
           <a:tabLst/>
-          <a:defRPr b="0" baseline="0" cap="none" i="0" spc="0" strike="noStrike" sz="1800" u="none" kumimoji="0" normalizeH="0">
+          <a:defRPr kumimoji="0" sz="1800" b="0" i="0" u="none" strike="noStrike" cap="none" spc="0" normalizeH="0" baseline="0">
             <a:ln>
               <a:noFill/>
             </a:ln>
@@ -22644,7 +22906,7 @@
           <a:buFontTx/>
           <a:buNone/>
           <a:tabLst/>
-          <a:defRPr b="0" baseline="0" cap="none" i="0" spc="0" strike="noStrike" sz="1800" u="none" kumimoji="0" normalizeH="0">
+          <a:defRPr kumimoji="0" sz="1800" b="0" i="0" u="none" strike="noStrike" cap="none" spc="0" normalizeH="0" baseline="0">
             <a:ln>
               <a:noFill/>
             </a:ln>
@@ -22670,7 +22932,7 @@
           <a:buFontTx/>
           <a:buNone/>
           <a:tabLst/>
-          <a:defRPr b="0" baseline="0" cap="none" i="0" spc="0" strike="noStrike" sz="1800" u="none" kumimoji="0" normalizeH="0">
+          <a:defRPr kumimoji="0" sz="1800" b="0" i="0" u="none" strike="noStrike" cap="none" spc="0" normalizeH="0" baseline="0">
             <a:ln>
               <a:noFill/>
             </a:ln>
@@ -22696,7 +22958,7 @@
           <a:buFontTx/>
           <a:buNone/>
           <a:tabLst/>
-          <a:defRPr b="0" baseline="0" cap="none" i="0" spc="0" strike="noStrike" sz="1800" u="none" kumimoji="0" normalizeH="0">
+          <a:defRPr kumimoji="0" sz="1800" b="0" i="0" u="none" strike="noStrike" cap="none" spc="0" normalizeH="0" baseline="0">
             <a:ln>
               <a:noFill/>
             </a:ln>
@@ -22722,7 +22984,7 @@
           <a:buFontTx/>
           <a:buNone/>
           <a:tabLst/>
-          <a:defRPr b="0" baseline="0" cap="none" i="0" spc="0" strike="noStrike" sz="1800" u="none" kumimoji="0" normalizeH="0">
+          <a:defRPr kumimoji="0" sz="1800" b="0" i="0" u="none" strike="noStrike" cap="none" spc="0" normalizeH="0" baseline="0">
             <a:ln>
               <a:noFill/>
             </a:ln>
@@ -22748,7 +23010,7 @@
           <a:buFontTx/>
           <a:buNone/>
           <a:tabLst/>
-          <a:defRPr b="0" baseline="0" cap="none" i="0" spc="0" strike="noStrike" sz="1800" u="none" kumimoji="0" normalizeH="0">
+          <a:defRPr kumimoji="0" sz="1800" b="0" i="0" u="none" strike="noStrike" cap="none" spc="0" normalizeH="0" baseline="0">
             <a:ln>
               <a:noFill/>
             </a:ln>
@@ -22774,7 +23036,7 @@
           <a:buFontTx/>
           <a:buNone/>
           <a:tabLst/>
-          <a:defRPr b="0" baseline="0" cap="none" i="0" spc="0" strike="noStrike" sz="1800" u="none" kumimoji="0" normalizeH="0">
+          <a:defRPr kumimoji="0" sz="1800" b="0" i="0" u="none" strike="noStrike" cap="none" spc="0" normalizeH="0" baseline="0">
             <a:ln>
               <a:noFill/>
             </a:ln>
@@ -22787,9 +23049,15 @@
         </a:lvl9pPr>
       </a:lstStyle>
       <a:style>
-        <a:lnRef idx="0"/>
-        <a:fillRef idx="0"/>
-        <a:effectRef idx="0"/>
+        <a:lnRef idx="0">
+          <a:scrgbClr r="0" g="0" b="0"/>
+        </a:lnRef>
+        <a:fillRef idx="0">
+          <a:scrgbClr r="0" g="0" b="0"/>
+        </a:fillRef>
+        <a:effectRef idx="0">
+          <a:scrgbClr r="0" g="0" b="0"/>
+        </a:effectRef>
         <a:fontRef idx="none"/>
       </a:style>
     </a:lnDef>
@@ -22802,7 +23070,7 @@
         </a:ln>
         <a:effectLst/>
       </a:spPr>
-      <a:bodyPr rot="0" spcFirstLastPara="1" vertOverflow="overflow" horzOverflow="overflow" vert="horz" wrap="square" lIns="50800" tIns="50800" rIns="50800" bIns="50800" numCol="1" spcCol="38100" rtlCol="0" anchor="ctr" upright="0">
+      <a:bodyPr rot="0" spcFirstLastPara="1" vertOverflow="overflow" horzOverflow="overflow" vert="horz" wrap="square" lIns="50800" tIns="50800" rIns="50800" bIns="50800" numCol="1" spcCol="38100" rtlCol="0" anchor="ctr">
         <a:spAutoFit/>
       </a:bodyPr>
       <a:lstStyle>
@@ -22821,7 +23089,7 @@
           <a:buFontTx/>
           <a:buNone/>
           <a:tabLst/>
-          <a:defRPr b="0" baseline="0" cap="none" i="0" spc="0" strike="noStrike" sz="3800" u="none" kumimoji="0" normalizeH="0">
+          <a:defRPr kumimoji="0" sz="3800" b="0" i="0" u="none" strike="noStrike" cap="none" spc="0" normalizeH="0" baseline="0">
             <a:ln>
               <a:noFill/>
             </a:ln>
@@ -22851,7 +23119,7 @@
           <a:buFontTx/>
           <a:buNone/>
           <a:tabLst/>
-          <a:defRPr b="0" baseline="0" cap="none" i="0" spc="0" strike="noStrike" sz="1800" u="none" kumimoji="0" normalizeH="0">
+          <a:defRPr kumimoji="0" sz="1800" b="0" i="0" u="none" strike="noStrike" cap="none" spc="0" normalizeH="0" baseline="0">
             <a:ln>
               <a:noFill/>
             </a:ln>
@@ -22877,7 +23145,7 @@
           <a:buFontTx/>
           <a:buNone/>
           <a:tabLst/>
-          <a:defRPr b="0" baseline="0" cap="none" i="0" spc="0" strike="noStrike" sz="1800" u="none" kumimoji="0" normalizeH="0">
+          <a:defRPr kumimoji="0" sz="1800" b="0" i="0" u="none" strike="noStrike" cap="none" spc="0" normalizeH="0" baseline="0">
             <a:ln>
               <a:noFill/>
             </a:ln>
@@ -22903,7 +23171,7 @@
           <a:buFontTx/>
           <a:buNone/>
           <a:tabLst/>
-          <a:defRPr b="0" baseline="0" cap="none" i="0" spc="0" strike="noStrike" sz="1800" u="none" kumimoji="0" normalizeH="0">
+          <a:defRPr kumimoji="0" sz="1800" b="0" i="0" u="none" strike="noStrike" cap="none" spc="0" normalizeH="0" baseline="0">
             <a:ln>
               <a:noFill/>
             </a:ln>
@@ -22929,7 +23197,7 @@
           <a:buFontTx/>
           <a:buNone/>
           <a:tabLst/>
-          <a:defRPr b="0" baseline="0" cap="none" i="0" spc="0" strike="noStrike" sz="1800" u="none" kumimoji="0" normalizeH="0">
+          <a:defRPr kumimoji="0" sz="1800" b="0" i="0" u="none" strike="noStrike" cap="none" spc="0" normalizeH="0" baseline="0">
             <a:ln>
               <a:noFill/>
             </a:ln>
@@ -22955,7 +23223,7 @@
           <a:buFontTx/>
           <a:buNone/>
           <a:tabLst/>
-          <a:defRPr b="0" baseline="0" cap="none" i="0" spc="0" strike="noStrike" sz="1800" u="none" kumimoji="0" normalizeH="0">
+          <a:defRPr kumimoji="0" sz="1800" b="0" i="0" u="none" strike="noStrike" cap="none" spc="0" normalizeH="0" baseline="0">
             <a:ln>
               <a:noFill/>
             </a:ln>
@@ -22981,7 +23249,7 @@
           <a:buFontTx/>
           <a:buNone/>
           <a:tabLst/>
-          <a:defRPr b="0" baseline="0" cap="none" i="0" spc="0" strike="noStrike" sz="1800" u="none" kumimoji="0" normalizeH="0">
+          <a:defRPr kumimoji="0" sz="1800" b="0" i="0" u="none" strike="noStrike" cap="none" spc="0" normalizeH="0" baseline="0">
             <a:ln>
               <a:noFill/>
             </a:ln>
@@ -23007,7 +23275,7 @@
           <a:buFontTx/>
           <a:buNone/>
           <a:tabLst/>
-          <a:defRPr b="0" baseline="0" cap="none" i="0" spc="0" strike="noStrike" sz="1800" u="none" kumimoji="0" normalizeH="0">
+          <a:defRPr kumimoji="0" sz="1800" b="0" i="0" u="none" strike="noStrike" cap="none" spc="0" normalizeH="0" baseline="0">
             <a:ln>
               <a:noFill/>
             </a:ln>
@@ -23033,7 +23301,7 @@
           <a:buFontTx/>
           <a:buNone/>
           <a:tabLst/>
-          <a:defRPr b="0" baseline="0" cap="none" i="0" spc="0" strike="noStrike" sz="1800" u="none" kumimoji="0" normalizeH="0">
+          <a:defRPr kumimoji="0" sz="1800" b="0" i="0" u="none" strike="noStrike" cap="none" spc="0" normalizeH="0" baseline="0">
             <a:ln>
               <a:noFill/>
             </a:ln>
@@ -23059,7 +23327,7 @@
           <a:buFontTx/>
           <a:buNone/>
           <a:tabLst/>
-          <a:defRPr b="0" baseline="0" cap="none" i="0" spc="0" strike="noStrike" sz="1800" u="none" kumimoji="0" normalizeH="0">
+          <a:defRPr kumimoji="0" sz="1800" b="0" i="0" u="none" strike="noStrike" cap="none" spc="0" normalizeH="0" baseline="0">
             <a:ln>
               <a:noFill/>
             </a:ln>
@@ -23072,18 +23340,25 @@
         </a:lvl9pPr>
       </a:lstStyle>
       <a:style>
-        <a:lnRef idx="0"/>
-        <a:fillRef idx="0"/>
-        <a:effectRef idx="0"/>
+        <a:lnRef idx="0">
+          <a:scrgbClr r="0" g="0" b="0"/>
+        </a:lnRef>
+        <a:fillRef idx="0">
+          <a:scrgbClr r="0" g="0" b="0"/>
+        </a:fillRef>
+        <a:effectRef idx="0">
+          <a:scrgbClr r="0" g="0" b="0"/>
+        </a:effectRef>
         <a:fontRef idx="none"/>
       </a:style>
     </a:txDef>
   </a:objectDefaults>
+  <a:extraClrSchemeLst/>
 </a:theme>
 </file>
 
 <file path=ppt/theme/theme2.xml><?xml version="1.0" encoding="utf-8"?>
-<a:theme xmlns:a="http://schemas.openxmlformats.org/drawingml/2006/main" xmlns:r="http://schemas.openxmlformats.org/officeDocument/2006/relationships" name="Gradient">
+<a:theme xmlns:a="http://schemas.openxmlformats.org/drawingml/2006/main" name="Gradient">
   <a:themeElements>
     <a:clrScheme name="Gradient">
       <a:dk1>
@@ -23209,7 +23484,7 @@
       <a:effectStyleLst>
         <a:effectStyle>
           <a:effectLst>
-            <a:outerShdw sx="100000" sy="100000" kx="0" ky="0" algn="b" rotWithShape="0" blurRad="76200" dist="0" dir="18900000">
+            <a:outerShdw blurRad="76200" dir="18900000" rotWithShape="0">
               <a:srgbClr val="000000">
                 <a:alpha val="80000"/>
               </a:srgbClr>
@@ -23218,7 +23493,7 @@
         </a:effectStyle>
         <a:effectStyle>
           <a:effectLst>
-            <a:outerShdw sx="100000" sy="100000" kx="0" ky="0" algn="b" rotWithShape="0" blurRad="76200" dist="0" dir="18900000">
+            <a:outerShdw blurRad="76200" dir="18900000" rotWithShape="0">
               <a:srgbClr val="000000">
                 <a:alpha val="80000"/>
               </a:srgbClr>
@@ -23227,7 +23502,7 @@
         </a:effectStyle>
         <a:effectStyle>
           <a:effectLst>
-            <a:outerShdw sx="100000" sy="100000" kx="0" ky="0" algn="b" rotWithShape="0" blurRad="76200" dist="0" dir="18900000">
+            <a:outerShdw blurRad="76200" dir="18900000" rotWithShape="0">
               <a:srgbClr val="000000">
                 <a:alpha val="80000"/>
               </a:srgbClr>
@@ -23306,14 +23581,14 @@
           <a:miter lim="400000"/>
         </a:ln>
         <a:effectLst>
-          <a:outerShdw sx="100000" sy="100000" kx="0" ky="0" algn="b" rotWithShape="0" blurRad="76200" dist="0" dir="18900000">
+          <a:outerShdw blurRad="76200" dir="18900000" rotWithShape="0">
             <a:srgbClr val="000000">
               <a:alpha val="80000"/>
             </a:srgbClr>
           </a:outerShdw>
         </a:effectLst>
       </a:spPr>
-      <a:bodyPr rot="0" spcFirstLastPara="1" vertOverflow="overflow" horzOverflow="overflow" vert="horz" wrap="square" lIns="50800" tIns="50800" rIns="50800" bIns="50800" numCol="1" spcCol="38100" rtlCol="0" anchor="ctr" upright="0">
+      <a:bodyPr rot="0" spcFirstLastPara="1" vertOverflow="overflow" horzOverflow="overflow" vert="horz" wrap="square" lIns="50800" tIns="50800" rIns="50800" bIns="50800" numCol="1" spcCol="38100" rtlCol="0" anchor="ctr">
         <a:spAutoFit/>
       </a:bodyPr>
       <a:lstStyle>
@@ -23332,7 +23607,7 @@
           <a:buFontTx/>
           <a:buNone/>
           <a:tabLst/>
-          <a:defRPr b="0" baseline="0" cap="none" i="0" spc="0" strike="noStrike" sz="2400" u="none" kumimoji="0" normalizeH="0">
+          <a:defRPr kumimoji="0" sz="2400" b="0" i="0" u="none" strike="noStrike" cap="none" spc="0" normalizeH="0" baseline="0">
             <a:ln>
               <a:noFill/>
             </a:ln>
@@ -23340,7 +23615,7 @@
               <a:srgbClr val="FFFFFF"/>
             </a:solidFill>
             <a:effectLst>
-              <a:outerShdw sx="100000" sy="100000" kx="0" ky="0" algn="b" rotWithShape="0" blurRad="25400" dist="23998" dir="2700000">
+              <a:outerShdw blurRad="25400" dist="23998" dir="2700000" rotWithShape="0">
                 <a:srgbClr val="000000">
                   <a:alpha val="31034"/>
                 </a:srgbClr>
@@ -23368,7 +23643,7 @@
           <a:buFontTx/>
           <a:buNone/>
           <a:tabLst/>
-          <a:defRPr b="0" baseline="0" cap="none" i="0" spc="0" strike="noStrike" sz="1800" u="none" kumimoji="0" normalizeH="0">
+          <a:defRPr kumimoji="0" sz="1800" b="0" i="0" u="none" strike="noStrike" cap="none" spc="0" normalizeH="0" baseline="0">
             <a:ln>
               <a:noFill/>
             </a:ln>
@@ -23394,7 +23669,7 @@
           <a:buFontTx/>
           <a:buNone/>
           <a:tabLst/>
-          <a:defRPr b="0" baseline="0" cap="none" i="0" spc="0" strike="noStrike" sz="1800" u="none" kumimoji="0" normalizeH="0">
+          <a:defRPr kumimoji="0" sz="1800" b="0" i="0" u="none" strike="noStrike" cap="none" spc="0" normalizeH="0" baseline="0">
             <a:ln>
               <a:noFill/>
             </a:ln>
@@ -23420,7 +23695,7 @@
           <a:buFontTx/>
           <a:buNone/>
           <a:tabLst/>
-          <a:defRPr b="0" baseline="0" cap="none" i="0" spc="0" strike="noStrike" sz="1800" u="none" kumimoji="0" normalizeH="0">
+          <a:defRPr kumimoji="0" sz="1800" b="0" i="0" u="none" strike="noStrike" cap="none" spc="0" normalizeH="0" baseline="0">
             <a:ln>
               <a:noFill/>
             </a:ln>
@@ -23446,7 +23721,7 @@
           <a:buFontTx/>
           <a:buNone/>
           <a:tabLst/>
-          <a:defRPr b="0" baseline="0" cap="none" i="0" spc="0" strike="noStrike" sz="1800" u="none" kumimoji="0" normalizeH="0">
+          <a:defRPr kumimoji="0" sz="1800" b="0" i="0" u="none" strike="noStrike" cap="none" spc="0" normalizeH="0" baseline="0">
             <a:ln>
               <a:noFill/>
             </a:ln>
@@ -23472,7 +23747,7 @@
           <a:buFontTx/>
           <a:buNone/>
           <a:tabLst/>
-          <a:defRPr b="0" baseline="0" cap="none" i="0" spc="0" strike="noStrike" sz="1800" u="none" kumimoji="0" normalizeH="0">
+          <a:defRPr kumimoji="0" sz="1800" b="0" i="0" u="none" strike="noStrike" cap="none" spc="0" normalizeH="0" baseline="0">
             <a:ln>
               <a:noFill/>
             </a:ln>
@@ -23498,7 +23773,7 @@
           <a:buFontTx/>
           <a:buNone/>
           <a:tabLst/>
-          <a:defRPr b="0" baseline="0" cap="none" i="0" spc="0" strike="noStrike" sz="1800" u="none" kumimoji="0" normalizeH="0">
+          <a:defRPr kumimoji="0" sz="1800" b="0" i="0" u="none" strike="noStrike" cap="none" spc="0" normalizeH="0" baseline="0">
             <a:ln>
               <a:noFill/>
             </a:ln>
@@ -23524,7 +23799,7 @@
           <a:buFontTx/>
           <a:buNone/>
           <a:tabLst/>
-          <a:defRPr b="0" baseline="0" cap="none" i="0" spc="0" strike="noStrike" sz="1800" u="none" kumimoji="0" normalizeH="0">
+          <a:defRPr kumimoji="0" sz="1800" b="0" i="0" u="none" strike="noStrike" cap="none" spc="0" normalizeH="0" baseline="0">
             <a:ln>
               <a:noFill/>
             </a:ln>
@@ -23550,7 +23825,7 @@
           <a:buFontTx/>
           <a:buNone/>
           <a:tabLst/>
-          <a:defRPr b="0" baseline="0" cap="none" i="0" spc="0" strike="noStrike" sz="1800" u="none" kumimoji="0" normalizeH="0">
+          <a:defRPr kumimoji="0" sz="1800" b="0" i="0" u="none" strike="noStrike" cap="none" spc="0" normalizeH="0" baseline="0">
             <a:ln>
               <a:noFill/>
             </a:ln>
@@ -23576,7 +23851,7 @@
           <a:buFontTx/>
           <a:buNone/>
           <a:tabLst/>
-          <a:defRPr b="0" baseline="0" cap="none" i="0" spc="0" strike="noStrike" sz="1800" u="none" kumimoji="0" normalizeH="0">
+          <a:defRPr kumimoji="0" sz="1800" b="0" i="0" u="none" strike="noStrike" cap="none" spc="0" normalizeH="0" baseline="0">
             <a:ln>
               <a:noFill/>
             </a:ln>
@@ -23589,9 +23864,15 @@
         </a:lvl9pPr>
       </a:lstStyle>
       <a:style>
-        <a:lnRef idx="0"/>
-        <a:fillRef idx="0"/>
-        <a:effectRef idx="0"/>
+        <a:lnRef idx="0">
+          <a:scrgbClr r="0" g="0" b="0"/>
+        </a:lnRef>
+        <a:fillRef idx="0">
+          <a:scrgbClr r="0" g="0" b="0"/>
+        </a:fillRef>
+        <a:effectRef idx="0">
+          <a:scrgbClr r="0" g="0" b="0"/>
+        </a:effectRef>
         <a:fontRef idx="none"/>
       </a:style>
     </a:spDef>
@@ -23607,7 +23888,7 @@
         </a:ln>
         <a:effectLst/>
       </a:spPr>
-      <a:bodyPr rot="0" spcFirstLastPara="1" vertOverflow="overflow" horzOverflow="overflow" vert="horz" wrap="square" lIns="91439" tIns="45719" rIns="91439" bIns="45719" numCol="1" spcCol="38100" rtlCol="0" anchor="t" upright="0">
+      <a:bodyPr rot="0" spcFirstLastPara="1" vertOverflow="overflow" horzOverflow="overflow" vert="horz" wrap="square" lIns="91439" tIns="45719" rIns="91439" bIns="45719" numCol="1" spcCol="38100" rtlCol="0" anchor="t">
         <a:noAutofit/>
       </a:bodyPr>
       <a:lstStyle>
@@ -23626,7 +23907,7 @@
           <a:buFontTx/>
           <a:buNone/>
           <a:tabLst/>
-          <a:defRPr b="0" baseline="0" cap="none" i="0" spc="0" strike="noStrike" sz="1800" u="none" kumimoji="0" normalizeH="0">
+          <a:defRPr kumimoji="0" sz="1800" b="0" i="0" u="none" strike="noStrike" cap="none" spc="0" normalizeH="0" baseline="0">
             <a:ln>
               <a:noFill/>
             </a:ln>
@@ -23652,7 +23933,7 @@
           <a:buFontTx/>
           <a:buNone/>
           <a:tabLst/>
-          <a:defRPr b="0" baseline="0" cap="none" i="0" spc="0" strike="noStrike" sz="1800" u="none" kumimoji="0" normalizeH="0">
+          <a:defRPr kumimoji="0" sz="1800" b="0" i="0" u="none" strike="noStrike" cap="none" spc="0" normalizeH="0" baseline="0">
             <a:ln>
               <a:noFill/>
             </a:ln>
@@ -23678,7 +23959,7 @@
           <a:buFontTx/>
           <a:buNone/>
           <a:tabLst/>
-          <a:defRPr b="0" baseline="0" cap="none" i="0" spc="0" strike="noStrike" sz="1800" u="none" kumimoji="0" normalizeH="0">
+          <a:defRPr kumimoji="0" sz="1800" b="0" i="0" u="none" strike="noStrike" cap="none" spc="0" normalizeH="0" baseline="0">
             <a:ln>
               <a:noFill/>
             </a:ln>
@@ -23704,7 +23985,7 @@
           <a:buFontTx/>
           <a:buNone/>
           <a:tabLst/>
-          <a:defRPr b="0" baseline="0" cap="none" i="0" spc="0" strike="noStrike" sz="1800" u="none" kumimoji="0" normalizeH="0">
+          <a:defRPr kumimoji="0" sz="1800" b="0" i="0" u="none" strike="noStrike" cap="none" spc="0" normalizeH="0" baseline="0">
             <a:ln>
               <a:noFill/>
             </a:ln>
@@ -23730,7 +24011,7 @@
           <a:buFontTx/>
           <a:buNone/>
           <a:tabLst/>
-          <a:defRPr b="0" baseline="0" cap="none" i="0" spc="0" strike="noStrike" sz="1800" u="none" kumimoji="0" normalizeH="0">
+          <a:defRPr kumimoji="0" sz="1800" b="0" i="0" u="none" strike="noStrike" cap="none" spc="0" normalizeH="0" baseline="0">
             <a:ln>
               <a:noFill/>
             </a:ln>
@@ -23756,7 +24037,7 @@
           <a:buFontTx/>
           <a:buNone/>
           <a:tabLst/>
-          <a:defRPr b="0" baseline="0" cap="none" i="0" spc="0" strike="noStrike" sz="1800" u="none" kumimoji="0" normalizeH="0">
+          <a:defRPr kumimoji="0" sz="1800" b="0" i="0" u="none" strike="noStrike" cap="none" spc="0" normalizeH="0" baseline="0">
             <a:ln>
               <a:noFill/>
             </a:ln>
@@ -23782,7 +24063,7 @@
           <a:buFontTx/>
           <a:buNone/>
           <a:tabLst/>
-          <a:defRPr b="0" baseline="0" cap="none" i="0" spc="0" strike="noStrike" sz="1800" u="none" kumimoji="0" normalizeH="0">
+          <a:defRPr kumimoji="0" sz="1800" b="0" i="0" u="none" strike="noStrike" cap="none" spc="0" normalizeH="0" baseline="0">
             <a:ln>
               <a:noFill/>
             </a:ln>
@@ -23808,7 +24089,7 @@
           <a:buFontTx/>
           <a:buNone/>
           <a:tabLst/>
-          <a:defRPr b="0" baseline="0" cap="none" i="0" spc="0" strike="noStrike" sz="1800" u="none" kumimoji="0" normalizeH="0">
+          <a:defRPr kumimoji="0" sz="1800" b="0" i="0" u="none" strike="noStrike" cap="none" spc="0" normalizeH="0" baseline="0">
             <a:ln>
               <a:noFill/>
             </a:ln>
@@ -23834,7 +24115,7 @@
           <a:buFontTx/>
           <a:buNone/>
           <a:tabLst/>
-          <a:defRPr b="0" baseline="0" cap="none" i="0" spc="0" strike="noStrike" sz="1800" u="none" kumimoji="0" normalizeH="0">
+          <a:defRPr kumimoji="0" sz="1800" b="0" i="0" u="none" strike="noStrike" cap="none" spc="0" normalizeH="0" baseline="0">
             <a:ln>
               <a:noFill/>
             </a:ln>
@@ -23860,7 +24141,7 @@
           <a:buFontTx/>
           <a:buNone/>
           <a:tabLst/>
-          <a:defRPr b="0" baseline="0" cap="none" i="0" spc="0" strike="noStrike" sz="1800" u="none" kumimoji="0" normalizeH="0">
+          <a:defRPr kumimoji="0" sz="1800" b="0" i="0" u="none" strike="noStrike" cap="none" spc="0" normalizeH="0" baseline="0">
             <a:ln>
               <a:noFill/>
             </a:ln>
@@ -23873,9 +24154,15 @@
         </a:lvl9pPr>
       </a:lstStyle>
       <a:style>
-        <a:lnRef idx="0"/>
-        <a:fillRef idx="0"/>
-        <a:effectRef idx="0"/>
+        <a:lnRef idx="0">
+          <a:scrgbClr r="0" g="0" b="0"/>
+        </a:lnRef>
+        <a:fillRef idx="0">
+          <a:scrgbClr r="0" g="0" b="0"/>
+        </a:fillRef>
+        <a:effectRef idx="0">
+          <a:scrgbClr r="0" g="0" b="0"/>
+        </a:effectRef>
         <a:fontRef idx="none"/>
       </a:style>
     </a:lnDef>
@@ -23888,7 +24175,7 @@
         </a:ln>
         <a:effectLst/>
       </a:spPr>
-      <a:bodyPr rot="0" spcFirstLastPara="1" vertOverflow="overflow" horzOverflow="overflow" vert="horz" wrap="square" lIns="50800" tIns="50800" rIns="50800" bIns="50800" numCol="1" spcCol="38100" rtlCol="0" anchor="ctr" upright="0">
+      <a:bodyPr rot="0" spcFirstLastPara="1" vertOverflow="overflow" horzOverflow="overflow" vert="horz" wrap="square" lIns="50800" tIns="50800" rIns="50800" bIns="50800" numCol="1" spcCol="38100" rtlCol="0" anchor="ctr">
         <a:spAutoFit/>
       </a:bodyPr>
       <a:lstStyle>
@@ -23907,7 +24194,7 @@
           <a:buFontTx/>
           <a:buNone/>
           <a:tabLst/>
-          <a:defRPr b="0" baseline="0" cap="none" i="0" spc="0" strike="noStrike" sz="3800" u="none" kumimoji="0" normalizeH="0">
+          <a:defRPr kumimoji="0" sz="3800" b="0" i="0" u="none" strike="noStrike" cap="none" spc="0" normalizeH="0" baseline="0">
             <a:ln>
               <a:noFill/>
             </a:ln>
@@ -23937,7 +24224,7 @@
           <a:buFontTx/>
           <a:buNone/>
           <a:tabLst/>
-          <a:defRPr b="0" baseline="0" cap="none" i="0" spc="0" strike="noStrike" sz="1800" u="none" kumimoji="0" normalizeH="0">
+          <a:defRPr kumimoji="0" sz="1800" b="0" i="0" u="none" strike="noStrike" cap="none" spc="0" normalizeH="0" baseline="0">
             <a:ln>
               <a:noFill/>
             </a:ln>
@@ -23963,7 +24250,7 @@
           <a:buFontTx/>
           <a:buNone/>
           <a:tabLst/>
-          <a:defRPr b="0" baseline="0" cap="none" i="0" spc="0" strike="noStrike" sz="1800" u="none" kumimoji="0" normalizeH="0">
+          <a:defRPr kumimoji="0" sz="1800" b="0" i="0" u="none" strike="noStrike" cap="none" spc="0" normalizeH="0" baseline="0">
             <a:ln>
               <a:noFill/>
             </a:ln>
@@ -23989,7 +24276,7 @@
           <a:buFontTx/>
           <a:buNone/>
           <a:tabLst/>
-          <a:defRPr b="0" baseline="0" cap="none" i="0" spc="0" strike="noStrike" sz="1800" u="none" kumimoji="0" normalizeH="0">
+          <a:defRPr kumimoji="0" sz="1800" b="0" i="0" u="none" strike="noStrike" cap="none" spc="0" normalizeH="0" baseline="0">
             <a:ln>
               <a:noFill/>
             </a:ln>
@@ -24015,7 +24302,7 @@
           <a:buFontTx/>
           <a:buNone/>
           <a:tabLst/>
-          <a:defRPr b="0" baseline="0" cap="none" i="0" spc="0" strike="noStrike" sz="1800" u="none" kumimoji="0" normalizeH="0">
+          <a:defRPr kumimoji="0" sz="1800" b="0" i="0" u="none" strike="noStrike" cap="none" spc="0" normalizeH="0" baseline="0">
             <a:ln>
               <a:noFill/>
             </a:ln>
@@ -24041,7 +24328,7 @@
           <a:buFontTx/>
           <a:buNone/>
           <a:tabLst/>
-          <a:defRPr b="0" baseline="0" cap="none" i="0" spc="0" strike="noStrike" sz="1800" u="none" kumimoji="0" normalizeH="0">
+          <a:defRPr kumimoji="0" sz="1800" b="0" i="0" u="none" strike="noStrike" cap="none" spc="0" normalizeH="0" baseline="0">
             <a:ln>
               <a:noFill/>
             </a:ln>
@@ -24067,7 +24354,7 @@
           <a:buFontTx/>
           <a:buNone/>
           <a:tabLst/>
-          <a:defRPr b="0" baseline="0" cap="none" i="0" spc="0" strike="noStrike" sz="1800" u="none" kumimoji="0" normalizeH="0">
+          <a:defRPr kumimoji="0" sz="1800" b="0" i="0" u="none" strike="noStrike" cap="none" spc="0" normalizeH="0" baseline="0">
             <a:ln>
               <a:noFill/>
             </a:ln>
@@ -24093,7 +24380,7 @@
           <a:buFontTx/>
           <a:buNone/>
           <a:tabLst/>
-          <a:defRPr b="0" baseline="0" cap="none" i="0" spc="0" strike="noStrike" sz="1800" u="none" kumimoji="0" normalizeH="0">
+          <a:defRPr kumimoji="0" sz="1800" b="0" i="0" u="none" strike="noStrike" cap="none" spc="0" normalizeH="0" baseline="0">
             <a:ln>
               <a:noFill/>
             </a:ln>
@@ -24119,7 +24406,7 @@
           <a:buFontTx/>
           <a:buNone/>
           <a:tabLst/>
-          <a:defRPr b="0" baseline="0" cap="none" i="0" spc="0" strike="noStrike" sz="1800" u="none" kumimoji="0" normalizeH="0">
+          <a:defRPr kumimoji="0" sz="1800" b="0" i="0" u="none" strike="noStrike" cap="none" spc="0" normalizeH="0" baseline="0">
             <a:ln>
               <a:noFill/>
             </a:ln>
@@ -24145,7 +24432,7 @@
           <a:buFontTx/>
           <a:buNone/>
           <a:tabLst/>
-          <a:defRPr b="0" baseline="0" cap="none" i="0" spc="0" strike="noStrike" sz="1800" u="none" kumimoji="0" normalizeH="0">
+          <a:defRPr kumimoji="0" sz="1800" b="0" i="0" u="none" strike="noStrike" cap="none" spc="0" normalizeH="0" baseline="0">
             <a:ln>
               <a:noFill/>
             </a:ln>
@@ -24158,12 +24445,19 @@
         </a:lvl9pPr>
       </a:lstStyle>
       <a:style>
-        <a:lnRef idx="0"/>
-        <a:fillRef idx="0"/>
-        <a:effectRef idx="0"/>
+        <a:lnRef idx="0">
+          <a:scrgbClr r="0" g="0" b="0"/>
+        </a:lnRef>
+        <a:fillRef idx="0">
+          <a:scrgbClr r="0" g="0" b="0"/>
+        </a:fillRef>
+        <a:effectRef idx="0">
+          <a:scrgbClr r="0" g="0" b="0"/>
+        </a:effectRef>
         <a:fontRef idx="none"/>
       </a:style>
     </a:txDef>
   </a:objectDefaults>
+  <a:extraClrSchemeLst/>
 </a:theme>
 </file>